--- a/docs/WeeklyNotes/Report_Dec05.pptx
+++ b/docs/WeeklyNotes/Report_Dec05.pptx
@@ -5,10 +5,10 @@
     <p:sldMasterId id="2147483648" r:id="rId4"/>
   </p:sldMasterIdLst>
   <p:notesMasterIdLst>
-    <p:notesMasterId r:id="rId17"/>
+    <p:notesMasterId r:id="rId13"/>
   </p:notesMasterIdLst>
   <p:handoutMasterIdLst>
-    <p:handoutMasterId r:id="rId18"/>
+    <p:handoutMasterId r:id="rId14"/>
   </p:handoutMasterIdLst>
   <p:sldIdLst>
     <p:sldId id="256" r:id="rId5"/>
@@ -16,13 +16,9 @@
     <p:sldId id="271" r:id="rId7"/>
     <p:sldId id="272" r:id="rId8"/>
     <p:sldId id="274" r:id="rId9"/>
-    <p:sldId id="273" r:id="rId10"/>
-    <p:sldId id="259" r:id="rId11"/>
-    <p:sldId id="260" r:id="rId12"/>
-    <p:sldId id="261" r:id="rId13"/>
-    <p:sldId id="269" r:id="rId14"/>
-    <p:sldId id="268" r:id="rId15"/>
-    <p:sldId id="265" r:id="rId16"/>
+    <p:sldId id="259" r:id="rId10"/>
+    <p:sldId id="268" r:id="rId11"/>
+    <p:sldId id="265" r:id="rId12"/>
   </p:sldIdLst>
   <p:sldSz cx="12192000" cy="6858000"/>
   <p:notesSz cx="6858000" cy="9144000"/>
@@ -130,2648 +126,6 @@
     </p:ext>
   </p:extLst>
 </p:presentation>
-</file>
-
-<file path=ppt/charts/chart1.xml><?xml version="1.0" encoding="utf-8"?>
-<c:chartSpace xmlns:c="http://schemas.openxmlformats.org/drawingml/2006/chart" xmlns:a="http://schemas.openxmlformats.org/drawingml/2006/main" xmlns:r="http://schemas.openxmlformats.org/officeDocument/2006/relationships" xmlns:c16r2="http://schemas.microsoft.com/office/drawing/2015/06/chart">
-  <c:date1904 val="0"/>
-  <c:lang val="en-US"/>
-  <c:roundedCorners val="0"/>
-  <mc:AlternateContent xmlns:mc="http://schemas.openxmlformats.org/markup-compatibility/2006">
-    <mc:Choice xmlns:c14="http://schemas.microsoft.com/office/drawing/2007/8/2/chart" Requires="c14">
-      <c14:style val="102"/>
-    </mc:Choice>
-    <mc:Fallback>
-      <c:style val="2"/>
-    </mc:Fallback>
-  </mc:AlternateContent>
-  <c:chart>
-    <c:autoTitleDeleted val="1"/>
-    <c:plotArea>
-      <c:layout>
-        <c:manualLayout>
-          <c:layoutTarget val="inner"/>
-          <c:xMode val="edge"/>
-          <c:yMode val="edge"/>
-          <c:x val="5.1717604133994469E-2"/>
-          <c:y val="1.2737743702538331E-3"/>
-          <c:w val="0.89829115901857881"/>
-          <c:h val="0.80787851462750515"/>
-        </c:manualLayout>
-      </c:layout>
-      <c:lineChart>
-        <c:grouping val="stacked"/>
-        <c:varyColors val="0"/>
-        <c:ser>
-          <c:idx val="0"/>
-          <c:order val="0"/>
-          <c:tx>
-            <c:strRef>
-              <c:f>Sheet1!$B$1</c:f>
-              <c:strCache>
-                <c:ptCount val="1"/>
-                <c:pt idx="0">
-                  <c:v>Series 1</c:v>
-                </c:pt>
-              </c:strCache>
-            </c:strRef>
-          </c:tx>
-          <c:spPr>
-            <a:ln w="19050" cap="rnd" cmpd="sng" algn="ctr">
-              <a:solidFill>
-                <a:schemeClr val="accent5">
-                  <a:lumMod val="50000"/>
-                </a:schemeClr>
-              </a:solidFill>
-              <a:round/>
-            </a:ln>
-            <a:effectLst/>
-          </c:spPr>
-          <c:marker>
-            <c:symbol val="none"/>
-          </c:marker>
-          <c:dLbls>
-            <c:dLbl>
-              <c:idx val="0"/>
-              <c:layout>
-                <c:manualLayout>
-                  <c:x val="-3.0676454742969976E-2"/>
-                  <c:y val="-2.7504710452380624E-2"/>
-                </c:manualLayout>
-              </c:layout>
-              <c:showLegendKey val="0"/>
-              <c:showVal val="1"/>
-              <c:showCatName val="0"/>
-              <c:showSerName val="0"/>
-              <c:showPercent val="0"/>
-              <c:showBubbleSize val="0"/>
-              <c:extLst>
-                <c:ext xmlns:c15="http://schemas.microsoft.com/office/drawing/2012/chart" uri="{CE6537A1-D6FC-4f65-9D91-7224C49458BB}"/>
-                <c:ext xmlns:c16="http://schemas.microsoft.com/office/drawing/2014/chart" uri="{C3380CC4-5D6E-409C-BE32-E72D297353CC}">
-                  <c16:uniqueId val="{00000007-449A-4FCA-8B48-2851BB72F648}"/>
-                </c:ext>
-              </c:extLst>
-            </c:dLbl>
-            <c:dLbl>
-              <c:idx val="1"/>
-              <c:layout>
-                <c:manualLayout>
-                  <c:x val="-1.136160517389855E-2"/>
-                  <c:y val="-5.0008564458873861E-2"/>
-                </c:manualLayout>
-              </c:layout>
-              <c:showLegendKey val="0"/>
-              <c:showVal val="1"/>
-              <c:showCatName val="0"/>
-              <c:showSerName val="0"/>
-              <c:showPercent val="0"/>
-              <c:showBubbleSize val="0"/>
-              <c:extLst>
-                <c:ext xmlns:c15="http://schemas.microsoft.com/office/drawing/2012/chart" uri="{CE6537A1-D6FC-4f65-9D91-7224C49458BB}">
-                  <c15:layout>
-                    <c:manualLayout>
-                      <c:w val="2.6762321619859943E-2"/>
-                      <c:h val="5.4059258180042646E-2"/>
-                    </c:manualLayout>
-                  </c15:layout>
-                </c:ext>
-                <c:ext xmlns:c16="http://schemas.microsoft.com/office/drawing/2014/chart" uri="{C3380CC4-5D6E-409C-BE32-E72D297353CC}">
-                  <c16:uniqueId val="{00000009-449A-4FCA-8B48-2851BB72F648}"/>
-                </c:ext>
-              </c:extLst>
-            </c:dLbl>
-            <c:dLbl>
-              <c:idx val="2"/>
-              <c:layout>
-                <c:manualLayout>
-                  <c:x val="-9.0893199238430335E-3"/>
-                  <c:y val="-5.7509849127705036E-2"/>
-                </c:manualLayout>
-              </c:layout>
-              <c:showLegendKey val="0"/>
-              <c:showVal val="1"/>
-              <c:showCatName val="0"/>
-              <c:showSerName val="0"/>
-              <c:showPercent val="0"/>
-              <c:showBubbleSize val="0"/>
-              <c:extLst>
-                <c:ext xmlns:c15="http://schemas.microsoft.com/office/drawing/2012/chart" uri="{CE6537A1-D6FC-4f65-9D91-7224C49458BB}"/>
-                <c:ext xmlns:c16="http://schemas.microsoft.com/office/drawing/2014/chart" uri="{C3380CC4-5D6E-409C-BE32-E72D297353CC}">
-                  <c16:uniqueId val="{0000000A-449A-4FCA-8B48-2851BB72F648}"/>
-                </c:ext>
-              </c:extLst>
-            </c:dLbl>
-            <c:spPr>
-              <a:noFill/>
-              <a:ln>
-                <a:noFill/>
-              </a:ln>
-              <a:effectLst/>
-            </c:spPr>
-            <c:txPr>
-              <a:bodyPr rot="0" spcFirstLastPara="1" vertOverflow="ellipsis" vert="horz" wrap="square" lIns="38100" tIns="19050" rIns="38100" bIns="19050" anchor="ctr" anchorCtr="1">
-                <a:spAutoFit/>
-              </a:bodyPr>
-              <a:lstStyle/>
-              <a:p>
-                <a:pPr>
-                  <a:defRPr sz="1400" b="1" i="0" u="none" strike="noStrike" kern="1200" baseline="0">
-                    <a:solidFill>
-                      <a:schemeClr val="accent5">
-                        <a:lumMod val="50000"/>
-                      </a:schemeClr>
-                    </a:solidFill>
-                    <a:latin typeface="+mn-lt"/>
-                    <a:ea typeface="+mn-ea"/>
-                    <a:cs typeface="+mn-cs"/>
-                  </a:defRPr>
-                </a:pPr>
-                <a:endParaRPr lang="en-US"/>
-              </a:p>
-            </c:txPr>
-            <c:showLegendKey val="0"/>
-            <c:showVal val="1"/>
-            <c:showCatName val="0"/>
-            <c:showSerName val="0"/>
-            <c:showPercent val="0"/>
-            <c:showBubbleSize val="0"/>
-            <c:showLeaderLines val="0"/>
-            <c:extLst>
-              <c:ext xmlns:c15="http://schemas.microsoft.com/office/drawing/2012/chart" uri="{CE6537A1-D6FC-4f65-9D91-7224C49458BB}">
-                <c15:showLeaderLines val="1"/>
-                <c15:leaderLines>
-                  <c:spPr>
-                    <a:ln w="9525">
-                      <a:solidFill>
-                        <a:schemeClr val="dk1">
-                          <a:lumMod val="35000"/>
-                          <a:lumOff val="65000"/>
-                        </a:schemeClr>
-                      </a:solidFill>
-                    </a:ln>
-                    <a:effectLst/>
-                  </c:spPr>
-                </c15:leaderLines>
-              </c:ext>
-            </c:extLst>
-          </c:dLbls>
-          <c:cat>
-            <c:strRef>
-              <c:f>Sheet1!$A$2:$A$5</c:f>
-              <c:strCache>
-                <c:ptCount val="4"/>
-                <c:pt idx="0">
-                  <c:v>Q1</c:v>
-                </c:pt>
-                <c:pt idx="1">
-                  <c:v>Q2</c:v>
-                </c:pt>
-                <c:pt idx="2">
-                  <c:v>Q3</c:v>
-                </c:pt>
-                <c:pt idx="3">
-                  <c:v>Q4</c:v>
-                </c:pt>
-              </c:strCache>
-            </c:strRef>
-          </c:cat>
-          <c:val>
-            <c:numRef>
-              <c:f>Sheet1!$B$2:$B$5</c:f>
-              <c:numCache>
-                <c:formatCode>General</c:formatCode>
-                <c:ptCount val="4"/>
-                <c:pt idx="0">
-                  <c:v>4.5</c:v>
-                </c:pt>
-                <c:pt idx="1">
-                  <c:v>3.5</c:v>
-                </c:pt>
-                <c:pt idx="2">
-                  <c:v>2.5</c:v>
-                </c:pt>
-                <c:pt idx="3">
-                  <c:v>4.3</c:v>
-                </c:pt>
-              </c:numCache>
-            </c:numRef>
-          </c:val>
-          <c:smooth val="0"/>
-          <c:extLst>
-            <c:ext xmlns:c16="http://schemas.microsoft.com/office/drawing/2014/chart" uri="{C3380CC4-5D6E-409C-BE32-E72D297353CC}">
-              <c16:uniqueId val="{00000000-449A-4FCA-8B48-2851BB72F648}"/>
-            </c:ext>
-          </c:extLst>
-        </c:ser>
-        <c:ser>
-          <c:idx val="1"/>
-          <c:order val="1"/>
-          <c:tx>
-            <c:strRef>
-              <c:f>Sheet1!$C$1</c:f>
-              <c:strCache>
-                <c:ptCount val="1"/>
-                <c:pt idx="0">
-                  <c:v>Series 2</c:v>
-                </c:pt>
-              </c:strCache>
-            </c:strRef>
-          </c:tx>
-          <c:spPr>
-            <a:ln w="19050" cap="rnd" cmpd="sng" algn="ctr">
-              <a:solidFill>
-                <a:schemeClr val="accent2">
-                  <a:shade val="95000"/>
-                  <a:satMod val="105000"/>
-                </a:schemeClr>
-              </a:solidFill>
-              <a:round/>
-            </a:ln>
-            <a:effectLst/>
-          </c:spPr>
-          <c:marker>
-            <c:symbol val="none"/>
-          </c:marker>
-          <c:dLbls>
-            <c:dLbl>
-              <c:idx val="0"/>
-              <c:layout>
-                <c:manualLayout>
-                  <c:x val="-2.7267915040623713E-2"/>
-                  <c:y val="-3.2505566898268057E-2"/>
-                </c:manualLayout>
-              </c:layout>
-              <c:spPr>
-                <a:noFill/>
-                <a:ln>
-                  <a:noFill/>
-                </a:ln>
-                <a:effectLst/>
-              </c:spPr>
-              <c:txPr>
-                <a:bodyPr rot="0" spcFirstLastPara="1" vertOverflow="ellipsis" vert="horz" wrap="square" lIns="38100" tIns="19050" rIns="38100" bIns="19050" anchor="ctr" anchorCtr="1">
-                  <a:noAutofit/>
-                </a:bodyPr>
-                <a:lstStyle/>
-                <a:p>
-                  <a:pPr>
-                    <a:defRPr sz="1400" b="1" i="0" u="none" strike="noStrike" kern="1200" baseline="0">
-                      <a:solidFill>
-                        <a:schemeClr val="accent2"/>
-                      </a:solidFill>
-                      <a:latin typeface="+mn-lt"/>
-                      <a:ea typeface="+mn-ea"/>
-                      <a:cs typeface="+mn-cs"/>
-                    </a:defRPr>
-                  </a:pPr>
-                  <a:endParaRPr lang="en-US"/>
-                </a:p>
-              </c:txPr>
-              <c:showLegendKey val="0"/>
-              <c:showVal val="1"/>
-              <c:showCatName val="0"/>
-              <c:showSerName val="0"/>
-              <c:showPercent val="0"/>
-              <c:showBubbleSize val="0"/>
-              <c:extLst>
-                <c:ext xmlns:c15="http://schemas.microsoft.com/office/drawing/2012/chart" uri="{CE6537A1-D6FC-4f65-9D91-7224C49458BB}">
-                  <c15:layout>
-                    <c:manualLayout>
-                      <c:w val="2.6762321619859943E-2"/>
-                      <c:h val="5.9060114625930034E-2"/>
-                    </c:manualLayout>
-                  </c15:layout>
-                </c:ext>
-                <c:ext xmlns:c16="http://schemas.microsoft.com/office/drawing/2014/chart" uri="{C3380CC4-5D6E-409C-BE32-E72D297353CC}">
-                  <c16:uniqueId val="{00000006-449A-4FCA-8B48-2851BB72F648}"/>
-                </c:ext>
-              </c:extLst>
-            </c:dLbl>
-            <c:dLbl>
-              <c:idx val="1"/>
-              <c:layout>
-                <c:manualLayout>
-                  <c:x val="-1.0225484914323318E-2"/>
-                  <c:y val="-6.0010277350648636E-2"/>
-                </c:manualLayout>
-              </c:layout>
-              <c:showLegendKey val="0"/>
-              <c:showVal val="1"/>
-              <c:showCatName val="0"/>
-              <c:showSerName val="0"/>
-              <c:showPercent val="0"/>
-              <c:showBubbleSize val="0"/>
-              <c:extLst>
-                <c:ext xmlns:c15="http://schemas.microsoft.com/office/drawing/2012/chart" uri="{CE6537A1-D6FC-4f65-9D91-7224C49458BB}"/>
-                <c:ext xmlns:c16="http://schemas.microsoft.com/office/drawing/2014/chart" uri="{C3380CC4-5D6E-409C-BE32-E72D297353CC}">
-                  <c16:uniqueId val="{00000008-449A-4FCA-8B48-2851BB72F648}"/>
-                </c:ext>
-              </c:extLst>
-            </c:dLbl>
-            <c:dLbl>
-              <c:idx val="2"/>
-              <c:layout>
-                <c:manualLayout>
-                  <c:x val="-1.0225484914323402E-2"/>
-                  <c:y val="-5.25089926818176E-2"/>
-                </c:manualLayout>
-              </c:layout>
-              <c:showLegendKey val="0"/>
-              <c:showVal val="1"/>
-              <c:showCatName val="0"/>
-              <c:showSerName val="0"/>
-              <c:showPercent val="0"/>
-              <c:showBubbleSize val="0"/>
-              <c:extLst>
-                <c:ext xmlns:c15="http://schemas.microsoft.com/office/drawing/2012/chart" uri="{CE6537A1-D6FC-4f65-9D91-7224C49458BB}"/>
-                <c:ext xmlns:c16="http://schemas.microsoft.com/office/drawing/2014/chart" uri="{C3380CC4-5D6E-409C-BE32-E72D297353CC}">
-                  <c16:uniqueId val="{0000000B-449A-4FCA-8B48-2851BB72F648}"/>
-                </c:ext>
-              </c:extLst>
-            </c:dLbl>
-            <c:spPr>
-              <a:noFill/>
-              <a:ln>
-                <a:noFill/>
-              </a:ln>
-              <a:effectLst/>
-            </c:spPr>
-            <c:txPr>
-              <a:bodyPr rot="0" spcFirstLastPara="1" vertOverflow="ellipsis" vert="horz" wrap="square" lIns="38100" tIns="19050" rIns="38100" bIns="19050" anchor="ctr" anchorCtr="1">
-                <a:spAutoFit/>
-              </a:bodyPr>
-              <a:lstStyle/>
-              <a:p>
-                <a:pPr>
-                  <a:defRPr sz="1400" b="1" i="0" u="none" strike="noStrike" kern="1200" baseline="0">
-                    <a:solidFill>
-                      <a:schemeClr val="accent2"/>
-                    </a:solidFill>
-                    <a:latin typeface="+mn-lt"/>
-                    <a:ea typeface="+mn-ea"/>
-                    <a:cs typeface="+mn-cs"/>
-                  </a:defRPr>
-                </a:pPr>
-                <a:endParaRPr lang="en-US"/>
-              </a:p>
-            </c:txPr>
-            <c:showLegendKey val="0"/>
-            <c:showVal val="1"/>
-            <c:showCatName val="0"/>
-            <c:showSerName val="0"/>
-            <c:showPercent val="0"/>
-            <c:showBubbleSize val="0"/>
-            <c:showLeaderLines val="0"/>
-            <c:extLst>
-              <c:ext xmlns:c15="http://schemas.microsoft.com/office/drawing/2012/chart" uri="{CE6537A1-D6FC-4f65-9D91-7224C49458BB}">
-                <c15:showLeaderLines val="1"/>
-                <c15:leaderLines>
-                  <c:spPr>
-                    <a:ln w="9525">
-                      <a:solidFill>
-                        <a:schemeClr val="dk1">
-                          <a:lumMod val="35000"/>
-                          <a:lumOff val="65000"/>
-                        </a:schemeClr>
-                      </a:solidFill>
-                    </a:ln>
-                    <a:effectLst/>
-                  </c:spPr>
-                </c15:leaderLines>
-              </c:ext>
-            </c:extLst>
-          </c:dLbls>
-          <c:cat>
-            <c:strRef>
-              <c:f>Sheet1!$A$2:$A$5</c:f>
-              <c:strCache>
-                <c:ptCount val="4"/>
-                <c:pt idx="0">
-                  <c:v>Q1</c:v>
-                </c:pt>
-                <c:pt idx="1">
-                  <c:v>Q2</c:v>
-                </c:pt>
-                <c:pt idx="2">
-                  <c:v>Q3</c:v>
-                </c:pt>
-                <c:pt idx="3">
-                  <c:v>Q4</c:v>
-                </c:pt>
-              </c:strCache>
-            </c:strRef>
-          </c:cat>
-          <c:val>
-            <c:numRef>
-              <c:f>Sheet1!$C$2:$C$5</c:f>
-              <c:numCache>
-                <c:formatCode>General</c:formatCode>
-                <c:ptCount val="4"/>
-                <c:pt idx="0">
-                  <c:v>2.8</c:v>
-                </c:pt>
-                <c:pt idx="1">
-                  <c:v>1.8</c:v>
-                </c:pt>
-                <c:pt idx="2">
-                  <c:v>4.4000000000000004</c:v>
-                </c:pt>
-                <c:pt idx="3">
-                  <c:v>2.4</c:v>
-                </c:pt>
-              </c:numCache>
-            </c:numRef>
-          </c:val>
-          <c:smooth val="0"/>
-          <c:extLst>
-            <c:ext xmlns:c16="http://schemas.microsoft.com/office/drawing/2014/chart" uri="{C3380CC4-5D6E-409C-BE32-E72D297353CC}">
-              <c16:uniqueId val="{00000001-449A-4FCA-8B48-2851BB72F648}"/>
-            </c:ext>
-          </c:extLst>
-        </c:ser>
-        <c:ser>
-          <c:idx val="2"/>
-          <c:order val="2"/>
-          <c:tx>
-            <c:strRef>
-              <c:f>Sheet1!$D$1</c:f>
-              <c:strCache>
-                <c:ptCount val="1"/>
-                <c:pt idx="0">
-                  <c:v>Series 3</c:v>
-                </c:pt>
-              </c:strCache>
-            </c:strRef>
-          </c:tx>
-          <c:spPr>
-            <a:ln w="19050" cap="rnd" cmpd="sng" algn="ctr">
-              <a:solidFill>
-                <a:schemeClr val="accent3">
-                  <a:shade val="95000"/>
-                  <a:satMod val="105000"/>
-                </a:schemeClr>
-              </a:solidFill>
-              <a:round/>
-            </a:ln>
-            <a:effectLst/>
-          </c:spPr>
-          <c:marker>
-            <c:symbol val="none"/>
-          </c:marker>
-          <c:dLbls>
-            <c:dLbl>
-              <c:idx val="0"/>
-              <c:layout>
-                <c:manualLayout>
-                  <c:x val="-1.7042474857205531E-2"/>
-                  <c:y val="-3.2505566898268008E-2"/>
-                </c:manualLayout>
-              </c:layout>
-              <c:showLegendKey val="0"/>
-              <c:showVal val="1"/>
-              <c:showCatName val="0"/>
-              <c:showSerName val="0"/>
-              <c:showPercent val="0"/>
-              <c:showBubbleSize val="0"/>
-              <c:extLst>
-                <c:ext xmlns:c15="http://schemas.microsoft.com/office/drawing/2012/chart" uri="{CE6537A1-D6FC-4f65-9D91-7224C49458BB}"/>
-                <c:ext xmlns:c16="http://schemas.microsoft.com/office/drawing/2014/chart" uri="{C3380CC4-5D6E-409C-BE32-E72D297353CC}">
-                  <c16:uniqueId val="{00000005-449A-4FCA-8B48-2851BB72F648}"/>
-                </c:ext>
-              </c:extLst>
-            </c:dLbl>
-            <c:dLbl>
-              <c:idx val="1"/>
-              <c:layout>
-                <c:manualLayout>
-                  <c:x val="-4.5446599619214751E-3"/>
-                  <c:y val="-5.5009420904761297E-2"/>
-                </c:manualLayout>
-              </c:layout>
-              <c:showLegendKey val="0"/>
-              <c:showVal val="1"/>
-              <c:showCatName val="0"/>
-              <c:showSerName val="0"/>
-              <c:showPercent val="0"/>
-              <c:showBubbleSize val="0"/>
-              <c:extLst>
-                <c:ext xmlns:c15="http://schemas.microsoft.com/office/drawing/2012/chart" uri="{CE6537A1-D6FC-4f65-9D91-7224C49458BB}"/>
-                <c:ext xmlns:c16="http://schemas.microsoft.com/office/drawing/2014/chart" uri="{C3380CC4-5D6E-409C-BE32-E72D297353CC}">
-                  <c16:uniqueId val="{00000004-449A-4FCA-8B48-2851BB72F648}"/>
-                </c:ext>
-              </c:extLst>
-            </c:dLbl>
-            <c:dLbl>
-              <c:idx val="2"/>
-              <c:layout>
-                <c:manualLayout>
-                  <c:x val="-4.5446599619215584E-3"/>
-                  <c:y val="-5.5009420904761297E-2"/>
-                </c:manualLayout>
-              </c:layout>
-              <c:showLegendKey val="0"/>
-              <c:showVal val="1"/>
-              <c:showCatName val="0"/>
-              <c:showSerName val="0"/>
-              <c:showPercent val="0"/>
-              <c:showBubbleSize val="0"/>
-              <c:extLst>
-                <c:ext xmlns:c15="http://schemas.microsoft.com/office/drawing/2012/chart" uri="{CE6537A1-D6FC-4f65-9D91-7224C49458BB}"/>
-                <c:ext xmlns:c16="http://schemas.microsoft.com/office/drawing/2014/chart" uri="{C3380CC4-5D6E-409C-BE32-E72D297353CC}">
-                  <c16:uniqueId val="{0000000C-449A-4FCA-8B48-2851BB72F648}"/>
-                </c:ext>
-              </c:extLst>
-            </c:dLbl>
-            <c:numFmt formatCode="#,##0.0" sourceLinked="0"/>
-            <c:spPr>
-              <a:noFill/>
-              <a:ln>
-                <a:noFill/>
-              </a:ln>
-              <a:effectLst/>
-            </c:spPr>
-            <c:txPr>
-              <a:bodyPr rot="0" spcFirstLastPara="1" vertOverflow="ellipsis" vert="horz" wrap="square" lIns="38100" tIns="19050" rIns="38100" bIns="19050" anchor="ctr" anchorCtr="1">
-                <a:spAutoFit/>
-              </a:bodyPr>
-              <a:lstStyle/>
-              <a:p>
-                <a:pPr>
-                  <a:defRPr sz="1400" b="1" i="0" u="none" strike="noStrike" kern="1200" baseline="0">
-                    <a:solidFill>
-                      <a:schemeClr val="accent3"/>
-                    </a:solidFill>
-                    <a:latin typeface="+mn-lt"/>
-                    <a:ea typeface="+mn-ea"/>
-                    <a:cs typeface="+mn-cs"/>
-                  </a:defRPr>
-                </a:pPr>
-                <a:endParaRPr lang="en-US"/>
-              </a:p>
-            </c:txPr>
-            <c:showLegendKey val="0"/>
-            <c:showVal val="1"/>
-            <c:showCatName val="0"/>
-            <c:showSerName val="0"/>
-            <c:showPercent val="0"/>
-            <c:showBubbleSize val="0"/>
-            <c:showLeaderLines val="0"/>
-            <c:extLst>
-              <c:ext xmlns:c15="http://schemas.microsoft.com/office/drawing/2012/chart" uri="{CE6537A1-D6FC-4f65-9D91-7224C49458BB}">
-                <c15:showLeaderLines val="1"/>
-                <c15:leaderLines>
-                  <c:spPr>
-                    <a:ln w="9525">
-                      <a:solidFill>
-                        <a:schemeClr val="dk1">
-                          <a:lumMod val="35000"/>
-                          <a:lumOff val="65000"/>
-                        </a:schemeClr>
-                      </a:solidFill>
-                    </a:ln>
-                    <a:effectLst/>
-                  </c:spPr>
-                </c15:leaderLines>
-              </c:ext>
-            </c:extLst>
-          </c:dLbls>
-          <c:cat>
-            <c:strRef>
-              <c:f>Sheet1!$A$2:$A$5</c:f>
-              <c:strCache>
-                <c:ptCount val="4"/>
-                <c:pt idx="0">
-                  <c:v>Q1</c:v>
-                </c:pt>
-                <c:pt idx="1">
-                  <c:v>Q2</c:v>
-                </c:pt>
-                <c:pt idx="2">
-                  <c:v>Q3</c:v>
-                </c:pt>
-                <c:pt idx="3">
-                  <c:v>Q4</c:v>
-                </c:pt>
-              </c:strCache>
-            </c:strRef>
-          </c:cat>
-          <c:val>
-            <c:numRef>
-              <c:f>Sheet1!$D$2:$D$5</c:f>
-              <c:numCache>
-                <c:formatCode>General</c:formatCode>
-                <c:ptCount val="4"/>
-                <c:pt idx="0">
-                  <c:v>5</c:v>
-                </c:pt>
-                <c:pt idx="1">
-                  <c:v>3</c:v>
-                </c:pt>
-                <c:pt idx="2">
-                  <c:v>2</c:v>
-                </c:pt>
-                <c:pt idx="3">
-                  <c:v>2</c:v>
-                </c:pt>
-              </c:numCache>
-            </c:numRef>
-          </c:val>
-          <c:smooth val="0"/>
-          <c:extLst>
-            <c:ext xmlns:c16="http://schemas.microsoft.com/office/drawing/2014/chart" uri="{C3380CC4-5D6E-409C-BE32-E72D297353CC}">
-              <c16:uniqueId val="{00000002-449A-4FCA-8B48-2851BB72F648}"/>
-            </c:ext>
-          </c:extLst>
-        </c:ser>
-        <c:dLbls>
-          <c:showLegendKey val="0"/>
-          <c:showVal val="1"/>
-          <c:showCatName val="0"/>
-          <c:showSerName val="0"/>
-          <c:showPercent val="0"/>
-          <c:showBubbleSize val="0"/>
-        </c:dLbls>
-        <c:smooth val="0"/>
-        <c:axId val="864192000"/>
-        <c:axId val="864182432"/>
-      </c:lineChart>
-      <c:catAx>
-        <c:axId val="864192000"/>
-        <c:scaling>
-          <c:orientation val="minMax"/>
-        </c:scaling>
-        <c:delete val="0"/>
-        <c:axPos val="b"/>
-        <c:numFmt formatCode="\Q0" sourceLinked="0"/>
-        <c:majorTickMark val="none"/>
-        <c:minorTickMark val="none"/>
-        <c:tickLblPos val="nextTo"/>
-        <c:spPr>
-          <a:noFill/>
-          <a:ln w="9525" cap="flat" cmpd="sng" algn="ctr">
-            <a:solidFill>
-              <a:schemeClr val="dk1">
-                <a:lumMod val="15000"/>
-                <a:lumOff val="85000"/>
-              </a:schemeClr>
-            </a:solidFill>
-            <a:round/>
-          </a:ln>
-          <a:effectLst/>
-        </c:spPr>
-        <c:txPr>
-          <a:bodyPr rot="-60000000" spcFirstLastPara="1" vertOverflow="ellipsis" vert="horz" wrap="square" anchor="ctr" anchorCtr="1"/>
-          <a:lstStyle/>
-          <a:p>
-            <a:pPr>
-              <a:defRPr sz="1600" b="1" i="0" u="none" strike="noStrike" kern="1200" cap="all" spc="200" baseline="0">
-                <a:solidFill>
-                  <a:schemeClr val="dk1">
-                    <a:lumMod val="65000"/>
-                    <a:lumOff val="35000"/>
-                  </a:schemeClr>
-                </a:solidFill>
-                <a:latin typeface="+mn-lt"/>
-                <a:ea typeface="+mn-ea"/>
-                <a:cs typeface="+mn-cs"/>
-              </a:defRPr>
-            </a:pPr>
-            <a:endParaRPr lang="en-US"/>
-          </a:p>
-        </c:txPr>
-        <c:crossAx val="864182432"/>
-        <c:crosses val="autoZero"/>
-        <c:auto val="1"/>
-        <c:lblAlgn val="ctr"/>
-        <c:lblOffset val="100"/>
-        <c:noMultiLvlLbl val="0"/>
-      </c:catAx>
-      <c:valAx>
-        <c:axId val="864182432"/>
-        <c:scaling>
-          <c:orientation val="minMax"/>
-        </c:scaling>
-        <c:delete val="1"/>
-        <c:axPos val="l"/>
-        <c:numFmt formatCode="General" sourceLinked="1"/>
-        <c:majorTickMark val="none"/>
-        <c:minorTickMark val="none"/>
-        <c:tickLblPos val="nextTo"/>
-        <c:crossAx val="864192000"/>
-        <c:crosses val="autoZero"/>
-        <c:crossBetween val="between"/>
-      </c:valAx>
-      <c:spPr>
-        <a:noFill/>
-        <a:ln>
-          <a:noFill/>
-        </a:ln>
-        <a:effectLst/>
-      </c:spPr>
-    </c:plotArea>
-    <c:legend>
-      <c:legendPos val="b"/>
-      <c:layout>
-        <c:manualLayout>
-          <c:xMode val="edge"/>
-          <c:yMode val="edge"/>
-          <c:x val="0.39553686339802774"/>
-          <c:y val="0.9357229596126192"/>
-          <c:w val="0.25319061073251869"/>
-          <c:h val="5.7252370167993762E-2"/>
-        </c:manualLayout>
-      </c:layout>
-      <c:overlay val="0"/>
-      <c:spPr>
-        <a:noFill/>
-        <a:ln>
-          <a:noFill/>
-        </a:ln>
-        <a:effectLst/>
-      </c:spPr>
-      <c:txPr>
-        <a:bodyPr rot="0" spcFirstLastPara="1" vertOverflow="ellipsis" vert="horz" wrap="square" anchor="ctr" anchorCtr="1"/>
-        <a:lstStyle/>
-        <a:p>
-          <a:pPr>
-            <a:defRPr sz="1197" b="0" i="0" u="none" strike="noStrike" kern="1200" baseline="0">
-              <a:solidFill>
-                <a:schemeClr val="dk1">
-                  <a:lumMod val="65000"/>
-                  <a:lumOff val="35000"/>
-                </a:schemeClr>
-              </a:solidFill>
-              <a:latin typeface="+mn-lt"/>
-              <a:ea typeface="+mn-ea"/>
-              <a:cs typeface="+mn-cs"/>
-            </a:defRPr>
-          </a:pPr>
-          <a:endParaRPr lang="en-US"/>
-        </a:p>
-      </c:txPr>
-    </c:legend>
-    <c:plotVisOnly val="1"/>
-    <c:dispBlanksAs val="gap"/>
-    <c:extLst>
-      <c:ext xmlns:c16r3="http://schemas.microsoft.com/office/drawing/2017/03/chart" uri="{56B9EC1D-385E-4148-901F-78D8002777C0}">
-        <c16r3:dataDisplayOptions16>
-          <c16r3:dispNaAsBlank val="1"/>
-        </c16r3:dataDisplayOptions16>
-      </c:ext>
-    </c:extLst>
-    <c:showDLblsOverMax val="0"/>
-  </c:chart>
-  <c:spPr>
-    <a:solidFill>
-      <a:schemeClr val="lt1"/>
-    </a:solidFill>
-    <a:ln w="9525" cap="flat" cmpd="sng" algn="ctr">
-      <a:noFill/>
-      <a:round/>
-    </a:ln>
-    <a:effectLst/>
-  </c:spPr>
-  <c:txPr>
-    <a:bodyPr/>
-    <a:lstStyle/>
-    <a:p>
-      <a:pPr>
-        <a:defRPr/>
-      </a:pPr>
-      <a:endParaRPr lang="en-US"/>
-    </a:p>
-  </c:txPr>
-  <c:externalData r:id="rId3">
-    <c:autoUpdate val="0"/>
-  </c:externalData>
-</c:chartSpace>
-</file>
-
-<file path=ppt/charts/chart2.xml><?xml version="1.0" encoding="utf-8"?>
-<c:chartSpace xmlns:c="http://schemas.openxmlformats.org/drawingml/2006/chart" xmlns:a="http://schemas.openxmlformats.org/drawingml/2006/main" xmlns:r="http://schemas.openxmlformats.org/officeDocument/2006/relationships" xmlns:c16r2="http://schemas.microsoft.com/office/drawing/2015/06/chart">
-  <c:date1904 val="0"/>
-  <c:lang val="en-US"/>
-  <c:roundedCorners val="0"/>
-  <mc:AlternateContent xmlns:mc="http://schemas.openxmlformats.org/markup-compatibility/2006">
-    <mc:Choice xmlns:c14="http://schemas.microsoft.com/office/drawing/2007/8/2/chart" Requires="c14">
-      <c14:style val="102"/>
-    </mc:Choice>
-    <mc:Fallback>
-      <c:style val="2"/>
-    </mc:Fallback>
-  </mc:AlternateContent>
-  <c:chart>
-    <c:autoTitleDeleted val="1"/>
-    <c:plotArea>
-      <c:layout>
-        <c:manualLayout>
-          <c:layoutTarget val="inner"/>
-          <c:xMode val="edge"/>
-          <c:yMode val="edge"/>
-          <c:x val="3.851726273684479E-2"/>
-          <c:y val="2.9516296476231343E-2"/>
-          <c:w val="0.94546628937007871"/>
-          <c:h val="0.79350175371289378"/>
-        </c:manualLayout>
-      </c:layout>
-      <c:barChart>
-        <c:barDir val="col"/>
-        <c:grouping val="clustered"/>
-        <c:varyColors val="0"/>
-        <c:ser>
-          <c:idx val="0"/>
-          <c:order val="0"/>
-          <c:tx>
-            <c:strRef>
-              <c:f>Sheet1!$B$1</c:f>
-              <c:strCache>
-                <c:ptCount val="1"/>
-                <c:pt idx="0">
-                  <c:v>Q1</c:v>
-                </c:pt>
-              </c:strCache>
-            </c:strRef>
-          </c:tx>
-          <c:spPr>
-            <a:solidFill>
-              <a:schemeClr val="accent2">
-                <a:alpha val="70000"/>
-              </a:schemeClr>
-            </a:solidFill>
-            <a:ln>
-              <a:noFill/>
-            </a:ln>
-            <a:effectLst/>
-          </c:spPr>
-          <c:invertIfNegative val="0"/>
-          <c:dLbls>
-            <c:numFmt formatCode="#,##0.0" sourceLinked="0"/>
-            <c:spPr>
-              <a:noFill/>
-              <a:ln>
-                <a:noFill/>
-              </a:ln>
-              <a:effectLst/>
-            </c:spPr>
-            <c:txPr>
-              <a:bodyPr rot="0" spcFirstLastPara="1" vertOverflow="ellipsis" vert="horz" wrap="square" lIns="38100" tIns="19050" rIns="38100" bIns="19050" anchor="ctr" anchorCtr="1">
-                <a:spAutoFit/>
-              </a:bodyPr>
-              <a:lstStyle/>
-              <a:p>
-                <a:pPr>
-                  <a:defRPr sz="1197" b="0" i="0" u="none" strike="noStrike" kern="1200" baseline="0">
-                    <a:solidFill>
-                      <a:schemeClr val="bg1"/>
-                    </a:solidFill>
-                    <a:latin typeface="+mn-lt"/>
-                    <a:ea typeface="+mn-ea"/>
-                    <a:cs typeface="+mn-cs"/>
-                  </a:defRPr>
-                </a:pPr>
-                <a:endParaRPr lang="en-US"/>
-              </a:p>
-            </c:txPr>
-            <c:dLblPos val="inEnd"/>
-            <c:showLegendKey val="0"/>
-            <c:showVal val="1"/>
-            <c:showCatName val="0"/>
-            <c:showSerName val="0"/>
-            <c:showPercent val="0"/>
-            <c:showBubbleSize val="0"/>
-            <c:showLeaderLines val="0"/>
-            <c:extLst>
-              <c:ext xmlns:c15="http://schemas.microsoft.com/office/drawing/2012/chart" uri="{CE6537A1-D6FC-4f65-9D91-7224C49458BB}">
-                <c15:showLeaderLines val="1"/>
-                <c15:leaderLines>
-                  <c:spPr>
-                    <a:ln w="9525">
-                      <a:solidFill>
-                        <a:schemeClr val="tx1">
-                          <a:lumMod val="35000"/>
-                          <a:lumOff val="65000"/>
-                        </a:schemeClr>
-                      </a:solidFill>
-                    </a:ln>
-                    <a:effectLst/>
-                  </c:spPr>
-                </c15:leaderLines>
-              </c:ext>
-            </c:extLst>
-          </c:dLbls>
-          <c:cat>
-            <c:strRef>
-              <c:f>Sheet1!$A$2:$A$5</c:f>
-              <c:strCache>
-                <c:ptCount val="4"/>
-                <c:pt idx="0">
-                  <c:v>B2B</c:v>
-                </c:pt>
-                <c:pt idx="1">
-                  <c:v>Supply chain</c:v>
-                </c:pt>
-                <c:pt idx="2">
-                  <c:v>ROI</c:v>
-                </c:pt>
-                <c:pt idx="3">
-                  <c:v>E-commerce</c:v>
-                </c:pt>
-              </c:strCache>
-            </c:strRef>
-          </c:cat>
-          <c:val>
-            <c:numRef>
-              <c:f>Sheet1!$B$2:$B$5</c:f>
-              <c:numCache>
-                <c:formatCode>General</c:formatCode>
-                <c:ptCount val="4"/>
-                <c:pt idx="0">
-                  <c:v>4.5</c:v>
-                </c:pt>
-                <c:pt idx="1">
-                  <c:v>2.2999999999999998</c:v>
-                </c:pt>
-                <c:pt idx="2">
-                  <c:v>1.7</c:v>
-                </c:pt>
-                <c:pt idx="3">
-                  <c:v>5</c:v>
-                </c:pt>
-              </c:numCache>
-            </c:numRef>
-          </c:val>
-          <c:extLst>
-            <c:ext xmlns:c16="http://schemas.microsoft.com/office/drawing/2014/chart" uri="{C3380CC4-5D6E-409C-BE32-E72D297353CC}">
-              <c16:uniqueId val="{00000000-75A0-4CAC-A38D-AC6C91E53E35}"/>
-            </c:ext>
-          </c:extLst>
-        </c:ser>
-        <c:ser>
-          <c:idx val="1"/>
-          <c:order val="1"/>
-          <c:tx>
-            <c:strRef>
-              <c:f>Sheet1!$C$1</c:f>
-              <c:strCache>
-                <c:ptCount val="1"/>
-                <c:pt idx="0">
-                  <c:v>Q2</c:v>
-                </c:pt>
-              </c:strCache>
-            </c:strRef>
-          </c:tx>
-          <c:spPr>
-            <a:solidFill>
-              <a:schemeClr val="accent4">
-                <a:alpha val="70000"/>
-              </a:schemeClr>
-            </a:solidFill>
-            <a:ln>
-              <a:noFill/>
-            </a:ln>
-            <a:effectLst/>
-          </c:spPr>
-          <c:invertIfNegative val="0"/>
-          <c:dLbls>
-            <c:numFmt formatCode="#,##0.0" sourceLinked="0"/>
-            <c:spPr>
-              <a:noFill/>
-              <a:ln>
-                <a:noFill/>
-              </a:ln>
-              <a:effectLst/>
-            </c:spPr>
-            <c:txPr>
-              <a:bodyPr rot="0" spcFirstLastPara="1" vertOverflow="ellipsis" vert="horz" wrap="square" lIns="38100" tIns="19050" rIns="38100" bIns="19050" anchor="ctr" anchorCtr="1">
-                <a:spAutoFit/>
-              </a:bodyPr>
-              <a:lstStyle/>
-              <a:p>
-                <a:pPr>
-                  <a:defRPr sz="1197" b="0" i="0" u="none" strike="noStrike" kern="1200" baseline="0">
-                    <a:solidFill>
-                      <a:schemeClr val="bg1"/>
-                    </a:solidFill>
-                    <a:latin typeface="+mn-lt"/>
-                    <a:ea typeface="+mn-ea"/>
-                    <a:cs typeface="+mn-cs"/>
-                  </a:defRPr>
-                </a:pPr>
-                <a:endParaRPr lang="en-US"/>
-              </a:p>
-            </c:txPr>
-            <c:dLblPos val="inEnd"/>
-            <c:showLegendKey val="0"/>
-            <c:showVal val="1"/>
-            <c:showCatName val="0"/>
-            <c:showSerName val="0"/>
-            <c:showPercent val="0"/>
-            <c:showBubbleSize val="0"/>
-            <c:showLeaderLines val="0"/>
-            <c:extLst>
-              <c:ext xmlns:c15="http://schemas.microsoft.com/office/drawing/2012/chart" uri="{CE6537A1-D6FC-4f65-9D91-7224C49458BB}">
-                <c15:showLeaderLines val="1"/>
-                <c15:leaderLines>
-                  <c:spPr>
-                    <a:ln w="9525">
-                      <a:solidFill>
-                        <a:schemeClr val="tx1">
-                          <a:lumMod val="35000"/>
-                          <a:lumOff val="65000"/>
-                        </a:schemeClr>
-                      </a:solidFill>
-                    </a:ln>
-                    <a:effectLst/>
-                  </c:spPr>
-                </c15:leaderLines>
-              </c:ext>
-            </c:extLst>
-          </c:dLbls>
-          <c:cat>
-            <c:strRef>
-              <c:f>Sheet1!$A$2:$A$5</c:f>
-              <c:strCache>
-                <c:ptCount val="4"/>
-                <c:pt idx="0">
-                  <c:v>B2B</c:v>
-                </c:pt>
-                <c:pt idx="1">
-                  <c:v>Supply chain</c:v>
-                </c:pt>
-                <c:pt idx="2">
-                  <c:v>ROI</c:v>
-                </c:pt>
-                <c:pt idx="3">
-                  <c:v>E-commerce</c:v>
-                </c:pt>
-              </c:strCache>
-            </c:strRef>
-          </c:cat>
-          <c:val>
-            <c:numRef>
-              <c:f>Sheet1!$C$2:$C$5</c:f>
-              <c:numCache>
-                <c:formatCode>General</c:formatCode>
-                <c:ptCount val="4"/>
-                <c:pt idx="0">
-                  <c:v>2.2999999999999998</c:v>
-                </c:pt>
-                <c:pt idx="1">
-                  <c:v>5.0999999999999996</c:v>
-                </c:pt>
-                <c:pt idx="2">
-                  <c:v>4.4000000000000004</c:v>
-                </c:pt>
-                <c:pt idx="3">
-                  <c:v>3</c:v>
-                </c:pt>
-              </c:numCache>
-            </c:numRef>
-          </c:val>
-          <c:extLst>
-            <c:ext xmlns:c16="http://schemas.microsoft.com/office/drawing/2014/chart" uri="{C3380CC4-5D6E-409C-BE32-E72D297353CC}">
-              <c16:uniqueId val="{00000001-75A0-4CAC-A38D-AC6C91E53E35}"/>
-            </c:ext>
-          </c:extLst>
-        </c:ser>
-        <c:ser>
-          <c:idx val="2"/>
-          <c:order val="2"/>
-          <c:tx>
-            <c:strRef>
-              <c:f>Sheet1!$D$1</c:f>
-              <c:strCache>
-                <c:ptCount val="1"/>
-                <c:pt idx="0">
-                  <c:v>Q3</c:v>
-                </c:pt>
-              </c:strCache>
-            </c:strRef>
-          </c:tx>
-          <c:spPr>
-            <a:solidFill>
-              <a:schemeClr val="accent6">
-                <a:lumMod val="50000"/>
-                <a:alpha val="70000"/>
-              </a:schemeClr>
-            </a:solidFill>
-            <a:ln>
-              <a:noFill/>
-            </a:ln>
-            <a:effectLst/>
-          </c:spPr>
-          <c:invertIfNegative val="0"/>
-          <c:dLbls>
-            <c:spPr>
-              <a:noFill/>
-              <a:ln>
-                <a:noFill/>
-              </a:ln>
-              <a:effectLst/>
-            </c:spPr>
-            <c:txPr>
-              <a:bodyPr rot="0" spcFirstLastPara="1" vertOverflow="ellipsis" vert="horz" wrap="square" lIns="38100" tIns="19050" rIns="38100" bIns="19050" anchor="ctr" anchorCtr="1">
-                <a:spAutoFit/>
-              </a:bodyPr>
-              <a:lstStyle/>
-              <a:p>
-                <a:pPr>
-                  <a:defRPr sz="1197" b="0" i="0" u="none" strike="noStrike" kern="1200" baseline="0">
-                    <a:solidFill>
-                      <a:schemeClr val="bg1"/>
-                    </a:solidFill>
-                    <a:latin typeface="+mn-lt"/>
-                    <a:ea typeface="+mn-ea"/>
-                    <a:cs typeface="+mn-cs"/>
-                  </a:defRPr>
-                </a:pPr>
-                <a:endParaRPr lang="en-US"/>
-              </a:p>
-            </c:txPr>
-            <c:dLblPos val="inEnd"/>
-            <c:showLegendKey val="0"/>
-            <c:showVal val="1"/>
-            <c:showCatName val="0"/>
-            <c:showSerName val="0"/>
-            <c:showPercent val="0"/>
-            <c:showBubbleSize val="0"/>
-            <c:showLeaderLines val="0"/>
-            <c:extLst>
-              <c:ext xmlns:c15="http://schemas.microsoft.com/office/drawing/2012/chart" uri="{CE6537A1-D6FC-4f65-9D91-7224C49458BB}">
-                <c15:showLeaderLines val="1"/>
-                <c15:leaderLines>
-                  <c:spPr>
-                    <a:ln w="9525">
-                      <a:solidFill>
-                        <a:schemeClr val="tx1">
-                          <a:lumMod val="35000"/>
-                          <a:lumOff val="65000"/>
-                        </a:schemeClr>
-                      </a:solidFill>
-                    </a:ln>
-                    <a:effectLst/>
-                  </c:spPr>
-                </c15:leaderLines>
-              </c:ext>
-            </c:extLst>
-          </c:dLbls>
-          <c:cat>
-            <c:strRef>
-              <c:f>Sheet1!$A$2:$A$5</c:f>
-              <c:strCache>
-                <c:ptCount val="4"/>
-                <c:pt idx="0">
-                  <c:v>B2B</c:v>
-                </c:pt>
-                <c:pt idx="1">
-                  <c:v>Supply chain</c:v>
-                </c:pt>
-                <c:pt idx="2">
-                  <c:v>ROI</c:v>
-                </c:pt>
-                <c:pt idx="3">
-                  <c:v>E-commerce</c:v>
-                </c:pt>
-              </c:strCache>
-            </c:strRef>
-          </c:cat>
-          <c:val>
-            <c:numRef>
-              <c:f>Sheet1!$D$2:$D$5</c:f>
-              <c:numCache>
-                <c:formatCode>General</c:formatCode>
-                <c:ptCount val="4"/>
-                <c:pt idx="0">
-                  <c:v>1.7</c:v>
-                </c:pt>
-                <c:pt idx="1">
-                  <c:v>1.7</c:v>
-                </c:pt>
-                <c:pt idx="2">
-                  <c:v>2.5</c:v>
-                </c:pt>
-                <c:pt idx="3">
-                  <c:v>2.8</c:v>
-                </c:pt>
-              </c:numCache>
-            </c:numRef>
-          </c:val>
-          <c:extLst>
-            <c:ext xmlns:c16="http://schemas.microsoft.com/office/drawing/2014/chart" uri="{C3380CC4-5D6E-409C-BE32-E72D297353CC}">
-              <c16:uniqueId val="{00000002-75A0-4CAC-A38D-AC6C91E53E35}"/>
-            </c:ext>
-          </c:extLst>
-        </c:ser>
-        <c:ser>
-          <c:idx val="3"/>
-          <c:order val="3"/>
-          <c:tx>
-            <c:strRef>
-              <c:f>Sheet1!$E$1</c:f>
-              <c:strCache>
-                <c:ptCount val="1"/>
-                <c:pt idx="0">
-                  <c:v>Q4</c:v>
-                </c:pt>
-              </c:strCache>
-            </c:strRef>
-          </c:tx>
-          <c:spPr>
-            <a:solidFill>
-              <a:schemeClr val="accent2">
-                <a:lumMod val="60000"/>
-                <a:alpha val="70000"/>
-              </a:schemeClr>
-            </a:solidFill>
-            <a:ln>
-              <a:noFill/>
-            </a:ln>
-            <a:effectLst/>
-          </c:spPr>
-          <c:invertIfNegative val="0"/>
-          <c:dLbls>
-            <c:numFmt formatCode="#,##0.0" sourceLinked="0"/>
-            <c:spPr>
-              <a:noFill/>
-              <a:ln>
-                <a:noFill/>
-              </a:ln>
-              <a:effectLst/>
-            </c:spPr>
-            <c:txPr>
-              <a:bodyPr rot="0" spcFirstLastPara="1" vertOverflow="ellipsis" vert="horz" wrap="square" lIns="38100" tIns="19050" rIns="38100" bIns="19050" anchor="ctr" anchorCtr="1">
-                <a:spAutoFit/>
-              </a:bodyPr>
-              <a:lstStyle/>
-              <a:p>
-                <a:pPr>
-                  <a:defRPr sz="1197" b="0" i="0" u="none" strike="noStrike" kern="1200" baseline="0">
-                    <a:solidFill>
-                      <a:schemeClr val="bg1"/>
-                    </a:solidFill>
-                    <a:latin typeface="+mn-lt"/>
-                    <a:ea typeface="+mn-ea"/>
-                    <a:cs typeface="+mn-cs"/>
-                  </a:defRPr>
-                </a:pPr>
-                <a:endParaRPr lang="en-US"/>
-              </a:p>
-            </c:txPr>
-            <c:dLblPos val="inEnd"/>
-            <c:showLegendKey val="0"/>
-            <c:showVal val="1"/>
-            <c:showCatName val="0"/>
-            <c:showSerName val="0"/>
-            <c:showPercent val="0"/>
-            <c:showBubbleSize val="0"/>
-            <c:showLeaderLines val="0"/>
-            <c:extLst>
-              <c:ext xmlns:c15="http://schemas.microsoft.com/office/drawing/2012/chart" uri="{CE6537A1-D6FC-4f65-9D91-7224C49458BB}">
-                <c15:showLeaderLines val="1"/>
-                <c15:leaderLines>
-                  <c:spPr>
-                    <a:ln w="9525">
-                      <a:solidFill>
-                        <a:schemeClr val="tx1">
-                          <a:lumMod val="35000"/>
-                          <a:lumOff val="65000"/>
-                        </a:schemeClr>
-                      </a:solidFill>
-                    </a:ln>
-                    <a:effectLst/>
-                  </c:spPr>
-                </c15:leaderLines>
-              </c:ext>
-            </c:extLst>
-          </c:dLbls>
-          <c:cat>
-            <c:strRef>
-              <c:f>Sheet1!$A$2:$A$5</c:f>
-              <c:strCache>
-                <c:ptCount val="4"/>
-                <c:pt idx="0">
-                  <c:v>B2B</c:v>
-                </c:pt>
-                <c:pt idx="1">
-                  <c:v>Supply chain</c:v>
-                </c:pt>
-                <c:pt idx="2">
-                  <c:v>ROI</c:v>
-                </c:pt>
-                <c:pt idx="3">
-                  <c:v>E-commerce</c:v>
-                </c:pt>
-              </c:strCache>
-            </c:strRef>
-          </c:cat>
-          <c:val>
-            <c:numRef>
-              <c:f>Sheet1!$E$2:$E$5</c:f>
-              <c:numCache>
-                <c:formatCode>General</c:formatCode>
-                <c:ptCount val="4"/>
-                <c:pt idx="0">
-                  <c:v>5</c:v>
-                </c:pt>
-                <c:pt idx="1">
-                  <c:v>2.2000000000000002</c:v>
-                </c:pt>
-                <c:pt idx="2">
-                  <c:v>1.7</c:v>
-                </c:pt>
-                <c:pt idx="3">
-                  <c:v>7</c:v>
-                </c:pt>
-              </c:numCache>
-            </c:numRef>
-          </c:val>
-          <c:extLst>
-            <c:ext xmlns:c16="http://schemas.microsoft.com/office/drawing/2014/chart" uri="{C3380CC4-5D6E-409C-BE32-E72D297353CC}">
-              <c16:uniqueId val="{00000001-670A-4CAC-8BCB-5FE9BF858C18}"/>
-            </c:ext>
-          </c:extLst>
-        </c:ser>
-        <c:dLbls>
-          <c:dLblPos val="inEnd"/>
-          <c:showLegendKey val="0"/>
-          <c:showVal val="1"/>
-          <c:showCatName val="0"/>
-          <c:showSerName val="0"/>
-          <c:showPercent val="0"/>
-          <c:showBubbleSize val="0"/>
-        </c:dLbls>
-        <c:gapWidth val="80"/>
-        <c:overlap val="25"/>
-        <c:axId val="40942159"/>
-        <c:axId val="40955887"/>
-      </c:barChart>
-      <c:catAx>
-        <c:axId val="40942159"/>
-        <c:scaling>
-          <c:orientation val="minMax"/>
-        </c:scaling>
-        <c:delete val="0"/>
-        <c:axPos val="b"/>
-        <c:numFmt formatCode="General" sourceLinked="1"/>
-        <c:majorTickMark val="none"/>
-        <c:minorTickMark val="none"/>
-        <c:tickLblPos val="nextTo"/>
-        <c:spPr>
-          <a:noFill/>
-          <a:ln w="15875" cap="flat" cmpd="sng" algn="ctr">
-            <a:solidFill>
-              <a:schemeClr val="tx1">
-                <a:lumMod val="25000"/>
-                <a:lumOff val="75000"/>
-              </a:schemeClr>
-            </a:solidFill>
-            <a:round/>
-          </a:ln>
-          <a:effectLst/>
-        </c:spPr>
-        <c:txPr>
-          <a:bodyPr rot="-60000000" spcFirstLastPara="1" vertOverflow="ellipsis" vert="horz" wrap="square" anchor="ctr" anchorCtr="1"/>
-          <a:lstStyle/>
-          <a:p>
-            <a:pPr>
-              <a:defRPr sz="1197" b="0" i="0" u="none" strike="noStrike" kern="1200" cap="none" spc="20" normalizeH="0" baseline="0">
-                <a:solidFill>
-                  <a:schemeClr val="tx1">
-                    <a:lumMod val="65000"/>
-                    <a:lumOff val="35000"/>
-                  </a:schemeClr>
-                </a:solidFill>
-                <a:latin typeface="+mn-lt"/>
-                <a:ea typeface="+mn-ea"/>
-                <a:cs typeface="+mn-cs"/>
-              </a:defRPr>
-            </a:pPr>
-            <a:endParaRPr lang="en-US"/>
-          </a:p>
-        </c:txPr>
-        <c:crossAx val="40955887"/>
-        <c:crosses val="autoZero"/>
-        <c:auto val="1"/>
-        <c:lblAlgn val="ctr"/>
-        <c:lblOffset val="100"/>
-        <c:noMultiLvlLbl val="0"/>
-      </c:catAx>
-      <c:valAx>
-        <c:axId val="40955887"/>
-        <c:scaling>
-          <c:orientation val="minMax"/>
-        </c:scaling>
-        <c:delete val="0"/>
-        <c:axPos val="l"/>
-        <c:majorGridlines>
-          <c:spPr>
-            <a:ln w="9525" cap="flat" cmpd="sng" algn="ctr">
-              <a:solidFill>
-                <a:schemeClr val="tx1">
-                  <a:lumMod val="5000"/>
-                  <a:lumOff val="95000"/>
-                </a:schemeClr>
-              </a:solidFill>
-              <a:round/>
-            </a:ln>
-            <a:effectLst/>
-          </c:spPr>
-        </c:majorGridlines>
-        <c:numFmt formatCode="General" sourceLinked="1"/>
-        <c:majorTickMark val="none"/>
-        <c:minorTickMark val="none"/>
-        <c:tickLblPos val="nextTo"/>
-        <c:spPr>
-          <a:noFill/>
-          <a:ln>
-            <a:noFill/>
-          </a:ln>
-          <a:effectLst/>
-        </c:spPr>
-        <c:txPr>
-          <a:bodyPr rot="-60000000" spcFirstLastPara="1" vertOverflow="ellipsis" vert="horz" wrap="square" anchor="ctr" anchorCtr="1"/>
-          <a:lstStyle/>
-          <a:p>
-            <a:pPr>
-              <a:defRPr sz="1197" b="0" i="0" u="none" strike="noStrike" kern="1200" spc="20" baseline="0">
-                <a:solidFill>
-                  <a:schemeClr val="tx1">
-                    <a:lumMod val="65000"/>
-                    <a:lumOff val="35000"/>
-                  </a:schemeClr>
-                </a:solidFill>
-                <a:latin typeface="+mn-lt"/>
-                <a:ea typeface="+mn-ea"/>
-                <a:cs typeface="+mn-cs"/>
-              </a:defRPr>
-            </a:pPr>
-            <a:endParaRPr lang="en-US"/>
-          </a:p>
-        </c:txPr>
-        <c:crossAx val="40942159"/>
-        <c:crosses val="autoZero"/>
-        <c:crossBetween val="between"/>
-      </c:valAx>
-      <c:spPr>
-        <a:noFill/>
-        <a:ln>
-          <a:noFill/>
-        </a:ln>
-        <a:effectLst/>
-      </c:spPr>
-    </c:plotArea>
-    <c:legend>
-      <c:legendPos val="b"/>
-      <c:layout>
-        <c:manualLayout>
-          <c:xMode val="edge"/>
-          <c:yMode val="edge"/>
-          <c:x val="0.37934233757088914"/>
-          <c:y val="0.9355122638051081"/>
-          <c:w val="0.17920789347710683"/>
-          <c:h val="6.4487736194891745E-2"/>
-        </c:manualLayout>
-      </c:layout>
-      <c:overlay val="0"/>
-      <c:spPr>
-        <a:noFill/>
-        <a:ln>
-          <a:noFill/>
-        </a:ln>
-        <a:effectLst/>
-      </c:spPr>
-      <c:txPr>
-        <a:bodyPr rot="0" spcFirstLastPara="1" vertOverflow="ellipsis" vert="horz" wrap="square" anchor="ctr" anchorCtr="1"/>
-        <a:lstStyle/>
-        <a:p>
-          <a:pPr>
-            <a:defRPr sz="1197" b="0" i="0" u="none" strike="noStrike" kern="1200" baseline="0">
-              <a:solidFill>
-                <a:schemeClr val="tx1">
-                  <a:lumMod val="65000"/>
-                  <a:lumOff val="35000"/>
-                </a:schemeClr>
-              </a:solidFill>
-              <a:latin typeface="+mn-lt"/>
-              <a:ea typeface="+mn-ea"/>
-              <a:cs typeface="+mn-cs"/>
-            </a:defRPr>
-          </a:pPr>
-          <a:endParaRPr lang="en-US"/>
-        </a:p>
-      </c:txPr>
-    </c:legend>
-    <c:plotVisOnly val="1"/>
-    <c:dispBlanksAs val="gap"/>
-    <c:extLst>
-      <c:ext xmlns:c16r3="http://schemas.microsoft.com/office/drawing/2017/03/chart" uri="{56B9EC1D-385E-4148-901F-78D8002777C0}">
-        <c16r3:dataDisplayOptions16>
-          <c16r3:dispNaAsBlank val="1"/>
-        </c16r3:dataDisplayOptions16>
-      </c:ext>
-    </c:extLst>
-    <c:showDLblsOverMax val="0"/>
-  </c:chart>
-  <c:spPr>
-    <a:noFill/>
-    <a:ln>
-      <a:noFill/>
-    </a:ln>
-    <a:effectLst/>
-  </c:spPr>
-  <c:txPr>
-    <a:bodyPr/>
-    <a:lstStyle/>
-    <a:p>
-      <a:pPr>
-        <a:defRPr/>
-      </a:pPr>
-      <a:endParaRPr lang="en-US"/>
-    </a:p>
-  </c:txPr>
-  <c:externalData r:id="rId3">
-    <c:autoUpdate val="0"/>
-  </c:externalData>
-</c:chartSpace>
-</file>
-
-<file path=ppt/charts/colors1.xml><?xml version="1.0" encoding="utf-8"?>
-<cs:colorStyle xmlns:cs="http://schemas.microsoft.com/office/drawing/2012/chartStyle" xmlns:a="http://schemas.openxmlformats.org/drawingml/2006/main" meth="cycle" id="10">
-  <a:schemeClr val="accent1"/>
-  <a:schemeClr val="accent2"/>
-  <a:schemeClr val="accent3"/>
-  <a:schemeClr val="accent4"/>
-  <a:schemeClr val="accent5"/>
-  <a:schemeClr val="accent6"/>
-  <cs:variation/>
-  <cs:variation>
-    <a:lumMod val="60000"/>
-  </cs:variation>
-  <cs:variation>
-    <a:lumMod val="80000"/>
-    <a:lumOff val="20000"/>
-  </cs:variation>
-  <cs:variation>
-    <a:lumMod val="80000"/>
-  </cs:variation>
-  <cs:variation>
-    <a:lumMod val="60000"/>
-    <a:lumOff val="40000"/>
-  </cs:variation>
-  <cs:variation>
-    <a:lumMod val="50000"/>
-  </cs:variation>
-  <cs:variation>
-    <a:lumMod val="70000"/>
-    <a:lumOff val="30000"/>
-  </cs:variation>
-  <cs:variation>
-    <a:lumMod val="70000"/>
-  </cs:variation>
-  <cs:variation>
-    <a:lumMod val="50000"/>
-    <a:lumOff val="50000"/>
-  </cs:variation>
-</cs:colorStyle>
-</file>
-
-<file path=ppt/charts/colors2.xml><?xml version="1.0" encoding="utf-8"?>
-<cs:colorStyle xmlns:cs="http://schemas.microsoft.com/office/drawing/2012/chartStyle" xmlns:a="http://schemas.openxmlformats.org/drawingml/2006/main" meth="cycle" id="12">
-  <a:schemeClr val="accent2"/>
-  <a:schemeClr val="accent4"/>
-  <a:schemeClr val="accent6"/>
-  <cs:variation/>
-  <cs:variation>
-    <a:lumMod val="60000"/>
-  </cs:variation>
-  <cs:variation>
-    <a:lumMod val="80000"/>
-    <a:lumOff val="20000"/>
-  </cs:variation>
-  <cs:variation>
-    <a:lumMod val="80000"/>
-  </cs:variation>
-  <cs:variation>
-    <a:lumMod val="60000"/>
-    <a:lumOff val="40000"/>
-  </cs:variation>
-  <cs:variation>
-    <a:lumMod val="50000"/>
-  </cs:variation>
-  <cs:variation>
-    <a:lumMod val="70000"/>
-    <a:lumOff val="30000"/>
-  </cs:variation>
-  <cs:variation>
-    <a:lumMod val="70000"/>
-  </cs:variation>
-  <cs:variation>
-    <a:lumMod val="50000"/>
-    <a:lumOff val="50000"/>
-  </cs:variation>
-</cs:colorStyle>
-</file>
-
-<file path=ppt/charts/style1.xml><?xml version="1.0" encoding="utf-8"?>
-<cs:chartStyle xmlns:cs="http://schemas.microsoft.com/office/drawing/2012/chartStyle" xmlns:a="http://schemas.openxmlformats.org/drawingml/2006/main" id="234">
-  <cs:axisTitle>
-    <cs:lnRef idx="0"/>
-    <cs:fillRef idx="0"/>
-    <cs:effectRef idx="0"/>
-    <cs:fontRef idx="minor">
-      <a:schemeClr val="dk1">
-        <a:lumMod val="65000"/>
-        <a:lumOff val="35000"/>
-      </a:schemeClr>
-    </cs:fontRef>
-    <cs:defRPr sz="1197" kern="1200"/>
-  </cs:axisTitle>
-  <cs:categoryAxis>
-    <cs:lnRef idx="0"/>
-    <cs:fillRef idx="0"/>
-    <cs:effectRef idx="0"/>
-    <cs:fontRef idx="minor">
-      <a:schemeClr val="dk1">
-        <a:lumMod val="65000"/>
-        <a:lumOff val="35000"/>
-      </a:schemeClr>
-    </cs:fontRef>
-    <cs:spPr>
-      <a:ln w="9525" cap="flat" cmpd="sng" algn="ctr">
-        <a:solidFill>
-          <a:schemeClr val="dk1">
-            <a:lumMod val="15000"/>
-            <a:lumOff val="85000"/>
-          </a:schemeClr>
-        </a:solidFill>
-        <a:round/>
-      </a:ln>
-    </cs:spPr>
-    <cs:defRPr sz="1330" kern="1200"/>
-  </cs:categoryAxis>
-  <cs:chartArea>
-    <cs:lnRef idx="0"/>
-    <cs:fillRef idx="0"/>
-    <cs:effectRef idx="0"/>
-    <cs:fontRef idx="minor">
-      <a:schemeClr val="dk1"/>
-    </cs:fontRef>
-    <cs:spPr>
-      <a:solidFill>
-        <a:schemeClr val="lt1"/>
-      </a:solidFill>
-      <a:ln w="9525" cap="flat" cmpd="sng" algn="ctr">
-        <a:solidFill>
-          <a:schemeClr val="dk1">
-            <a:lumMod val="15000"/>
-            <a:lumOff val="85000"/>
-          </a:schemeClr>
-        </a:solidFill>
-        <a:round/>
-      </a:ln>
-    </cs:spPr>
-    <cs:defRPr sz="1197" kern="1200"/>
-  </cs:chartArea>
-  <cs:dataLabel>
-    <cs:lnRef idx="0"/>
-    <cs:fillRef idx="0"/>
-    <cs:effectRef idx="0"/>
-    <cs:fontRef idx="minor">
-      <cs:styleClr val="auto"/>
-    </cs:fontRef>
-    <cs:spPr/>
-    <cs:defRPr sz="1197" b="1" i="0" u="none" strike="noStrike" kern="1200" baseline="0"/>
-  </cs:dataLabel>
-  <cs:dataLabelCallout>
-    <cs:lnRef idx="0"/>
-    <cs:fillRef idx="0"/>
-    <cs:effectRef idx="0"/>
-    <cs:fontRef idx="minor">
-      <a:schemeClr val="dk1">
-        <a:lumMod val="65000"/>
-        <a:lumOff val="35000"/>
-      </a:schemeClr>
-    </cs:fontRef>
-    <cs:spPr>
-      <a:solidFill>
-        <a:schemeClr val="lt1"/>
-      </a:solidFill>
-      <a:ln w="9575">
-        <a:solidFill>
-          <a:schemeClr val="lt1">
-            <a:lumMod val="75000"/>
-          </a:schemeClr>
-        </a:solidFill>
-      </a:ln>
-    </cs:spPr>
-    <cs:defRPr sz="1197" kern="1200"/>
-    <cs:bodyPr rot="0" spcFirstLastPara="1" vertOverflow="clip" horzOverflow="clip" vert="horz" wrap="square" lIns="36576" tIns="18288" rIns="36576" bIns="18288" anchor="ctr" anchorCtr="1">
-      <a:spAutoFit/>
-    </cs:bodyPr>
-  </cs:dataLabelCallout>
-  <cs:dataPoint>
-    <cs:lnRef idx="0"/>
-    <cs:fillRef idx="0">
-      <cs:styleClr val="auto"/>
-    </cs:fillRef>
-    <cs:effectRef idx="0"/>
-    <cs:fontRef idx="minor">
-      <a:schemeClr val="dk1"/>
-    </cs:fontRef>
-    <cs:spPr>
-      <a:solidFill>
-        <a:schemeClr val="phClr"/>
-      </a:solidFill>
-    </cs:spPr>
-  </cs:dataPoint>
-  <cs:dataPoint3D>
-    <cs:lnRef idx="0"/>
-    <cs:fillRef idx="0">
-      <cs:styleClr val="auto"/>
-    </cs:fillRef>
-    <cs:effectRef idx="0"/>
-    <cs:fontRef idx="minor">
-      <a:schemeClr val="dk1"/>
-    </cs:fontRef>
-    <cs:spPr>
-      <a:solidFill>
-        <a:schemeClr val="phClr"/>
-      </a:solidFill>
-    </cs:spPr>
-  </cs:dataPoint3D>
-  <cs:dataPointLine>
-    <cs:lnRef idx="0">
-      <cs:styleClr val="auto"/>
-    </cs:lnRef>
-    <cs:fillRef idx="0"/>
-    <cs:effectRef idx="0"/>
-    <cs:fontRef idx="minor">
-      <a:schemeClr val="dk1"/>
-    </cs:fontRef>
-    <cs:spPr>
-      <a:ln w="19050" cap="rnd" cmpd="sng" algn="ctr">
-        <a:solidFill>
-          <a:schemeClr val="phClr">
-            <a:shade val="95000"/>
-            <a:satMod val="105000"/>
-          </a:schemeClr>
-        </a:solidFill>
-        <a:round/>
-      </a:ln>
-    </cs:spPr>
-  </cs:dataPointLine>
-  <cs:dataPointMarker>
-    <cs:lnRef idx="0"/>
-    <cs:fillRef idx="0"/>
-    <cs:effectRef idx="0"/>
-    <cs:fontRef idx="minor">
-      <a:schemeClr val="dk1"/>
-    </cs:fontRef>
-    <cs:spPr>
-      <a:solidFill>
-        <a:schemeClr val="lt1"/>
-      </a:solidFill>
-    </cs:spPr>
-  </cs:dataPointMarker>
-  <cs:dataPointMarkerLayout symbol="circle" size="17"/>
-  <cs:dataPointWireframe>
-    <cs:lnRef idx="0">
-      <cs:styleClr val="auto"/>
-    </cs:lnRef>
-    <cs:fillRef idx="1"/>
-    <cs:effectRef idx="0"/>
-    <cs:fontRef idx="minor">
-      <a:schemeClr val="dk1"/>
-    </cs:fontRef>
-    <cs:spPr>
-      <a:ln w="9525">
-        <a:solidFill>
-          <a:schemeClr val="phClr"/>
-        </a:solidFill>
-      </a:ln>
-    </cs:spPr>
-  </cs:dataPointWireframe>
-  <cs:dataTable>
-    <cs:lnRef idx="0"/>
-    <cs:fillRef idx="0"/>
-    <cs:effectRef idx="0"/>
-    <cs:fontRef idx="minor">
-      <a:schemeClr val="dk1">
-        <a:lumMod val="65000"/>
-        <a:lumOff val="35000"/>
-      </a:schemeClr>
-    </cs:fontRef>
-    <cs:spPr>
-      <a:ln w="9525">
-        <a:solidFill>
-          <a:schemeClr val="dk1">
-            <a:lumMod val="15000"/>
-            <a:lumOff val="85000"/>
-          </a:schemeClr>
-        </a:solidFill>
-      </a:ln>
-    </cs:spPr>
-    <cs:defRPr sz="1197" kern="1200"/>
-  </cs:dataTable>
-  <cs:downBar>
-    <cs:lnRef idx="0"/>
-    <cs:fillRef idx="0"/>
-    <cs:effectRef idx="0"/>
-    <cs:fontRef idx="minor">
-      <a:schemeClr val="dk1"/>
-    </cs:fontRef>
-    <cs:spPr>
-      <a:solidFill>
-        <a:schemeClr val="dk1">
-          <a:lumMod val="75000"/>
-          <a:lumOff val="25000"/>
-        </a:schemeClr>
-      </a:solidFill>
-      <a:ln w="9525">
-        <a:solidFill>
-          <a:schemeClr val="dk1">
-            <a:lumMod val="50000"/>
-            <a:lumOff val="50000"/>
-          </a:schemeClr>
-        </a:solidFill>
-      </a:ln>
-    </cs:spPr>
-  </cs:downBar>
-  <cs:dropLine>
-    <cs:lnRef idx="0"/>
-    <cs:fillRef idx="0"/>
-    <cs:effectRef idx="0"/>
-    <cs:fontRef idx="minor">
-      <a:schemeClr val="dk1"/>
-    </cs:fontRef>
-    <cs:spPr>
-      <a:ln w="9525">
-        <a:solidFill>
-          <a:schemeClr val="dk1">
-            <a:lumMod val="35000"/>
-            <a:lumOff val="65000"/>
-          </a:schemeClr>
-        </a:solidFill>
-      </a:ln>
-    </cs:spPr>
-  </cs:dropLine>
-  <cs:errorBar>
-    <cs:lnRef idx="0"/>
-    <cs:fillRef idx="0"/>
-    <cs:effectRef idx="0"/>
-    <cs:fontRef idx="minor">
-      <a:schemeClr val="dk1"/>
-    </cs:fontRef>
-    <cs:spPr>
-      <a:ln w="9525">
-        <a:solidFill>
-          <a:schemeClr val="dk1">
-            <a:lumMod val="50000"/>
-            <a:lumOff val="50000"/>
-          </a:schemeClr>
-        </a:solidFill>
-      </a:ln>
-    </cs:spPr>
-  </cs:errorBar>
-  <cs:floor>
-    <cs:lnRef idx="0"/>
-    <cs:fillRef idx="0"/>
-    <cs:effectRef idx="0"/>
-    <cs:fontRef idx="minor">
-      <a:schemeClr val="dk1"/>
-    </cs:fontRef>
-  </cs:floor>
-  <cs:gridlineMajor>
-    <cs:lnRef idx="0"/>
-    <cs:fillRef idx="0"/>
-    <cs:effectRef idx="0"/>
-    <cs:fontRef idx="minor">
-      <a:schemeClr val="dk1"/>
-    </cs:fontRef>
-    <cs:spPr>
-      <a:ln>
-        <a:solidFill>
-          <a:schemeClr val="dk1">
-            <a:lumMod val="15000"/>
-            <a:lumOff val="85000"/>
-          </a:schemeClr>
-        </a:solidFill>
-      </a:ln>
-    </cs:spPr>
-  </cs:gridlineMajor>
-  <cs:gridlineMinor>
-    <cs:lnRef idx="0"/>
-    <cs:fillRef idx="0"/>
-    <cs:effectRef idx="0"/>
-    <cs:fontRef idx="minor">
-      <a:schemeClr val="dk1"/>
-    </cs:fontRef>
-    <cs:spPr>
-      <a:ln>
-        <a:solidFill>
-          <a:schemeClr val="dk1">
-            <a:lumMod val="5000"/>
-            <a:lumOff val="95000"/>
-          </a:schemeClr>
-        </a:solidFill>
-      </a:ln>
-    </cs:spPr>
-  </cs:gridlineMinor>
-  <cs:hiLoLine>
-    <cs:lnRef idx="0"/>
-    <cs:fillRef idx="0"/>
-    <cs:effectRef idx="0"/>
-    <cs:fontRef idx="minor">
-      <a:schemeClr val="dk1"/>
-    </cs:fontRef>
-    <cs:spPr>
-      <a:ln w="9525">
-        <a:solidFill>
-          <a:schemeClr val="dk1">
-            <a:lumMod val="35000"/>
-            <a:lumOff val="65000"/>
-          </a:schemeClr>
-        </a:solidFill>
-      </a:ln>
-    </cs:spPr>
-  </cs:hiLoLine>
-  <cs:leaderLine>
-    <cs:lnRef idx="0"/>
-    <cs:fillRef idx="0"/>
-    <cs:effectRef idx="0"/>
-    <cs:fontRef idx="minor">
-      <a:schemeClr val="dk1"/>
-    </cs:fontRef>
-    <cs:spPr>
-      <a:ln w="9525">
-        <a:solidFill>
-          <a:schemeClr val="dk1">
-            <a:lumMod val="35000"/>
-            <a:lumOff val="65000"/>
-          </a:schemeClr>
-        </a:solidFill>
-      </a:ln>
-    </cs:spPr>
-  </cs:leaderLine>
-  <cs:legend>
-    <cs:lnRef idx="0"/>
-    <cs:fillRef idx="0"/>
-    <cs:effectRef idx="0"/>
-    <cs:fontRef idx="minor">
-      <a:schemeClr val="dk1">
-        <a:lumMod val="65000"/>
-        <a:lumOff val="35000"/>
-      </a:schemeClr>
-    </cs:fontRef>
-    <cs:defRPr sz="1197" kern="1200"/>
-  </cs:legend>
-  <cs:plotArea>
-    <cs:lnRef idx="0"/>
-    <cs:fillRef idx="0"/>
-    <cs:effectRef idx="0"/>
-    <cs:fontRef idx="minor">
-      <a:schemeClr val="dk1"/>
-    </cs:fontRef>
-  </cs:plotArea>
-  <cs:plotArea3D>
-    <cs:lnRef idx="0"/>
-    <cs:fillRef idx="0"/>
-    <cs:effectRef idx="0"/>
-    <cs:fontRef idx="minor">
-      <a:schemeClr val="dk1"/>
-    </cs:fontRef>
-  </cs:plotArea3D>
-  <cs:seriesAxis>
-    <cs:lnRef idx="0"/>
-    <cs:fillRef idx="0"/>
-    <cs:effectRef idx="0"/>
-    <cs:fontRef idx="minor">
-      <a:schemeClr val="dk1">
-        <a:lumMod val="65000"/>
-        <a:lumOff val="35000"/>
-      </a:schemeClr>
-    </cs:fontRef>
-    <cs:spPr>
-      <a:ln w="9525" cap="flat" cmpd="sng" algn="ctr">
-        <a:solidFill>
-          <a:schemeClr val="dk1">
-            <a:lumMod val="15000"/>
-            <a:lumOff val="85000"/>
-          </a:schemeClr>
-        </a:solidFill>
-        <a:round/>
-      </a:ln>
-    </cs:spPr>
-    <cs:defRPr sz="1197" kern="1200"/>
-  </cs:seriesAxis>
-  <cs:seriesLine>
-    <cs:lnRef idx="0"/>
-    <cs:fillRef idx="0"/>
-    <cs:effectRef idx="0"/>
-    <cs:fontRef idx="minor">
-      <a:schemeClr val="dk1"/>
-    </cs:fontRef>
-    <cs:spPr>
-      <a:ln w="9525">
-        <a:solidFill>
-          <a:schemeClr val="dk1">
-            <a:lumMod val="35000"/>
-            <a:lumOff val="65000"/>
-          </a:schemeClr>
-        </a:solidFill>
-      </a:ln>
-    </cs:spPr>
-  </cs:seriesLine>
-  <cs:title>
-    <cs:lnRef idx="0"/>
-    <cs:fillRef idx="0"/>
-    <cs:effectRef idx="0"/>
-    <cs:fontRef idx="minor">
-      <a:schemeClr val="dk1"/>
-    </cs:fontRef>
-    <cs:defRPr sz="1915" b="0" kern="1200" cap="all" spc="0" baseline="0">
-      <a:gradFill>
-        <a:gsLst>
-          <a:gs pos="0">
-            <a:schemeClr val="dk1">
-              <a:lumMod val="50000"/>
-              <a:lumOff val="50000"/>
-            </a:schemeClr>
-          </a:gs>
-          <a:gs pos="100000">
-            <a:schemeClr val="dk1">
-              <a:lumMod val="85000"/>
-              <a:lumOff val="15000"/>
-            </a:schemeClr>
-          </a:gs>
-        </a:gsLst>
-        <a:lin ang="5400000" scaled="0"/>
-      </a:gradFill>
-    </cs:defRPr>
-  </cs:title>
-  <cs:trendline>
-    <cs:lnRef idx="0">
-      <cs:styleClr val="auto"/>
-    </cs:lnRef>
-    <cs:fillRef idx="0"/>
-    <cs:effectRef idx="0"/>
-    <cs:fontRef idx="minor">
-      <a:schemeClr val="dk1"/>
-    </cs:fontRef>
-    <cs:spPr>
-      <a:ln w="9525" cap="rnd">
-        <a:solidFill>
-          <a:schemeClr val="phClr"/>
-        </a:solidFill>
-      </a:ln>
-    </cs:spPr>
-  </cs:trendline>
-  <cs:trendlineLabel>
-    <cs:lnRef idx="0"/>
-    <cs:fillRef idx="0"/>
-    <cs:effectRef idx="0"/>
-    <cs:fontRef idx="minor">
-      <a:schemeClr val="dk1">
-        <a:lumMod val="65000"/>
-        <a:lumOff val="35000"/>
-      </a:schemeClr>
-    </cs:fontRef>
-    <cs:defRPr sz="1197" kern="1200"/>
-  </cs:trendlineLabel>
-  <cs:upBar>
-    <cs:lnRef idx="0"/>
-    <cs:fillRef idx="0"/>
-    <cs:effectRef idx="0"/>
-    <cs:fontRef idx="minor">
-      <a:schemeClr val="dk1"/>
-    </cs:fontRef>
-    <cs:spPr>
-      <a:solidFill>
-        <a:schemeClr val="lt1"/>
-      </a:solidFill>
-      <a:ln w="9525">
-        <a:solidFill>
-          <a:schemeClr val="dk1">
-            <a:lumMod val="50000"/>
-            <a:lumOff val="50000"/>
-          </a:schemeClr>
-        </a:solidFill>
-      </a:ln>
-    </cs:spPr>
-  </cs:upBar>
-  <cs:valueAxis>
-    <cs:lnRef idx="0"/>
-    <cs:fillRef idx="0"/>
-    <cs:effectRef idx="0"/>
-    <cs:fontRef idx="minor">
-      <a:schemeClr val="dk1">
-        <a:lumMod val="65000"/>
-        <a:lumOff val="35000"/>
-      </a:schemeClr>
-    </cs:fontRef>
-    <cs:defRPr sz="1197" kern="1200"/>
-  </cs:valueAxis>
-  <cs:wall>
-    <cs:lnRef idx="0"/>
-    <cs:fillRef idx="0"/>
-    <cs:effectRef idx="0"/>
-    <cs:fontRef idx="minor">
-      <a:schemeClr val="dk1"/>
-    </cs:fontRef>
-  </cs:wall>
-</cs:chartStyle>
-</file>
-
-<file path=ppt/charts/style2.xml><?xml version="1.0" encoding="utf-8"?>
-<cs:chartStyle xmlns:cs="http://schemas.microsoft.com/office/drawing/2012/chartStyle" xmlns:a="http://schemas.openxmlformats.org/drawingml/2006/main" id="215">
-  <cs:axisTitle>
-    <cs:lnRef idx="0"/>
-    <cs:fillRef idx="0"/>
-    <cs:effectRef idx="0"/>
-    <cs:fontRef idx="minor">
-      <a:schemeClr val="tx1">
-        <a:lumMod val="65000"/>
-        <a:lumOff val="35000"/>
-      </a:schemeClr>
-    </cs:fontRef>
-    <cs:defRPr sz="1197" kern="1200" cap="all"/>
-  </cs:axisTitle>
-  <cs:categoryAxis>
-    <cs:lnRef idx="0"/>
-    <cs:fillRef idx="0"/>
-    <cs:effectRef idx="0"/>
-    <cs:fontRef idx="minor">
-      <a:schemeClr val="tx1">
-        <a:lumMod val="65000"/>
-        <a:lumOff val="35000"/>
-      </a:schemeClr>
-    </cs:fontRef>
-    <cs:spPr>
-      <a:ln w="15875" cap="flat" cmpd="sng" algn="ctr">
-        <a:solidFill>
-          <a:schemeClr val="tx1">
-            <a:lumMod val="25000"/>
-            <a:lumOff val="75000"/>
-          </a:schemeClr>
-        </a:solidFill>
-        <a:round/>
-      </a:ln>
-    </cs:spPr>
-    <cs:defRPr sz="1197" kern="1200" cap="none" spc="20" normalizeH="0" baseline="0"/>
-  </cs:categoryAxis>
-  <cs:chartArea mods="allowNoFillOverride allowNoLineOverride">
-    <cs:lnRef idx="0"/>
-    <cs:fillRef idx="0"/>
-    <cs:effectRef idx="0"/>
-    <cs:fontRef idx="minor">
-      <a:schemeClr val="dk1"/>
-    </cs:fontRef>
-    <cs:spPr>
-      <a:solidFill>
-        <a:schemeClr val="lt1"/>
-      </a:solidFill>
-      <a:ln w="9525" cap="flat" cmpd="sng" algn="ctr">
-        <a:solidFill>
-          <a:schemeClr val="tx1">
-            <a:lumMod val="15000"/>
-            <a:lumOff val="85000"/>
-          </a:schemeClr>
-        </a:solidFill>
-        <a:round/>
-      </a:ln>
-    </cs:spPr>
-    <cs:defRPr sz="1197" kern="1200"/>
-  </cs:chartArea>
-  <cs:dataLabel>
-    <cs:lnRef idx="0"/>
-    <cs:fillRef idx="0"/>
-    <cs:effectRef idx="0"/>
-    <cs:fontRef idx="minor">
-      <a:schemeClr val="tx1">
-        <a:lumMod val="75000"/>
-        <a:lumOff val="25000"/>
-      </a:schemeClr>
-    </cs:fontRef>
-    <cs:defRPr sz="1197" kern="1200"/>
-  </cs:dataLabel>
-  <cs:dataLabelCallout>
-    <cs:lnRef idx="0"/>
-    <cs:fillRef idx="0"/>
-    <cs:effectRef idx="0"/>
-    <cs:fontRef idx="minor">
-      <a:schemeClr val="bg1"/>
-    </cs:fontRef>
-    <cs:spPr>
-      <a:solidFill>
-        <a:schemeClr val="tx1">
-          <a:lumMod val="50000"/>
-          <a:lumOff val="50000"/>
-        </a:schemeClr>
-      </a:solidFill>
-    </cs:spPr>
-    <cs:defRPr sz="1197" kern="1200"/>
-    <cs:bodyPr rot="0" spcFirstLastPara="1" vertOverflow="clip" horzOverflow="clip" vert="horz" wrap="square" lIns="36576" tIns="18288" rIns="36576" bIns="18288" anchor="ctr" anchorCtr="1">
-      <a:spAutoFit/>
-    </cs:bodyPr>
-  </cs:dataLabelCallout>
-  <cs:dataPoint>
-    <cs:lnRef idx="0"/>
-    <cs:fillRef idx="0">
-      <cs:styleClr val="auto"/>
-    </cs:fillRef>
-    <cs:effectRef idx="0"/>
-    <cs:fontRef idx="minor">
-      <a:schemeClr val="dk1"/>
-    </cs:fontRef>
-    <cs:spPr>
-      <a:solidFill>
-        <a:schemeClr val="phClr">
-          <a:alpha val="70000"/>
-        </a:schemeClr>
-      </a:solidFill>
-    </cs:spPr>
-  </cs:dataPoint>
-  <cs:dataPoint3D>
-    <cs:lnRef idx="0"/>
-    <cs:fillRef idx="0">
-      <cs:styleClr val="auto"/>
-    </cs:fillRef>
-    <cs:effectRef idx="0"/>
-    <cs:fontRef idx="minor">
-      <a:schemeClr val="dk1"/>
-    </cs:fontRef>
-    <cs:spPr>
-      <a:solidFill>
-        <a:schemeClr val="phClr">
-          <a:alpha val="70000"/>
-        </a:schemeClr>
-      </a:solidFill>
-    </cs:spPr>
-  </cs:dataPoint3D>
-  <cs:dataPointLine>
-    <cs:lnRef idx="0">
-      <cs:styleClr val="auto"/>
-    </cs:lnRef>
-    <cs:fillRef idx="0"/>
-    <cs:effectRef idx="0"/>
-    <cs:fontRef idx="minor">
-      <a:schemeClr val="dk1"/>
-    </cs:fontRef>
-    <cs:spPr>
-      <a:ln w="28575" cap="rnd">
-        <a:solidFill>
-          <a:schemeClr val="phClr">
-            <a:alpha val="70000"/>
-          </a:schemeClr>
-        </a:solidFill>
-        <a:round/>
-      </a:ln>
-    </cs:spPr>
-  </cs:dataPointLine>
-  <cs:dataPointMarker>
-    <cs:lnRef idx="0"/>
-    <cs:fillRef idx="0">
-      <cs:styleClr val="auto"/>
-    </cs:fillRef>
-    <cs:effectRef idx="0"/>
-    <cs:fontRef idx="minor">
-      <a:schemeClr val="dk1"/>
-    </cs:fontRef>
-    <cs:spPr>
-      <a:solidFill>
-        <a:schemeClr val="phClr">
-          <a:alpha val="70000"/>
-        </a:schemeClr>
-      </a:solidFill>
-    </cs:spPr>
-  </cs:dataPointMarker>
-  <cs:dataPointMarkerLayout symbol="circle" size="6"/>
-  <cs:dataPointWireframe>
-    <cs:lnRef idx="0">
-      <cs:styleClr val="auto"/>
-    </cs:lnRef>
-    <cs:fillRef idx="0"/>
-    <cs:effectRef idx="0"/>
-    <cs:fontRef idx="minor">
-      <a:schemeClr val="dk1"/>
-    </cs:fontRef>
-    <cs:spPr>
-      <a:ln w="9525" cap="rnd">
-        <a:solidFill>
-          <a:schemeClr val="phClr"/>
-        </a:solidFill>
-        <a:round/>
-      </a:ln>
-    </cs:spPr>
-  </cs:dataPointWireframe>
-  <cs:dataTable>
-    <cs:lnRef idx="0"/>
-    <cs:fillRef idx="0"/>
-    <cs:effectRef idx="0"/>
-    <cs:fontRef idx="minor">
-      <a:schemeClr val="tx1">
-        <a:lumMod val="65000"/>
-        <a:lumOff val="35000"/>
-      </a:schemeClr>
-    </cs:fontRef>
-    <cs:spPr>
-      <a:ln w="9525">
-        <a:solidFill>
-          <a:schemeClr val="tx1">
-            <a:lumMod val="15000"/>
-            <a:lumOff val="85000"/>
-          </a:schemeClr>
-        </a:solidFill>
-      </a:ln>
-    </cs:spPr>
-    <cs:defRPr sz="1197" kern="1200"/>
-  </cs:dataTable>
-  <cs:downBar>
-    <cs:lnRef idx="0"/>
-    <cs:fillRef idx="0"/>
-    <cs:effectRef idx="0"/>
-    <cs:fontRef idx="minor">
-      <a:schemeClr val="dk1"/>
-    </cs:fontRef>
-    <cs:spPr>
-      <a:solidFill>
-        <a:schemeClr val="dk1">
-          <a:lumMod val="75000"/>
-          <a:lumOff val="25000"/>
-        </a:schemeClr>
-      </a:solidFill>
-      <a:ln w="9525">
-        <a:solidFill>
-          <a:schemeClr val="tx1">
-            <a:lumMod val="65000"/>
-            <a:lumOff val="35000"/>
-          </a:schemeClr>
-        </a:solidFill>
-      </a:ln>
-    </cs:spPr>
-  </cs:downBar>
-  <cs:dropLine>
-    <cs:lnRef idx="0"/>
-    <cs:fillRef idx="0"/>
-    <cs:effectRef idx="0"/>
-    <cs:fontRef idx="minor">
-      <a:schemeClr val="dk1"/>
-    </cs:fontRef>
-    <cs:spPr>
-      <a:ln w="9525">
-        <a:solidFill>
-          <a:schemeClr val="tx1">
-            <a:lumMod val="35000"/>
-            <a:lumOff val="65000"/>
-          </a:schemeClr>
-        </a:solidFill>
-        <a:round/>
-      </a:ln>
-    </cs:spPr>
-  </cs:dropLine>
-  <cs:errorBar>
-    <cs:lnRef idx="0"/>
-    <cs:fillRef idx="0"/>
-    <cs:effectRef idx="0"/>
-    <cs:fontRef idx="minor">
-      <a:schemeClr val="dk1"/>
-    </cs:fontRef>
-    <cs:spPr>
-      <a:ln w="9525">
-        <a:solidFill>
-          <a:schemeClr val="tx1">
-            <a:lumMod val="65000"/>
-            <a:lumOff val="35000"/>
-          </a:schemeClr>
-        </a:solidFill>
-        <a:round/>
-      </a:ln>
-    </cs:spPr>
-  </cs:errorBar>
-  <cs:floor>
-    <cs:lnRef idx="0"/>
-    <cs:fillRef idx="0"/>
-    <cs:effectRef idx="0"/>
-    <cs:fontRef idx="minor">
-      <a:schemeClr val="dk1"/>
-    </cs:fontRef>
-  </cs:floor>
-  <cs:gridlineMajor>
-    <cs:lnRef idx="0"/>
-    <cs:fillRef idx="0"/>
-    <cs:effectRef idx="0"/>
-    <cs:fontRef idx="minor">
-      <a:schemeClr val="dk1"/>
-    </cs:fontRef>
-    <cs:spPr>
-      <a:ln w="9525" cap="flat" cmpd="sng" algn="ctr">
-        <a:solidFill>
-          <a:schemeClr val="tx1">
-            <a:lumMod val="5000"/>
-            <a:lumOff val="95000"/>
-          </a:schemeClr>
-        </a:solidFill>
-        <a:round/>
-      </a:ln>
-    </cs:spPr>
-  </cs:gridlineMajor>
-  <cs:gridlineMinor>
-    <cs:lnRef idx="0"/>
-    <cs:fillRef idx="0"/>
-    <cs:effectRef idx="0"/>
-    <cs:fontRef idx="minor">
-      <a:schemeClr val="dk1"/>
-    </cs:fontRef>
-    <cs:spPr>
-      <a:ln>
-        <a:solidFill>
-          <a:schemeClr val="tx1">
-            <a:lumMod val="5000"/>
-            <a:lumOff val="95000"/>
-          </a:schemeClr>
-        </a:solidFill>
-      </a:ln>
-    </cs:spPr>
-  </cs:gridlineMinor>
-  <cs:hiLoLine>
-    <cs:lnRef idx="0"/>
-    <cs:fillRef idx="0"/>
-    <cs:effectRef idx="0"/>
-    <cs:fontRef idx="minor">
-      <a:schemeClr val="dk1"/>
-    </cs:fontRef>
-    <cs:spPr>
-      <a:ln w="9525">
-        <a:solidFill>
-          <a:schemeClr val="tx1">
-            <a:lumMod val="35000"/>
-            <a:lumOff val="65000"/>
-          </a:schemeClr>
-        </a:solidFill>
-        <a:round/>
-      </a:ln>
-    </cs:spPr>
-  </cs:hiLoLine>
-  <cs:leaderLine>
-    <cs:lnRef idx="0"/>
-    <cs:fillRef idx="0"/>
-    <cs:effectRef idx="0"/>
-    <cs:fontRef idx="minor">
-      <a:schemeClr val="dk1"/>
-    </cs:fontRef>
-    <cs:spPr>
-      <a:ln w="9525">
-        <a:solidFill>
-          <a:schemeClr val="tx1">
-            <a:lumMod val="35000"/>
-            <a:lumOff val="65000"/>
-          </a:schemeClr>
-        </a:solidFill>
-      </a:ln>
-    </cs:spPr>
-  </cs:leaderLine>
-  <cs:legend>
-    <cs:lnRef idx="0"/>
-    <cs:fillRef idx="0"/>
-    <cs:effectRef idx="0"/>
-    <cs:fontRef idx="minor">
-      <a:schemeClr val="tx1">
-        <a:lumMod val="65000"/>
-        <a:lumOff val="35000"/>
-      </a:schemeClr>
-    </cs:fontRef>
-    <cs:defRPr sz="1197" kern="1200" baseline="0"/>
-  </cs:legend>
-  <cs:plotArea mods="allowNoFillOverride allowNoLineOverride">
-    <cs:lnRef idx="0"/>
-    <cs:fillRef idx="0"/>
-    <cs:effectRef idx="0"/>
-    <cs:fontRef idx="minor">
-      <a:schemeClr val="dk1"/>
-    </cs:fontRef>
-  </cs:plotArea>
-  <cs:plotArea3D mods="allowNoFillOverride allowNoLineOverride">
-    <cs:lnRef idx="0"/>
-    <cs:fillRef idx="0"/>
-    <cs:effectRef idx="0"/>
-    <cs:fontRef idx="minor">
-      <a:schemeClr val="dk1"/>
-    </cs:fontRef>
-  </cs:plotArea3D>
-  <cs:seriesAxis>
-    <cs:lnRef idx="0"/>
-    <cs:fillRef idx="0"/>
-    <cs:effectRef idx="0"/>
-    <cs:fontRef idx="minor">
-      <a:schemeClr val="tx1">
-        <a:lumMod val="65000"/>
-        <a:lumOff val="35000"/>
-      </a:schemeClr>
-    </cs:fontRef>
-    <cs:defRPr sz="1197" kern="1200"/>
-  </cs:seriesAxis>
-  <cs:seriesLine>
-    <cs:lnRef idx="0"/>
-    <cs:fillRef idx="0"/>
-    <cs:effectRef idx="0"/>
-    <cs:fontRef idx="minor">
-      <a:schemeClr val="dk1"/>
-    </cs:fontRef>
-    <cs:spPr>
-      <a:ln w="9525">
-        <a:solidFill>
-          <a:schemeClr val="tx1">
-            <a:lumMod val="35000"/>
-            <a:lumOff val="65000"/>
-          </a:schemeClr>
-        </a:solidFill>
-        <a:round/>
-      </a:ln>
-    </cs:spPr>
-  </cs:seriesLine>
-  <cs:title>
-    <cs:lnRef idx="0"/>
-    <cs:fillRef idx="0"/>
-    <cs:effectRef idx="0"/>
-    <cs:fontRef idx="major">
-      <a:schemeClr val="tx1">
-        <a:lumMod val="65000"/>
-        <a:lumOff val="35000"/>
-      </a:schemeClr>
-    </cs:fontRef>
-    <cs:defRPr sz="2128" b="0" i="0" kern="1200" cap="none" spc="50" normalizeH="0" baseline="0"/>
-  </cs:title>
-  <cs:trendline>
-    <cs:lnRef idx="0">
-      <cs:styleClr val="auto"/>
-    </cs:lnRef>
-    <cs:fillRef idx="0"/>
-    <cs:effectRef idx="0"/>
-    <cs:fontRef idx="minor">
-      <a:schemeClr val="dk1"/>
-    </cs:fontRef>
-    <cs:spPr>
-      <a:ln w="15875" cap="rnd">
-        <a:solidFill>
-          <a:schemeClr val="phClr"/>
-        </a:solidFill>
-      </a:ln>
-    </cs:spPr>
-  </cs:trendline>
-  <cs:trendlineLabel>
-    <cs:lnRef idx="0"/>
-    <cs:fillRef idx="0"/>
-    <cs:effectRef idx="0"/>
-    <cs:fontRef idx="minor">
-      <a:schemeClr val="tx1">
-        <a:lumMod val="65000"/>
-        <a:lumOff val="35000"/>
-      </a:schemeClr>
-    </cs:fontRef>
-    <cs:defRPr sz="1197" kern="1200"/>
-  </cs:trendlineLabel>
-  <cs:upBar>
-    <cs:lnRef idx="0"/>
-    <cs:fillRef idx="0"/>
-    <cs:effectRef idx="0"/>
-    <cs:fontRef idx="minor">
-      <a:schemeClr val="dk1"/>
-    </cs:fontRef>
-    <cs:spPr>
-      <a:solidFill>
-        <a:schemeClr val="lt1"/>
-      </a:solidFill>
-      <a:ln w="9525">
-        <a:solidFill>
-          <a:schemeClr val="tx1">
-            <a:lumMod val="65000"/>
-            <a:lumOff val="35000"/>
-          </a:schemeClr>
-        </a:solidFill>
-      </a:ln>
-    </cs:spPr>
-  </cs:upBar>
-  <cs:valueAxis>
-    <cs:lnRef idx="0"/>
-    <cs:fillRef idx="0"/>
-    <cs:effectRef idx="0"/>
-    <cs:fontRef idx="minor">
-      <a:schemeClr val="tx1">
-        <a:lumMod val="65000"/>
-        <a:lumOff val="35000"/>
-      </a:schemeClr>
-    </cs:fontRef>
-    <cs:defRPr sz="1197" kern="1200" spc="20" baseline="0"/>
-  </cs:valueAxis>
-  <cs:wall>
-    <cs:lnRef idx="0"/>
-    <cs:fillRef idx="0"/>
-    <cs:effectRef idx="0"/>
-    <cs:fontRef idx="minor">
-      <a:schemeClr val="dk1"/>
-    </cs:fontRef>
-  </cs:wall>
-</cs:chartStyle>
 </file>
 
 <file path=ppt/diagrams/colors1.xml><?xml version="1.0" encoding="utf-8"?>
@@ -6411,7 +3765,7 @@
           <a:p>
             <a:fld id="{0F37A4CE-17BB-4BB2-AC7B-97495293E2AC}" type="datetimeFigureOut">
               <a:rPr lang="en-US" smtClean="0"/>
-              <a:t>12/4/2022</a:t>
+              <a:t>12/5/2022</a:t>
             </a:fld>
             <a:endParaRPr lang="en-US" dirty="0"/>
           </a:p>
@@ -6588,7 +3942,7 @@
           <a:p>
             <a:fld id="{2C86C8F5-2FDA-4718-81AA-24F4816BBD56}" type="datetimeFigureOut">
               <a:rPr lang="en-US" smtClean="0"/>
-              <a:t>12/4/2022</a:t>
+              <a:t>12/5/2022</a:t>
             </a:fld>
             <a:endParaRPr lang="en-US" dirty="0"/>
           </a:p>
@@ -15007,779 +12361,6 @@
 </p:sld>
 </file>
 
-<file path=ppt/slides/slide10.xml><?xml version="1.0" encoding="utf-8"?>
-<p:sld xmlns:a="http://schemas.openxmlformats.org/drawingml/2006/main" xmlns:r="http://schemas.openxmlformats.org/officeDocument/2006/relationships" xmlns:p="http://schemas.openxmlformats.org/presentationml/2006/main">
-  <p:cSld>
-    <p:spTree>
-      <p:nvGrpSpPr>
-        <p:cNvPr id="1" name=""/>
-        <p:cNvGrpSpPr/>
-        <p:nvPr/>
-      </p:nvGrpSpPr>
-      <p:grpSpPr>
-        <a:xfrm>
-          <a:off x="0" y="0"/>
-          <a:ext cx="0" cy="0"/>
-          <a:chOff x="0" y="0"/>
-          <a:chExt cx="0" cy="0"/>
-        </a:xfrm>
-      </p:grpSpPr>
-      <p:pic>
-        <p:nvPicPr>
-          <p:cNvPr id="19" name="Picture Placeholder 18" descr="Close up of sand">
-            <a:extLst>
-              <a:ext uri="{FF2B5EF4-FFF2-40B4-BE49-F238E27FC236}">
-                <a16:creationId xmlns:a16="http://schemas.microsoft.com/office/drawing/2014/main" id="{B2BE730E-3A48-4CBD-8E48-B35F154D8350}"/>
-              </a:ext>
-            </a:extLst>
-          </p:cNvPr>
-          <p:cNvPicPr>
-            <a:picLocks noGrp="1" noChangeAspect="1"/>
-          </p:cNvPicPr>
-          <p:nvPr>
-            <p:ph type="pic" sz="quarter" idx="13"/>
-          </p:nvPr>
-        </p:nvPicPr>
-        <p:blipFill rotWithShape="1">
-          <a:blip r:embed="rId2" cstate="screen">
-            <a:extLst>
-              <a:ext uri="{28A0092B-C50C-407E-A947-70E740481C1C}">
-                <a14:useLocalDpi xmlns:a14="http://schemas.microsoft.com/office/drawing/2010/main" val="0"/>
-              </a:ext>
-            </a:extLst>
-          </a:blip>
-          <a:srcRect/>
-          <a:stretch/>
-        </p:blipFill>
-        <p:spPr>
-          <a:xfrm>
-            <a:off x="0" y="0"/>
-            <a:ext cx="12192000" cy="6858000"/>
-          </a:xfrm>
-        </p:spPr>
-      </p:pic>
-      <p:sp>
-        <p:nvSpPr>
-          <p:cNvPr id="15" name="Title 14">
-            <a:extLst>
-              <a:ext uri="{FF2B5EF4-FFF2-40B4-BE49-F238E27FC236}">
-                <a16:creationId xmlns:a16="http://schemas.microsoft.com/office/drawing/2014/main" id="{985311D1-54C5-4629-99A1-D0E53D8E6534}"/>
-              </a:ext>
-            </a:extLst>
-          </p:cNvPr>
-          <p:cNvSpPr>
-            <a:spLocks noGrp="1"/>
-          </p:cNvSpPr>
-          <p:nvPr>
-            <p:ph type="title"/>
-          </p:nvPr>
-        </p:nvSpPr>
-        <p:spPr>
-          <a:xfrm>
-            <a:off x="-1" y="1181910"/>
-            <a:ext cx="12192000" cy="3352227"/>
-          </a:xfrm>
-        </p:spPr>
-        <p:txBody>
-          <a:bodyPr/>
-          <a:lstStyle/>
-          <a:p>
-            <a:r>
-              <a:rPr lang="en-US" dirty="0"/>
-              <a:t>Business opportunities are like buses. There's always another one coming.</a:t>
-            </a:r>
-          </a:p>
-        </p:txBody>
-      </p:sp>
-      <p:sp>
-        <p:nvSpPr>
-          <p:cNvPr id="17" name="Text Placeholder 16">
-            <a:extLst>
-              <a:ext uri="{FF2B5EF4-FFF2-40B4-BE49-F238E27FC236}">
-                <a16:creationId xmlns:a16="http://schemas.microsoft.com/office/drawing/2014/main" id="{172E38AD-9DB1-4BF6-B4CA-5E36E2D4D485}"/>
-              </a:ext>
-            </a:extLst>
-          </p:cNvPr>
-          <p:cNvSpPr>
-            <a:spLocks noGrp="1"/>
-          </p:cNvSpPr>
-          <p:nvPr>
-            <p:ph type="body" sz="quarter" idx="16"/>
-          </p:nvPr>
-        </p:nvSpPr>
-        <p:spPr>
-          <a:xfrm>
-            <a:off x="-1" y="4534137"/>
-            <a:ext cx="12192000" cy="1141953"/>
-          </a:xfrm>
-        </p:spPr>
-        <p:txBody>
-          <a:bodyPr/>
-          <a:lstStyle/>
-          <a:p>
-            <a:r>
-              <a:rPr lang="en-US" dirty="0"/>
-              <a:t>Richard Branson</a:t>
-            </a:r>
-          </a:p>
-        </p:txBody>
-      </p:sp>
-      <p:sp>
-        <p:nvSpPr>
-          <p:cNvPr id="2" name="Date Placeholder 1">
-            <a:extLst>
-              <a:ext uri="{FF2B5EF4-FFF2-40B4-BE49-F238E27FC236}">
-                <a16:creationId xmlns:a16="http://schemas.microsoft.com/office/drawing/2014/main" id="{4AA8F9F4-A920-42CD-8FC8-D0EE17712B40}"/>
-              </a:ext>
-            </a:extLst>
-          </p:cNvPr>
-          <p:cNvSpPr>
-            <a:spLocks noGrp="1"/>
-          </p:cNvSpPr>
-          <p:nvPr>
-            <p:ph type="dt" sz="half" idx="10"/>
-          </p:nvPr>
-        </p:nvSpPr>
-        <p:spPr>
-          <a:xfrm>
-            <a:off x="838200" y="6356350"/>
-            <a:ext cx="2743200" cy="365125"/>
-          </a:xfrm>
-        </p:spPr>
-        <p:txBody>
-          <a:bodyPr/>
-          <a:lstStyle/>
-          <a:p>
-            <a:r>
-              <a:rPr lang="en-US" dirty="0"/>
-              <a:t>20XX</a:t>
-            </a:r>
-          </a:p>
-        </p:txBody>
-      </p:sp>
-      <p:sp>
-        <p:nvSpPr>
-          <p:cNvPr id="3" name="Footer Placeholder 2">
-            <a:extLst>
-              <a:ext uri="{FF2B5EF4-FFF2-40B4-BE49-F238E27FC236}">
-                <a16:creationId xmlns:a16="http://schemas.microsoft.com/office/drawing/2014/main" id="{86EA67BE-8C4A-498B-BE79-A779F07A5E7B}"/>
-              </a:ext>
-            </a:extLst>
-          </p:cNvPr>
-          <p:cNvSpPr>
-            <a:spLocks noGrp="1"/>
-          </p:cNvSpPr>
-          <p:nvPr>
-            <p:ph type="ftr" sz="quarter" idx="11"/>
-          </p:nvPr>
-        </p:nvSpPr>
-        <p:spPr>
-          <a:xfrm>
-            <a:off x="4038600" y="6356350"/>
-            <a:ext cx="4114800" cy="365125"/>
-          </a:xfrm>
-        </p:spPr>
-        <p:txBody>
-          <a:bodyPr/>
-          <a:lstStyle/>
-          <a:p>
-            <a:r>
-              <a:rPr lang="en-US" dirty="0"/>
-              <a:t>PRESENTATION TITLE</a:t>
-            </a:r>
-          </a:p>
-        </p:txBody>
-      </p:sp>
-      <p:sp>
-        <p:nvSpPr>
-          <p:cNvPr id="4" name="Slide Number Placeholder 3">
-            <a:extLst>
-              <a:ext uri="{FF2B5EF4-FFF2-40B4-BE49-F238E27FC236}">
-                <a16:creationId xmlns:a16="http://schemas.microsoft.com/office/drawing/2014/main" id="{97E49766-851F-4808-BD95-B55C6D1316C1}"/>
-              </a:ext>
-            </a:extLst>
-          </p:cNvPr>
-          <p:cNvSpPr>
-            <a:spLocks noGrp="1"/>
-          </p:cNvSpPr>
-          <p:nvPr>
-            <p:ph type="sldNum" sz="quarter" idx="12"/>
-          </p:nvPr>
-        </p:nvSpPr>
-        <p:spPr>
-          <a:xfrm>
-            <a:off x="8610600" y="6356350"/>
-            <a:ext cx="2743200" cy="365125"/>
-          </a:xfrm>
-        </p:spPr>
-        <p:txBody>
-          <a:bodyPr/>
-          <a:lstStyle/>
-          <a:p>
-            <a:fld id="{F91729D4-A164-47A3-830D-E792BCE699E4}" type="slidenum">
-              <a:rPr lang="en-US" smtClean="0"/>
-              <a:pPr/>
-              <a:t>10</a:t>
-            </a:fld>
-            <a:endParaRPr lang="en-US" dirty="0"/>
-          </a:p>
-        </p:txBody>
-      </p:sp>
-    </p:spTree>
-    <p:extLst>
-      <p:ext uri="{BB962C8B-B14F-4D97-AF65-F5344CB8AC3E}">
-        <p14:creationId xmlns:p14="http://schemas.microsoft.com/office/powerpoint/2010/main" val="1388807336"/>
-      </p:ext>
-    </p:extLst>
-  </p:cSld>
-  <p:clrMapOvr>
-    <a:masterClrMapping/>
-  </p:clrMapOvr>
-</p:sld>
-</file>
-
-<file path=ppt/slides/slide11.xml><?xml version="1.0" encoding="utf-8"?>
-<p:sld xmlns:a="http://schemas.openxmlformats.org/drawingml/2006/main" xmlns:r="http://schemas.openxmlformats.org/officeDocument/2006/relationships" xmlns:p="http://schemas.openxmlformats.org/presentationml/2006/main">
-  <p:cSld>
-    <p:spTree>
-      <p:nvGrpSpPr>
-        <p:cNvPr id="1" name=""/>
-        <p:cNvGrpSpPr/>
-        <p:nvPr/>
-      </p:nvGrpSpPr>
-      <p:grpSpPr>
-        <a:xfrm>
-          <a:off x="0" y="0"/>
-          <a:ext cx="0" cy="0"/>
-          <a:chOff x="0" y="0"/>
-          <a:chExt cx="0" cy="0"/>
-        </a:xfrm>
-      </p:grpSpPr>
-      <p:sp>
-        <p:nvSpPr>
-          <p:cNvPr id="37" name="Title 36">
-            <a:extLst>
-              <a:ext uri="{FF2B5EF4-FFF2-40B4-BE49-F238E27FC236}">
-                <a16:creationId xmlns:a16="http://schemas.microsoft.com/office/drawing/2014/main" id="{DD48C8EC-56C5-4A2A-BB21-811BC510040A}"/>
-              </a:ext>
-            </a:extLst>
-          </p:cNvPr>
-          <p:cNvSpPr>
-            <a:spLocks noGrp="1"/>
-          </p:cNvSpPr>
-          <p:nvPr>
-            <p:ph type="title"/>
-          </p:nvPr>
-        </p:nvSpPr>
-        <p:spPr>
-          <a:xfrm>
-            <a:off x="1574800" y="3429000"/>
-            <a:ext cx="3097320" cy="978408"/>
-          </a:xfrm>
-        </p:spPr>
-        <p:txBody>
-          <a:bodyPr/>
-          <a:lstStyle/>
-          <a:p>
-            <a:r>
-              <a:rPr lang="en-US" dirty="0"/>
-              <a:t>Summary</a:t>
-            </a:r>
-          </a:p>
-        </p:txBody>
-      </p:sp>
-      <p:pic>
-        <p:nvPicPr>
-          <p:cNvPr id="17" name="Picture Placeholder 16" descr="A picture containing plant, grass, outdoor, sea, beach">
-            <a:extLst>
-              <a:ext uri="{FF2B5EF4-FFF2-40B4-BE49-F238E27FC236}">
-                <a16:creationId xmlns:a16="http://schemas.microsoft.com/office/drawing/2014/main" id="{C22AFC99-B8B0-4D49-8242-D5D9E488CA02}"/>
-              </a:ext>
-            </a:extLst>
-          </p:cNvPr>
-          <p:cNvPicPr>
-            <a:picLocks noGrp="1" noChangeAspect="1"/>
-          </p:cNvPicPr>
-          <p:nvPr>
-            <p:ph type="pic" sz="quarter" idx="13"/>
-          </p:nvPr>
-        </p:nvPicPr>
-        <p:blipFill rotWithShape="1">
-          <a:blip r:embed="rId2" cstate="screen">
-            <a:extLst>
-              <a:ext uri="{28A0092B-C50C-407E-A947-70E740481C1C}">
-                <a14:useLocalDpi xmlns:a14="http://schemas.microsoft.com/office/drawing/2010/main" val="0"/>
-              </a:ext>
-            </a:extLst>
-          </a:blip>
-          <a:srcRect/>
-          <a:stretch/>
-        </p:blipFill>
-        <p:spPr>
-          <a:xfrm>
-            <a:off x="0" y="0"/>
-            <a:ext cx="12192000" cy="2051050"/>
-          </a:xfrm>
-        </p:spPr>
-      </p:pic>
-      <p:sp>
-        <p:nvSpPr>
-          <p:cNvPr id="8" name="Text Placeholder 7">
-            <a:extLst>
-              <a:ext uri="{FF2B5EF4-FFF2-40B4-BE49-F238E27FC236}">
-                <a16:creationId xmlns:a16="http://schemas.microsoft.com/office/drawing/2014/main" id="{36E72FF0-3C0E-499A-8DA6-324675513B3E}"/>
-              </a:ext>
-            </a:extLst>
-          </p:cNvPr>
-          <p:cNvSpPr>
-            <a:spLocks noGrp="1"/>
-          </p:cNvSpPr>
-          <p:nvPr>
-            <p:ph type="body" sz="quarter" idx="16"/>
-          </p:nvPr>
-        </p:nvSpPr>
-        <p:spPr>
-          <a:xfrm>
-            <a:off x="6235700" y="2854660"/>
-            <a:ext cx="4749800" cy="2129971"/>
-          </a:xfrm>
-        </p:spPr>
-        <p:txBody>
-          <a:bodyPr/>
-          <a:lstStyle/>
-          <a:p>
-            <a:r>
-              <a:rPr lang="en-US" dirty="0"/>
-              <a:t>At Contoso, we believe in giving 110%. By using our next-generation data architecture, we help organizations virtually manage agile workflows. We thrive because of our market knowledge and great team behind our product. As our CEO says, "Efficiencies will come from proactively transforming how we do business."​</a:t>
-            </a:r>
-          </a:p>
-        </p:txBody>
-      </p:sp>
-      <p:pic>
-        <p:nvPicPr>
-          <p:cNvPr id="21" name="Picture Placeholder 20" descr="Close up of grass">
-            <a:extLst>
-              <a:ext uri="{FF2B5EF4-FFF2-40B4-BE49-F238E27FC236}">
-                <a16:creationId xmlns:a16="http://schemas.microsoft.com/office/drawing/2014/main" id="{B6A72E84-A1D7-4314-81A0-543131AE3C01}"/>
-              </a:ext>
-            </a:extLst>
-          </p:cNvPr>
-          <p:cNvPicPr>
-            <a:picLocks noGrp="1" noChangeAspect="1"/>
-          </p:cNvPicPr>
-          <p:nvPr>
-            <p:ph type="pic" sz="quarter" idx="14"/>
-          </p:nvPr>
-        </p:nvPicPr>
-        <p:blipFill rotWithShape="1">
-          <a:blip r:embed="rId3" cstate="screen">
-            <a:extLst>
-              <a:ext uri="{28A0092B-C50C-407E-A947-70E740481C1C}">
-                <a14:useLocalDpi xmlns:a14="http://schemas.microsoft.com/office/drawing/2010/main" val="0"/>
-              </a:ext>
-            </a:extLst>
-          </a:blip>
-          <a:srcRect/>
-          <a:stretch/>
-        </p:blipFill>
-        <p:spPr>
-          <a:xfrm>
-            <a:off x="0" y="5788025"/>
-            <a:ext cx="12192000" cy="1069975"/>
-          </a:xfrm>
-        </p:spPr>
-      </p:pic>
-      <p:sp>
-        <p:nvSpPr>
-          <p:cNvPr id="2" name="Date Placeholder 1">
-            <a:extLst>
-              <a:ext uri="{FF2B5EF4-FFF2-40B4-BE49-F238E27FC236}">
-                <a16:creationId xmlns:a16="http://schemas.microsoft.com/office/drawing/2014/main" id="{1F833371-4220-48C3-A3E1-5EA18D50C48F}"/>
-              </a:ext>
-            </a:extLst>
-          </p:cNvPr>
-          <p:cNvSpPr>
-            <a:spLocks noGrp="1"/>
-          </p:cNvSpPr>
-          <p:nvPr>
-            <p:ph type="dt" sz="half" idx="10"/>
-          </p:nvPr>
-        </p:nvSpPr>
-        <p:spPr>
-          <a:xfrm>
-            <a:off x="838200" y="6356350"/>
-            <a:ext cx="2743200" cy="365125"/>
-          </a:xfrm>
-        </p:spPr>
-        <p:txBody>
-          <a:bodyPr/>
-          <a:lstStyle/>
-          <a:p>
-            <a:r>
-              <a:rPr lang="en-US" dirty="0"/>
-              <a:t>20XX</a:t>
-            </a:r>
-          </a:p>
-        </p:txBody>
-      </p:sp>
-      <p:sp>
-        <p:nvSpPr>
-          <p:cNvPr id="3" name="Footer Placeholder 2">
-            <a:extLst>
-              <a:ext uri="{FF2B5EF4-FFF2-40B4-BE49-F238E27FC236}">
-                <a16:creationId xmlns:a16="http://schemas.microsoft.com/office/drawing/2014/main" id="{43BCDDBD-4C85-4716-86C0-5D527FE8BBF0}"/>
-              </a:ext>
-            </a:extLst>
-          </p:cNvPr>
-          <p:cNvSpPr>
-            <a:spLocks noGrp="1"/>
-          </p:cNvSpPr>
-          <p:nvPr>
-            <p:ph type="ftr" sz="quarter" idx="11"/>
-          </p:nvPr>
-        </p:nvSpPr>
-        <p:spPr>
-          <a:xfrm>
-            <a:off x="4038600" y="6356350"/>
-            <a:ext cx="4114800" cy="365125"/>
-          </a:xfrm>
-        </p:spPr>
-        <p:txBody>
-          <a:bodyPr/>
-          <a:lstStyle/>
-          <a:p>
-            <a:r>
-              <a:rPr lang="en-US" dirty="0"/>
-              <a:t>PRESENTATION TITLE</a:t>
-            </a:r>
-          </a:p>
-        </p:txBody>
-      </p:sp>
-      <p:sp>
-        <p:nvSpPr>
-          <p:cNvPr id="4" name="Slide Number Placeholder 3">
-            <a:extLst>
-              <a:ext uri="{FF2B5EF4-FFF2-40B4-BE49-F238E27FC236}">
-                <a16:creationId xmlns:a16="http://schemas.microsoft.com/office/drawing/2014/main" id="{6F496E66-3A4B-4617-8D7C-D91AD3541F15}"/>
-              </a:ext>
-            </a:extLst>
-          </p:cNvPr>
-          <p:cNvSpPr>
-            <a:spLocks noGrp="1"/>
-          </p:cNvSpPr>
-          <p:nvPr>
-            <p:ph type="sldNum" sz="quarter" idx="12"/>
-          </p:nvPr>
-        </p:nvSpPr>
-        <p:spPr>
-          <a:xfrm>
-            <a:off x="8610600" y="6356350"/>
-            <a:ext cx="2743200" cy="365125"/>
-          </a:xfrm>
-        </p:spPr>
-        <p:txBody>
-          <a:bodyPr/>
-          <a:lstStyle/>
-          <a:p>
-            <a:fld id="{F91729D4-A164-47A3-830D-E792BCE699E4}" type="slidenum">
-              <a:rPr lang="en-US" smtClean="0"/>
-              <a:pPr/>
-              <a:t>11</a:t>
-            </a:fld>
-            <a:endParaRPr lang="en-US" dirty="0"/>
-          </a:p>
-        </p:txBody>
-      </p:sp>
-    </p:spTree>
-    <p:extLst>
-      <p:ext uri="{BB962C8B-B14F-4D97-AF65-F5344CB8AC3E}">
-        <p14:creationId xmlns:p14="http://schemas.microsoft.com/office/powerpoint/2010/main" val="1321790359"/>
-      </p:ext>
-    </p:extLst>
-  </p:cSld>
-  <p:clrMapOvr>
-    <a:masterClrMapping/>
-  </p:clrMapOvr>
-</p:sld>
-</file>
-
-<file path=ppt/slides/slide12.xml><?xml version="1.0" encoding="utf-8"?>
-<p:sld xmlns:a="http://schemas.openxmlformats.org/drawingml/2006/main" xmlns:r="http://schemas.openxmlformats.org/officeDocument/2006/relationships" xmlns:p="http://schemas.openxmlformats.org/presentationml/2006/main">
-  <p:cSld>
-    <p:spTree>
-      <p:nvGrpSpPr>
-        <p:cNvPr id="1" name=""/>
-        <p:cNvGrpSpPr/>
-        <p:nvPr/>
-      </p:nvGrpSpPr>
-      <p:grpSpPr>
-        <a:xfrm>
-          <a:off x="0" y="0"/>
-          <a:ext cx="0" cy="0"/>
-          <a:chOff x="0" y="0"/>
-          <a:chExt cx="0" cy="0"/>
-        </a:xfrm>
-      </p:grpSpPr>
-      <p:sp>
-        <p:nvSpPr>
-          <p:cNvPr id="8" name="Title 7">
-            <a:extLst>
-              <a:ext uri="{FF2B5EF4-FFF2-40B4-BE49-F238E27FC236}">
-                <a16:creationId xmlns:a16="http://schemas.microsoft.com/office/drawing/2014/main" id="{91F92B90-FD10-47FA-922C-60FD7F0ED4A6}"/>
-              </a:ext>
-            </a:extLst>
-          </p:cNvPr>
-          <p:cNvSpPr>
-            <a:spLocks noGrp="1"/>
-          </p:cNvSpPr>
-          <p:nvPr>
-            <p:ph type="title"/>
-          </p:nvPr>
-        </p:nvSpPr>
-        <p:spPr>
-          <a:xfrm>
-            <a:off x="4073237" y="1096375"/>
-            <a:ext cx="4045527" cy="1590790"/>
-          </a:xfrm>
-        </p:spPr>
-        <p:txBody>
-          <a:bodyPr/>
-          <a:lstStyle/>
-          <a:p>
-            <a:r>
-              <a:rPr lang="en-US" dirty="0"/>
-              <a:t>Thank you</a:t>
-            </a:r>
-          </a:p>
-        </p:txBody>
-      </p:sp>
-      <p:pic>
-        <p:nvPicPr>
-          <p:cNvPr id="13" name="Picture Placeholder 12" descr="Sand, sea, beach, grass">
-            <a:extLst>
-              <a:ext uri="{FF2B5EF4-FFF2-40B4-BE49-F238E27FC236}">
-                <a16:creationId xmlns:a16="http://schemas.microsoft.com/office/drawing/2014/main" id="{681D276C-2EB5-4A5D-AD46-BA67480003A1}"/>
-              </a:ext>
-            </a:extLst>
-          </p:cNvPr>
-          <p:cNvPicPr>
-            <a:picLocks noGrp="1" noChangeAspect="1"/>
-          </p:cNvPicPr>
-          <p:nvPr>
-            <p:ph type="pic" sz="quarter" idx="13"/>
-          </p:nvPr>
-        </p:nvPicPr>
-        <p:blipFill rotWithShape="1">
-          <a:blip r:embed="rId2" cstate="screen">
-            <a:extLst>
-              <a:ext uri="{28A0092B-C50C-407E-A947-70E740481C1C}">
-                <a14:useLocalDpi xmlns:a14="http://schemas.microsoft.com/office/drawing/2010/main" val="0"/>
-              </a:ext>
-            </a:extLst>
-          </a:blip>
-          <a:srcRect/>
-          <a:stretch/>
-        </p:blipFill>
-        <p:spPr>
-          <a:xfrm>
-            <a:off x="0" y="951274"/>
-            <a:ext cx="2743201" cy="4747564"/>
-          </a:xfrm>
-        </p:spPr>
-      </p:pic>
-      <p:sp>
-        <p:nvSpPr>
-          <p:cNvPr id="10" name="Text Placeholder 9">
-            <a:extLst>
-              <a:ext uri="{FF2B5EF4-FFF2-40B4-BE49-F238E27FC236}">
-                <a16:creationId xmlns:a16="http://schemas.microsoft.com/office/drawing/2014/main" id="{96493815-2B96-4CA9-8D15-F0EB9A1557C5}"/>
-              </a:ext>
-            </a:extLst>
-          </p:cNvPr>
-          <p:cNvSpPr>
-            <a:spLocks noGrp="1"/>
-          </p:cNvSpPr>
-          <p:nvPr>
-            <p:ph type="body" sz="quarter" idx="16"/>
-          </p:nvPr>
-        </p:nvSpPr>
-        <p:spPr>
-          <a:xfrm>
-            <a:off x="4107354" y="2910720"/>
-            <a:ext cx="4011410" cy="2061261"/>
-          </a:xfrm>
-        </p:spPr>
-        <p:txBody>
-          <a:bodyPr/>
-          <a:lstStyle/>
-          <a:p>
-            <a:r>
-              <a:rPr lang="en-US" dirty="0"/>
-              <a:t>Mirjam Nilsson​​</a:t>
-            </a:r>
-          </a:p>
-          <a:p>
-            <a:r>
-              <a:rPr lang="en-US" dirty="0"/>
-              <a:t>mirjam@contoso.com​</a:t>
-            </a:r>
-          </a:p>
-          <a:p>
-            <a:r>
-              <a:rPr lang="en-US" dirty="0"/>
-              <a:t>www.contoso.com​</a:t>
-            </a:r>
-          </a:p>
-        </p:txBody>
-      </p:sp>
-      <p:pic>
-        <p:nvPicPr>
-          <p:cNvPr id="15" name="Picture Placeholder 14" descr="Close up of bird eye">
-            <a:extLst>
-              <a:ext uri="{FF2B5EF4-FFF2-40B4-BE49-F238E27FC236}">
-                <a16:creationId xmlns:a16="http://schemas.microsoft.com/office/drawing/2014/main" id="{EDC61EE9-9548-4422-9A3B-8519063F0199}"/>
-              </a:ext>
-            </a:extLst>
-          </p:cNvPr>
-          <p:cNvPicPr>
-            <a:picLocks noGrp="1" noChangeAspect="1"/>
-          </p:cNvPicPr>
-          <p:nvPr>
-            <p:ph type="pic" sz="quarter" idx="17"/>
-          </p:nvPr>
-        </p:nvPicPr>
-        <p:blipFill rotWithShape="1">
-          <a:blip r:embed="rId3" cstate="screen">
-            <a:extLst>
-              <a:ext uri="{28A0092B-C50C-407E-A947-70E740481C1C}">
-                <a14:useLocalDpi xmlns:a14="http://schemas.microsoft.com/office/drawing/2010/main" val="0"/>
-              </a:ext>
-            </a:extLst>
-          </a:blip>
-          <a:srcRect/>
-          <a:stretch/>
-        </p:blipFill>
-        <p:spPr>
-          <a:xfrm>
-            <a:off x="9448800" y="951274"/>
-            <a:ext cx="2743200" cy="4747564"/>
-          </a:xfrm>
-        </p:spPr>
-      </p:pic>
-      <p:sp>
-        <p:nvSpPr>
-          <p:cNvPr id="2" name="Date Placeholder 1">
-            <a:extLst>
-              <a:ext uri="{FF2B5EF4-FFF2-40B4-BE49-F238E27FC236}">
-                <a16:creationId xmlns:a16="http://schemas.microsoft.com/office/drawing/2014/main" id="{2C8D6180-8574-4A09-9CF3-5DBA4B97A637}"/>
-              </a:ext>
-            </a:extLst>
-          </p:cNvPr>
-          <p:cNvSpPr>
-            <a:spLocks noGrp="1"/>
-          </p:cNvSpPr>
-          <p:nvPr>
-            <p:ph type="dt" sz="half" idx="10"/>
-          </p:nvPr>
-        </p:nvSpPr>
-        <p:spPr>
-          <a:xfrm>
-            <a:off x="838200" y="6356350"/>
-            <a:ext cx="2743200" cy="365125"/>
-          </a:xfrm>
-        </p:spPr>
-        <p:txBody>
-          <a:bodyPr/>
-          <a:lstStyle/>
-          <a:p>
-            <a:r>
-              <a:rPr lang="en-US" dirty="0"/>
-              <a:t>20XX</a:t>
-            </a:r>
-          </a:p>
-        </p:txBody>
-      </p:sp>
-      <p:sp>
-        <p:nvSpPr>
-          <p:cNvPr id="3" name="Footer Placeholder 2">
-            <a:extLst>
-              <a:ext uri="{FF2B5EF4-FFF2-40B4-BE49-F238E27FC236}">
-                <a16:creationId xmlns:a16="http://schemas.microsoft.com/office/drawing/2014/main" id="{8B36962E-1AC0-4AE8-9E04-6FECBB97FBF5}"/>
-              </a:ext>
-            </a:extLst>
-          </p:cNvPr>
-          <p:cNvSpPr>
-            <a:spLocks noGrp="1"/>
-          </p:cNvSpPr>
-          <p:nvPr>
-            <p:ph type="ftr" sz="quarter" idx="11"/>
-          </p:nvPr>
-        </p:nvSpPr>
-        <p:spPr>
-          <a:xfrm>
-            <a:off x="4038600" y="6356350"/>
-            <a:ext cx="4114800" cy="365125"/>
-          </a:xfrm>
-        </p:spPr>
-        <p:txBody>
-          <a:bodyPr/>
-          <a:lstStyle/>
-          <a:p>
-            <a:r>
-              <a:rPr lang="en-US" dirty="0"/>
-              <a:t>PRESENTATION TITLE</a:t>
-            </a:r>
-          </a:p>
-        </p:txBody>
-      </p:sp>
-      <p:sp>
-        <p:nvSpPr>
-          <p:cNvPr id="4" name="Slide Number Placeholder 3">
-            <a:extLst>
-              <a:ext uri="{FF2B5EF4-FFF2-40B4-BE49-F238E27FC236}">
-                <a16:creationId xmlns:a16="http://schemas.microsoft.com/office/drawing/2014/main" id="{0C5EF685-39C2-409F-97E3-2C4713F25B8D}"/>
-              </a:ext>
-            </a:extLst>
-          </p:cNvPr>
-          <p:cNvSpPr>
-            <a:spLocks noGrp="1"/>
-          </p:cNvSpPr>
-          <p:nvPr>
-            <p:ph type="sldNum" sz="quarter" idx="12"/>
-          </p:nvPr>
-        </p:nvSpPr>
-        <p:spPr>
-          <a:xfrm>
-            <a:off x="8610600" y="6356350"/>
-            <a:ext cx="2743200" cy="365125"/>
-          </a:xfrm>
-        </p:spPr>
-        <p:txBody>
-          <a:bodyPr/>
-          <a:lstStyle/>
-          <a:p>
-            <a:fld id="{F91729D4-A164-47A3-830D-E792BCE699E4}" type="slidenum">
-              <a:rPr lang="en-US" smtClean="0"/>
-              <a:pPr/>
-              <a:t>12</a:t>
-            </a:fld>
-            <a:endParaRPr lang="en-US" dirty="0"/>
-          </a:p>
-        </p:txBody>
-      </p:sp>
-    </p:spTree>
-    <p:extLst>
-      <p:ext uri="{BB962C8B-B14F-4D97-AF65-F5344CB8AC3E}">
-        <p14:creationId xmlns:p14="http://schemas.microsoft.com/office/powerpoint/2010/main" val="2134003369"/>
-      </p:ext>
-    </p:extLst>
-  </p:cSld>
-  <p:clrMapOvr>
-    <a:masterClrMapping/>
-  </p:clrMapOvr>
-</p:sld>
-</file>
-
 <file path=ppt/slides/slide2.xml><?xml version="1.0" encoding="utf-8"?>
 <p:sld xmlns:a="http://schemas.openxmlformats.org/drawingml/2006/main" xmlns:r="http://schemas.openxmlformats.org/officeDocument/2006/relationships" xmlns:p="http://schemas.openxmlformats.org/presentationml/2006/main">
   <p:cSld>
@@ -17050,7 +13631,7 @@
         </p:nvSpPr>
         <p:spPr>
           <a:xfrm>
-            <a:off x="6351718" y="2061086"/>
+            <a:off x="6342421" y="2061086"/>
             <a:ext cx="4626763" cy="2573058"/>
           </a:xfrm>
         </p:spPr>
@@ -17067,6 +13648,11 @@
             </a:pPr>
             <a:r>
               <a:rPr lang="en-US" b="1" spc="0" dirty="0">
+                <a:solidFill>
+                  <a:schemeClr val="accent5">
+                    <a:lumMod val="75000"/>
+                  </a:schemeClr>
+                </a:solidFill>
                 <a:latin typeface="Calibri" panose="020F0502020204030204" pitchFamily="34" charset="0"/>
                 <a:cs typeface="Calibri" panose="020F0502020204030204" pitchFamily="34" charset="0"/>
               </a:rPr>
@@ -17081,6 +13667,11 @@
             </a:pPr>
             <a:r>
               <a:rPr lang="en-US" b="1" spc="0" dirty="0">
+                <a:solidFill>
+                  <a:schemeClr val="accent5">
+                    <a:lumMod val="75000"/>
+                  </a:schemeClr>
+                </a:solidFill>
                 <a:latin typeface="Calibri" panose="020F0502020204030204" pitchFamily="34" charset="0"/>
                 <a:cs typeface="Calibri" panose="020F0502020204030204" pitchFamily="34" charset="0"/>
               </a:rPr>
@@ -17088,12 +13679,22 @@
             </a:r>
             <a:br>
               <a:rPr lang="en-US" b="1" spc="0" dirty="0">
+                <a:solidFill>
+                  <a:schemeClr val="accent5">
+                    <a:lumMod val="75000"/>
+                  </a:schemeClr>
+                </a:solidFill>
                 <a:latin typeface="Calibri" panose="020F0502020204030204" pitchFamily="34" charset="0"/>
                 <a:cs typeface="Calibri" panose="020F0502020204030204" pitchFamily="34" charset="0"/>
               </a:rPr>
             </a:br>
             <a:r>
               <a:rPr lang="en-US" b="1" spc="0" dirty="0">
+                <a:solidFill>
+                  <a:schemeClr val="accent5">
+                    <a:lumMod val="75000"/>
+                  </a:schemeClr>
+                </a:solidFill>
                 <a:latin typeface="Calibri" panose="020F0502020204030204" pitchFamily="34" charset="0"/>
                 <a:cs typeface="Calibri" panose="020F0502020204030204" pitchFamily="34" charset="0"/>
               </a:rPr>
@@ -17240,7 +13841,7 @@
         </p:nvSpPr>
         <p:spPr>
           <a:xfrm>
-            <a:off x="1277551" y="2112443"/>
+            <a:off x="1268254" y="2112443"/>
             <a:ext cx="4626764" cy="1039130"/>
           </a:xfrm>
         </p:spPr>
@@ -17251,6 +13852,11 @@
             <a:pPr algn="ctr"/>
             <a:r>
               <a:rPr lang="en-US" b="1" spc="0" dirty="0">
+                <a:solidFill>
+                  <a:schemeClr val="accent5">
+                    <a:lumMod val="75000"/>
+                  </a:schemeClr>
+                </a:solidFill>
                 <a:latin typeface="Calibri" panose="020F0502020204030204" pitchFamily="34" charset="0"/>
                 <a:cs typeface="Calibri" panose="020F0502020204030204" pitchFamily="34" charset="0"/>
               </a:rPr>
@@ -17258,12 +13864,22 @@
             </a:r>
             <a:br>
               <a:rPr lang="en-US" b="1" spc="0" dirty="0">
+                <a:solidFill>
+                  <a:schemeClr val="accent5">
+                    <a:lumMod val="75000"/>
+                  </a:schemeClr>
+                </a:solidFill>
                 <a:latin typeface="Calibri" panose="020F0502020204030204" pitchFamily="34" charset="0"/>
                 <a:cs typeface="Calibri" panose="020F0502020204030204" pitchFamily="34" charset="0"/>
               </a:rPr>
             </a:br>
             <a:r>
               <a:rPr lang="en-US" b="1" spc="0" dirty="0">
+                <a:solidFill>
+                  <a:schemeClr val="accent5">
+                    <a:lumMod val="75000"/>
+                  </a:schemeClr>
+                </a:solidFill>
                 <a:latin typeface="Calibri" panose="020F0502020204030204" pitchFamily="34" charset="0"/>
                 <a:cs typeface="Calibri" panose="020F0502020204030204" pitchFamily="34" charset="0"/>
               </a:rPr>
@@ -17271,12 +13887,22 @@
             </a:r>
             <a:br>
               <a:rPr lang="en-US" b="1" spc="0" dirty="0">
+                <a:solidFill>
+                  <a:schemeClr val="accent5">
+                    <a:lumMod val="75000"/>
+                  </a:schemeClr>
+                </a:solidFill>
                 <a:latin typeface="Calibri" panose="020F0502020204030204" pitchFamily="34" charset="0"/>
                 <a:cs typeface="Calibri" panose="020F0502020204030204" pitchFamily="34" charset="0"/>
               </a:rPr>
             </a:br>
             <a:r>
               <a:rPr lang="en-US" b="1" spc="0" dirty="0">
+                <a:solidFill>
+                  <a:schemeClr val="accent5">
+                    <a:lumMod val="75000"/>
+                  </a:schemeClr>
+                </a:solidFill>
                 <a:latin typeface="Calibri" panose="020F0502020204030204" pitchFamily="34" charset="0"/>
                 <a:cs typeface="Calibri" panose="020F0502020204030204" pitchFamily="34" charset="0"/>
               </a:rPr>
@@ -17285,6 +13911,11 @@
           </a:p>
           <a:p>
             <a:endParaRPr lang="en-US" b="1" spc="0" dirty="0">
+              <a:solidFill>
+                <a:schemeClr val="accent5">
+                  <a:lumMod val="75000"/>
+                </a:schemeClr>
+              </a:solidFill>
               <a:latin typeface="Calibri" panose="020F0502020204030204" pitchFamily="34" charset="0"/>
               <a:cs typeface="Calibri" panose="020F0502020204030204" pitchFamily="34" charset="0"/>
             </a:endParaRPr>
@@ -17358,8 +13989,8 @@
         </p:nvCxnSpPr>
         <p:spPr>
           <a:xfrm>
-            <a:off x="3590933" y="3151573"/>
-            <a:ext cx="0" cy="842882"/>
+            <a:off x="3581636" y="3151573"/>
+            <a:ext cx="9297" cy="842882"/>
           </a:xfrm>
           <a:prstGeom prst="straightConnector1">
             <a:avLst/>
@@ -17446,7 +14077,24 @@
                 </a:solidFill>
                 <a:latin typeface="Palatino Linotype" panose="02040502050505030304" pitchFamily="18" charset="0"/>
               </a:rPr>
-              <a:t>[4] Lane detection using Raspberry Pi</a:t>
+              <a:t>[4] Robust Lane Detection and Tracking for</a:t>
+            </a:r>
+            <a:br>
+              <a:rPr lang="en-US" sz="1800" b="1" i="0" u="none" strike="noStrike" baseline="0" dirty="0">
+                <a:solidFill>
+                  <a:srgbClr val="627272"/>
+                </a:solidFill>
+                <a:latin typeface="Palatino Linotype" panose="02040502050505030304" pitchFamily="18" charset="0"/>
+              </a:rPr>
+            </a:br>
+            <a:r>
+              <a:rPr lang="en-US" sz="1800" b="1" i="0" u="none" strike="noStrike" baseline="0" dirty="0">
+                <a:solidFill>
+                  <a:srgbClr val="627272"/>
+                </a:solidFill>
+                <a:latin typeface="Palatino Linotype" panose="02040502050505030304" pitchFamily="18" charset="0"/>
+              </a:rPr>
+              <a:t>Real-Time Applications</a:t>
             </a:r>
             <a:endParaRPr lang="en-US" b="1" dirty="0">
               <a:solidFill>
@@ -17475,12 +14123,12 @@
         </p:nvSpPr>
         <p:spPr>
           <a:xfrm>
-            <a:off x="6351718" y="2061086"/>
-            <a:ext cx="4626763" cy="2573058"/>
-          </a:xfrm>
-        </p:spPr>
-        <p:txBody>
-          <a:bodyPr>
+            <a:off x="276861" y="2857963"/>
+            <a:ext cx="2258882" cy="2573058"/>
+          </a:xfrm>
+        </p:spPr>
+        <p:txBody>
+          <a:bodyPr anchor="ctr">
             <a:normAutofit/>
           </a:bodyPr>
           <a:lstStyle/>
@@ -17495,7 +14143,39 @@
                 <a:latin typeface="Calibri" panose="020F0502020204030204" pitchFamily="34" charset="0"/>
                 <a:cs typeface="Calibri" panose="020F0502020204030204" pitchFamily="34" charset="0"/>
               </a:rPr>
-              <a:t>When viewed together with [2], gives the target speed for the application: 15 FPS.</a:t>
+              <a:t>Video input:</a:t>
+            </a:r>
+          </a:p>
+          <a:p>
+            <a:pPr marL="342900" indent="-342900">
+              <a:lnSpc>
+                <a:spcPct val="100000"/>
+              </a:lnSpc>
+              <a:buFont typeface="Arial" panose="020B0604020202020204" pitchFamily="34" charset="0"/>
+              <a:buChar char="•"/>
+            </a:pPr>
+            <a:r>
+              <a:rPr lang="en-US" spc="0" dirty="0">
+                <a:latin typeface="Calibri" panose="020F0502020204030204" pitchFamily="34" charset="0"/>
+                <a:cs typeface="Calibri" panose="020F0502020204030204" pitchFamily="34" charset="0"/>
+              </a:rPr>
+              <a:t>~ 48000 frames</a:t>
+            </a:r>
+          </a:p>
+          <a:p>
+            <a:pPr marL="342900" indent="-342900">
+              <a:lnSpc>
+                <a:spcPct val="100000"/>
+              </a:lnSpc>
+              <a:buFont typeface="Arial" panose="020B0604020202020204" pitchFamily="34" charset="0"/>
+              <a:buChar char="•"/>
+            </a:pPr>
+            <a:r>
+              <a:rPr lang="en-US" spc="0" dirty="0">
+                <a:latin typeface="Calibri" panose="020F0502020204030204" pitchFamily="34" charset="0"/>
+                <a:cs typeface="Calibri" panose="020F0502020204030204" pitchFamily="34" charset="0"/>
+              </a:rPr>
+              <a:t>1920x1080</a:t>
             </a:r>
           </a:p>
           <a:p>
@@ -17504,59 +14184,32 @@
                 <a:spcPct val="100000"/>
               </a:lnSpc>
             </a:pPr>
-            <a:r>
-              <a:rPr lang="en-US" b="1" spc="0" dirty="0">
-                <a:latin typeface="Calibri" panose="020F0502020204030204" pitchFamily="34" charset="0"/>
-                <a:cs typeface="Calibri" panose="020F0502020204030204" pitchFamily="34" charset="0"/>
-              </a:rPr>
-              <a:t>Which is one of the criteria regard to</a:t>
-            </a:r>
-            <a:br>
-              <a:rPr lang="en-US" b="1" spc="0" dirty="0">
-                <a:latin typeface="Calibri" panose="020F0502020204030204" pitchFamily="34" charset="0"/>
-                <a:cs typeface="Calibri" panose="020F0502020204030204" pitchFamily="34" charset="0"/>
-              </a:rPr>
-            </a:br>
-            <a:r>
-              <a:rPr lang="en-US" b="1" spc="0" dirty="0">
-                <a:latin typeface="Calibri" panose="020F0502020204030204" pitchFamily="34" charset="0"/>
-                <a:cs typeface="Calibri" panose="020F0502020204030204" pitchFamily="34" charset="0"/>
-              </a:rPr>
-              <a:t>Real-time application</a:t>
-            </a:r>
-          </a:p>
-        </p:txBody>
-      </p:sp>
-      <p:sp>
-        <p:nvSpPr>
-          <p:cNvPr id="6" name="Text Placeholder 5">
-            <a:extLst>
-              <a:ext uri="{FF2B5EF4-FFF2-40B4-BE49-F238E27FC236}">
-                <a16:creationId xmlns:a16="http://schemas.microsoft.com/office/drawing/2014/main" id="{0BB5172A-706E-4611-980E-313561D97147}"/>
-              </a:ext>
-            </a:extLst>
-          </p:cNvPr>
-          <p:cNvSpPr>
-            <a:spLocks noGrp="1"/>
-          </p:cNvSpPr>
-          <p:nvPr>
-            <p:ph type="body" sz="quarter" idx="17"/>
-          </p:nvPr>
-        </p:nvSpPr>
-        <p:spPr>
-          <a:xfrm>
-            <a:off x="6297453" y="4264137"/>
-            <a:ext cx="4626293" cy="820740"/>
-          </a:xfrm>
-        </p:spPr>
-        <p:txBody>
-          <a:bodyPr/>
-          <a:lstStyle/>
-          <a:p>
-            <a:r>
-              <a:rPr lang="en-US" dirty="0"/>
-              <a:t>Still, this study was not implemented on embedded environment</a:t>
-            </a:r>
+            <a:endParaRPr lang="en-US" b="1" spc="0" dirty="0">
+              <a:latin typeface="Calibri" panose="020F0502020204030204" pitchFamily="34" charset="0"/>
+              <a:cs typeface="Calibri" panose="020F0502020204030204" pitchFamily="34" charset="0"/>
+            </a:endParaRPr>
+          </a:p>
+          <a:p>
+            <a:pPr>
+              <a:lnSpc>
+                <a:spcPct val="100000"/>
+              </a:lnSpc>
+            </a:pPr>
+            <a:endParaRPr lang="en-US" b="1" spc="0" dirty="0">
+              <a:latin typeface="Calibri" panose="020F0502020204030204" pitchFamily="34" charset="0"/>
+              <a:cs typeface="Calibri" panose="020F0502020204030204" pitchFamily="34" charset="0"/>
+            </a:endParaRPr>
+          </a:p>
+          <a:p>
+            <a:pPr>
+              <a:lnSpc>
+                <a:spcPct val="100000"/>
+              </a:lnSpc>
+            </a:pPr>
+            <a:endParaRPr lang="en-US" b="1" spc="0" dirty="0">
+              <a:latin typeface="Calibri" panose="020F0502020204030204" pitchFamily="34" charset="0"/>
+              <a:cs typeface="Calibri" panose="020F0502020204030204" pitchFamily="34" charset="0"/>
+            </a:endParaRPr>
           </a:p>
         </p:txBody>
       </p:sp>
@@ -17663,11 +14316,526 @@
             <p:ph type="body" sz="quarter" idx="13"/>
           </p:nvPr>
         </p:nvSpPr>
-        <p:spPr/>
-        <p:txBody>
-          <a:bodyPr/>
+        <p:spPr>
+          <a:xfrm>
+            <a:off x="4038600" y="2857963"/>
+            <a:ext cx="3420625" cy="3236132"/>
+          </a:xfrm>
+        </p:spPr>
+        <p:txBody>
+          <a:bodyPr>
+            <a:normAutofit/>
+          </a:bodyPr>
           <a:lstStyle/>
           <a:p>
+            <a:r>
+              <a:rPr lang="en-US" b="1" spc="0" dirty="0">
+                <a:solidFill>
+                  <a:schemeClr val="accent6">
+                    <a:lumMod val="50000"/>
+                  </a:schemeClr>
+                </a:solidFill>
+                <a:latin typeface="Calibri" panose="020F0502020204030204" pitchFamily="34" charset="0"/>
+                <a:cs typeface="Calibri" panose="020F0502020204030204" pitchFamily="34" charset="0"/>
+              </a:rPr>
+              <a:t>Proposed system:</a:t>
+            </a:r>
+          </a:p>
+          <a:p>
+            <a:pPr marL="342900" indent="-342900">
+              <a:buFont typeface="Arial" panose="020B0604020202020204" pitchFamily="34" charset="0"/>
+              <a:buChar char="•"/>
+            </a:pPr>
+            <a:r>
+              <a:rPr lang="en-US" spc="0" dirty="0">
+                <a:solidFill>
+                  <a:schemeClr val="accent6">
+                    <a:lumMod val="50000"/>
+                  </a:schemeClr>
+                </a:solidFill>
+                <a:latin typeface="Calibri" panose="020F0502020204030204" pitchFamily="34" charset="0"/>
+                <a:cs typeface="Calibri" panose="020F0502020204030204" pitchFamily="34" charset="0"/>
+              </a:rPr>
+              <a:t>Programming Language: C++ </a:t>
+            </a:r>
+          </a:p>
+          <a:p>
+            <a:pPr marL="342900" indent="-342900">
+              <a:buFont typeface="Arial" panose="020B0604020202020204" pitchFamily="34" charset="0"/>
+              <a:buChar char="•"/>
+            </a:pPr>
+            <a:r>
+              <a:rPr lang="en-US" spc="0" dirty="0">
+                <a:solidFill>
+                  <a:schemeClr val="accent6">
+                    <a:lumMod val="50000"/>
+                  </a:schemeClr>
+                </a:solidFill>
+                <a:latin typeface="Calibri" panose="020F0502020204030204" pitchFamily="34" charset="0"/>
+                <a:cs typeface="Calibri" panose="020F0502020204030204" pitchFamily="34" charset="0"/>
+              </a:rPr>
+              <a:t>Algorithms in OpenCV library</a:t>
+            </a:r>
+          </a:p>
+          <a:p>
+            <a:pPr marL="342900" indent="-342900">
+              <a:buFont typeface="Arial" panose="020B0604020202020204" pitchFamily="34" charset="0"/>
+              <a:buChar char="•"/>
+            </a:pPr>
+            <a:r>
+              <a:rPr lang="en-US" spc="0" dirty="0">
+                <a:solidFill>
+                  <a:schemeClr val="accent6">
+                    <a:lumMod val="50000"/>
+                  </a:schemeClr>
+                </a:solidFill>
+                <a:latin typeface="Calibri" panose="020F0502020204030204" pitchFamily="34" charset="0"/>
+                <a:cs typeface="Calibri" panose="020F0502020204030204" pitchFamily="34" charset="0"/>
+              </a:rPr>
+              <a:t>OS: Ubuntu 14</a:t>
+            </a:r>
+          </a:p>
+          <a:p>
+            <a:pPr marL="342900" indent="-342900">
+              <a:buFont typeface="Arial" panose="020B0604020202020204" pitchFamily="34" charset="0"/>
+              <a:buChar char="•"/>
+            </a:pPr>
+            <a:r>
+              <a:rPr lang="en-US" spc="0" dirty="0">
+                <a:solidFill>
+                  <a:schemeClr val="accent6">
+                    <a:lumMod val="50000"/>
+                  </a:schemeClr>
+                </a:solidFill>
+                <a:latin typeface="Calibri" panose="020F0502020204030204" pitchFamily="34" charset="0"/>
+                <a:cs typeface="Calibri" panose="020F0502020204030204" pitchFamily="34" charset="0"/>
+              </a:rPr>
+              <a:t>Target: Dual ARM Cortex-A9 processors 800MHz</a:t>
+            </a:r>
+          </a:p>
+        </p:txBody>
+      </p:sp>
+      <p:sp>
+        <p:nvSpPr>
+          <p:cNvPr id="10" name="Arrow: Right 9">
+            <a:extLst>
+              <a:ext uri="{FF2B5EF4-FFF2-40B4-BE49-F238E27FC236}">
+                <a16:creationId xmlns:a16="http://schemas.microsoft.com/office/drawing/2014/main" id="{61112183-0F98-44D8-A8BB-D9DCA8D975CE}"/>
+              </a:ext>
+            </a:extLst>
+          </p:cNvPr>
+          <p:cNvSpPr/>
+          <p:nvPr/>
+        </p:nvSpPr>
+        <p:spPr>
+          <a:xfrm>
+            <a:off x="2770077" y="3429000"/>
+            <a:ext cx="1034189" cy="477175"/>
+          </a:xfrm>
+          <a:prstGeom prst="rightArrow">
+            <a:avLst/>
+          </a:prstGeom>
+        </p:spPr>
+        <p:style>
+          <a:lnRef idx="2">
+            <a:schemeClr val="accent1">
+              <a:shade val="50000"/>
+            </a:schemeClr>
+          </a:lnRef>
+          <a:fillRef idx="1">
+            <a:schemeClr val="accent1"/>
+          </a:fillRef>
+          <a:effectRef idx="0">
+            <a:schemeClr val="accent1"/>
+          </a:effectRef>
+          <a:fontRef idx="minor">
+            <a:schemeClr val="lt1"/>
+          </a:fontRef>
+        </p:style>
+        <p:txBody>
+          <a:bodyPr rtlCol="0" anchor="ctr"/>
+          <a:lstStyle/>
+          <a:p>
+            <a:pPr algn="ctr"/>
+            <a:endParaRPr lang="en-US"/>
+          </a:p>
+        </p:txBody>
+      </p:sp>
+      <p:sp>
+        <p:nvSpPr>
+          <p:cNvPr id="12" name="Text Placeholder 4">
+            <a:extLst>
+              <a:ext uri="{FF2B5EF4-FFF2-40B4-BE49-F238E27FC236}">
+                <a16:creationId xmlns:a16="http://schemas.microsoft.com/office/drawing/2014/main" id="{79CE7772-313A-4D4F-8480-21837E1F44BD}"/>
+              </a:ext>
+            </a:extLst>
+          </p:cNvPr>
+          <p:cNvSpPr txBox="1">
+            <a:spLocks/>
+          </p:cNvSpPr>
+          <p:nvPr/>
+        </p:nvSpPr>
+        <p:spPr>
+          <a:xfrm>
+            <a:off x="8962082" y="2857963"/>
+            <a:ext cx="2258882" cy="2573058"/>
+          </a:xfrm>
+          <a:prstGeom prst="rect">
+            <a:avLst/>
+          </a:prstGeom>
+        </p:spPr>
+        <p:txBody>
+          <a:bodyPr>
+            <a:normAutofit/>
+          </a:bodyPr>
+          <a:lstStyle>
+            <a:lvl1pPr marL="0" indent="0" algn="l" defTabSz="914400" rtl="0" eaLnBrk="1" latinLnBrk="0" hangingPunct="1">
+              <a:lnSpc>
+                <a:spcPct val="90000"/>
+              </a:lnSpc>
+              <a:spcBef>
+                <a:spcPts val="1000"/>
+              </a:spcBef>
+              <a:buFont typeface="Arial" panose="020B0604020202020204" pitchFamily="34" charset="0"/>
+              <a:buNone/>
+              <a:defRPr sz="2000" b="0" i="0" kern="1200" spc="200" baseline="0">
+                <a:solidFill>
+                  <a:schemeClr val="accent5"/>
+                </a:solidFill>
+                <a:latin typeface="+mn-lt"/>
+                <a:ea typeface="+mn-ea"/>
+                <a:cs typeface="+mn-cs"/>
+              </a:defRPr>
+            </a:lvl1pPr>
+            <a:lvl2pPr marL="685800" indent="-228600" algn="l" defTabSz="914400" rtl="0" eaLnBrk="1" latinLnBrk="0" hangingPunct="1">
+              <a:lnSpc>
+                <a:spcPct val="90000"/>
+              </a:lnSpc>
+              <a:spcBef>
+                <a:spcPts val="500"/>
+              </a:spcBef>
+              <a:buFont typeface="Arial" panose="020B0604020202020204" pitchFamily="34" charset="0"/>
+              <a:buChar char="•"/>
+              <a:defRPr sz="2400" kern="1200">
+                <a:solidFill>
+                  <a:schemeClr val="tx1"/>
+                </a:solidFill>
+                <a:latin typeface="+mn-lt"/>
+                <a:ea typeface="+mn-ea"/>
+                <a:cs typeface="+mn-cs"/>
+              </a:defRPr>
+            </a:lvl2pPr>
+            <a:lvl3pPr marL="1143000" indent="-228600" algn="l" defTabSz="914400" rtl="0" eaLnBrk="1" latinLnBrk="0" hangingPunct="1">
+              <a:lnSpc>
+                <a:spcPct val="90000"/>
+              </a:lnSpc>
+              <a:spcBef>
+                <a:spcPts val="500"/>
+              </a:spcBef>
+              <a:buFont typeface="Arial" panose="020B0604020202020204" pitchFamily="34" charset="0"/>
+              <a:buChar char="•"/>
+              <a:defRPr sz="2000" kern="1200">
+                <a:solidFill>
+                  <a:schemeClr val="tx1"/>
+                </a:solidFill>
+                <a:latin typeface="+mn-lt"/>
+                <a:ea typeface="+mn-ea"/>
+                <a:cs typeface="+mn-cs"/>
+              </a:defRPr>
+            </a:lvl3pPr>
+            <a:lvl4pPr marL="1600200" indent="-228600" algn="l" defTabSz="914400" rtl="0" eaLnBrk="1" latinLnBrk="0" hangingPunct="1">
+              <a:lnSpc>
+                <a:spcPct val="90000"/>
+              </a:lnSpc>
+              <a:spcBef>
+                <a:spcPts val="500"/>
+              </a:spcBef>
+              <a:buFont typeface="Arial" panose="020B0604020202020204" pitchFamily="34" charset="0"/>
+              <a:buChar char="•"/>
+              <a:defRPr sz="1800" kern="1200">
+                <a:solidFill>
+                  <a:schemeClr val="tx1"/>
+                </a:solidFill>
+                <a:latin typeface="+mn-lt"/>
+                <a:ea typeface="+mn-ea"/>
+                <a:cs typeface="+mn-cs"/>
+              </a:defRPr>
+            </a:lvl4pPr>
+            <a:lvl5pPr marL="2057400" indent="-228600" algn="l" defTabSz="914400" rtl="0" eaLnBrk="1" latinLnBrk="0" hangingPunct="1">
+              <a:lnSpc>
+                <a:spcPct val="90000"/>
+              </a:lnSpc>
+              <a:spcBef>
+                <a:spcPts val="500"/>
+              </a:spcBef>
+              <a:buFont typeface="Arial" panose="020B0604020202020204" pitchFamily="34" charset="0"/>
+              <a:buChar char="•"/>
+              <a:defRPr sz="1800" kern="1200">
+                <a:solidFill>
+                  <a:schemeClr val="tx1"/>
+                </a:solidFill>
+                <a:latin typeface="+mn-lt"/>
+                <a:ea typeface="+mn-ea"/>
+                <a:cs typeface="+mn-cs"/>
+              </a:defRPr>
+            </a:lvl5pPr>
+            <a:lvl6pPr marL="2514600" indent="-228600" algn="l" defTabSz="914400" rtl="0" eaLnBrk="1" latinLnBrk="0" hangingPunct="1">
+              <a:lnSpc>
+                <a:spcPct val="90000"/>
+              </a:lnSpc>
+              <a:spcBef>
+                <a:spcPts val="500"/>
+              </a:spcBef>
+              <a:buFont typeface="Arial" panose="020B0604020202020204" pitchFamily="34" charset="0"/>
+              <a:buChar char="•"/>
+              <a:defRPr sz="1800" kern="1200">
+                <a:solidFill>
+                  <a:schemeClr val="tx1"/>
+                </a:solidFill>
+                <a:latin typeface="+mn-lt"/>
+                <a:ea typeface="+mn-ea"/>
+                <a:cs typeface="+mn-cs"/>
+              </a:defRPr>
+            </a:lvl6pPr>
+            <a:lvl7pPr marL="2971800" indent="-228600" algn="l" defTabSz="914400" rtl="0" eaLnBrk="1" latinLnBrk="0" hangingPunct="1">
+              <a:lnSpc>
+                <a:spcPct val="90000"/>
+              </a:lnSpc>
+              <a:spcBef>
+                <a:spcPts val="500"/>
+              </a:spcBef>
+              <a:buFont typeface="Arial" panose="020B0604020202020204" pitchFamily="34" charset="0"/>
+              <a:buChar char="•"/>
+              <a:defRPr sz="1800" kern="1200">
+                <a:solidFill>
+                  <a:schemeClr val="tx1"/>
+                </a:solidFill>
+                <a:latin typeface="+mn-lt"/>
+                <a:ea typeface="+mn-ea"/>
+                <a:cs typeface="+mn-cs"/>
+              </a:defRPr>
+            </a:lvl7pPr>
+            <a:lvl8pPr marL="3429000" indent="-228600" algn="l" defTabSz="914400" rtl="0" eaLnBrk="1" latinLnBrk="0" hangingPunct="1">
+              <a:lnSpc>
+                <a:spcPct val="90000"/>
+              </a:lnSpc>
+              <a:spcBef>
+                <a:spcPts val="500"/>
+              </a:spcBef>
+              <a:buFont typeface="Arial" panose="020B0604020202020204" pitchFamily="34" charset="0"/>
+              <a:buChar char="•"/>
+              <a:defRPr sz="1800" kern="1200">
+                <a:solidFill>
+                  <a:schemeClr val="tx1"/>
+                </a:solidFill>
+                <a:latin typeface="+mn-lt"/>
+                <a:ea typeface="+mn-ea"/>
+                <a:cs typeface="+mn-cs"/>
+              </a:defRPr>
+            </a:lvl8pPr>
+            <a:lvl9pPr marL="3886200" indent="-228600" algn="l" defTabSz="914400" rtl="0" eaLnBrk="1" latinLnBrk="0" hangingPunct="1">
+              <a:lnSpc>
+                <a:spcPct val="90000"/>
+              </a:lnSpc>
+              <a:spcBef>
+                <a:spcPts val="500"/>
+              </a:spcBef>
+              <a:buFont typeface="Arial" panose="020B0604020202020204" pitchFamily="34" charset="0"/>
+              <a:buChar char="•"/>
+              <a:defRPr sz="1800" kern="1200">
+                <a:solidFill>
+                  <a:schemeClr val="tx1"/>
+                </a:solidFill>
+                <a:latin typeface="+mn-lt"/>
+                <a:ea typeface="+mn-ea"/>
+                <a:cs typeface="+mn-cs"/>
+              </a:defRPr>
+            </a:lvl9pPr>
+          </a:lstStyle>
+          <a:p>
+            <a:pPr>
+              <a:lnSpc>
+                <a:spcPct val="100000"/>
+              </a:lnSpc>
+            </a:pPr>
+            <a:r>
+              <a:rPr lang="en-US" b="1" spc="0" dirty="0">
+                <a:latin typeface="Calibri" panose="020F0502020204030204" pitchFamily="34" charset="0"/>
+                <a:cs typeface="Calibri" panose="020F0502020204030204" pitchFamily="34" charset="0"/>
+              </a:rPr>
+              <a:t>Results:</a:t>
+            </a:r>
+          </a:p>
+          <a:p>
+            <a:pPr marL="342900" indent="-342900">
+              <a:lnSpc>
+                <a:spcPct val="100000"/>
+              </a:lnSpc>
+              <a:buFont typeface="Arial" panose="020B0604020202020204" pitchFamily="34" charset="0"/>
+              <a:buChar char="•"/>
+            </a:pPr>
+            <a:r>
+              <a:rPr lang="en-US" spc="0" dirty="0">
+                <a:latin typeface="Calibri" panose="020F0502020204030204" pitchFamily="34" charset="0"/>
+                <a:cs typeface="Calibri" panose="020F0502020204030204" pitchFamily="34" charset="0"/>
+              </a:rPr>
+              <a:t>&gt; 93% accuracy (all weather)</a:t>
+            </a:r>
+          </a:p>
+          <a:p>
+            <a:pPr marL="342900" indent="-342900">
+              <a:lnSpc>
+                <a:spcPct val="100000"/>
+              </a:lnSpc>
+              <a:buFont typeface="Arial" panose="020B0604020202020204" pitchFamily="34" charset="0"/>
+              <a:buChar char="•"/>
+            </a:pPr>
+            <a:r>
+              <a:rPr lang="en-US" spc="0" dirty="0">
+                <a:latin typeface="Calibri" panose="020F0502020204030204" pitchFamily="34" charset="0"/>
+                <a:cs typeface="Calibri" panose="020F0502020204030204" pitchFamily="34" charset="0"/>
+              </a:rPr>
+              <a:t>28 FPS</a:t>
+            </a:r>
+          </a:p>
+          <a:p>
+            <a:pPr>
+              <a:lnSpc>
+                <a:spcPct val="100000"/>
+              </a:lnSpc>
+            </a:pPr>
+            <a:endParaRPr lang="en-US" b="1" spc="0" dirty="0">
+              <a:latin typeface="Calibri" panose="020F0502020204030204" pitchFamily="34" charset="0"/>
+              <a:cs typeface="Calibri" panose="020F0502020204030204" pitchFamily="34" charset="0"/>
+            </a:endParaRPr>
+          </a:p>
+          <a:p>
+            <a:pPr>
+              <a:lnSpc>
+                <a:spcPct val="100000"/>
+              </a:lnSpc>
+            </a:pPr>
+            <a:endParaRPr lang="en-US" b="1" spc="0" dirty="0">
+              <a:latin typeface="Calibri" panose="020F0502020204030204" pitchFamily="34" charset="0"/>
+              <a:cs typeface="Calibri" panose="020F0502020204030204" pitchFamily="34" charset="0"/>
+            </a:endParaRPr>
+          </a:p>
+          <a:p>
+            <a:pPr>
+              <a:lnSpc>
+                <a:spcPct val="100000"/>
+              </a:lnSpc>
+            </a:pPr>
+            <a:endParaRPr lang="en-US" b="1" spc="0" dirty="0">
+              <a:latin typeface="Calibri" panose="020F0502020204030204" pitchFamily="34" charset="0"/>
+              <a:cs typeface="Calibri" panose="020F0502020204030204" pitchFamily="34" charset="0"/>
+            </a:endParaRPr>
+          </a:p>
+        </p:txBody>
+      </p:sp>
+      <p:sp>
+        <p:nvSpPr>
+          <p:cNvPr id="14" name="TextBox 13">
+            <a:extLst>
+              <a:ext uri="{FF2B5EF4-FFF2-40B4-BE49-F238E27FC236}">
+                <a16:creationId xmlns:a16="http://schemas.microsoft.com/office/drawing/2014/main" id="{F9665169-54D3-4BAD-B707-F9EFC1C4D883}"/>
+              </a:ext>
+            </a:extLst>
+          </p:cNvPr>
+          <p:cNvSpPr txBox="1"/>
+          <p:nvPr/>
+        </p:nvSpPr>
+        <p:spPr>
+          <a:xfrm>
+            <a:off x="3048738" y="1547559"/>
+            <a:ext cx="8678663" cy="461665"/>
+          </a:xfrm>
+          <a:prstGeom prst="rect">
+            <a:avLst/>
+          </a:prstGeom>
+          <a:noFill/>
+        </p:spPr>
+        <p:txBody>
+          <a:bodyPr wrap="square">
+            <a:spAutoFit/>
+          </a:bodyPr>
+          <a:lstStyle/>
+          <a:p>
+            <a:r>
+              <a:rPr lang="en-US" sz="2400" spc="0" dirty="0">
+                <a:solidFill>
+                  <a:srgbClr val="C00000"/>
+                </a:solidFill>
+                <a:latin typeface="Calibri" panose="020F0502020204030204" pitchFamily="34" charset="0"/>
+                <a:cs typeface="Calibri" panose="020F0502020204030204" pitchFamily="34" charset="0"/>
+              </a:rPr>
+              <a:t>Set out the basis for </a:t>
+            </a:r>
+            <a:r>
+              <a:rPr lang="en-US" sz="2400" b="1" spc="0" dirty="0">
+                <a:solidFill>
+                  <a:srgbClr val="C00000"/>
+                </a:solidFill>
+                <a:latin typeface="Calibri" panose="020F0502020204030204" pitchFamily="34" charset="0"/>
+                <a:cs typeface="Calibri" panose="020F0502020204030204" pitchFamily="34" charset="0"/>
+              </a:rPr>
+              <a:t>embedded </a:t>
+            </a:r>
+            <a:r>
+              <a:rPr lang="en-US" sz="2400" spc="0" dirty="0">
+                <a:solidFill>
+                  <a:srgbClr val="C00000"/>
+                </a:solidFill>
+                <a:latin typeface="Calibri" panose="020F0502020204030204" pitchFamily="34" charset="0"/>
+                <a:cs typeface="Calibri" panose="020F0502020204030204" pitchFamily="34" charset="0"/>
+              </a:rPr>
+              <a:t>implementation</a:t>
+            </a:r>
+          </a:p>
+        </p:txBody>
+      </p:sp>
+      <p:sp>
+        <p:nvSpPr>
+          <p:cNvPr id="15" name="Arrow: Right 14">
+            <a:extLst>
+              <a:ext uri="{FF2B5EF4-FFF2-40B4-BE49-F238E27FC236}">
+                <a16:creationId xmlns:a16="http://schemas.microsoft.com/office/drawing/2014/main" id="{00F9BC9E-0553-4913-AFCE-0C288151875D}"/>
+              </a:ext>
+            </a:extLst>
+          </p:cNvPr>
+          <p:cNvSpPr/>
+          <p:nvPr/>
+        </p:nvSpPr>
+        <p:spPr>
+          <a:xfrm>
+            <a:off x="7388069" y="3428999"/>
+            <a:ext cx="1034189" cy="477175"/>
+          </a:xfrm>
+          <a:prstGeom prst="rightArrow">
+            <a:avLst/>
+          </a:prstGeom>
+        </p:spPr>
+        <p:style>
+          <a:lnRef idx="2">
+            <a:schemeClr val="accent1">
+              <a:shade val="50000"/>
+            </a:schemeClr>
+          </a:lnRef>
+          <a:fillRef idx="1">
+            <a:schemeClr val="accent1"/>
+          </a:fillRef>
+          <a:effectRef idx="0">
+            <a:schemeClr val="accent1"/>
+          </a:effectRef>
+          <a:fontRef idx="minor">
+            <a:schemeClr val="lt1"/>
+          </a:fontRef>
+        </p:style>
+        <p:txBody>
+          <a:bodyPr rtlCol="0" anchor="ctr"/>
+          <a:lstStyle/>
+          <a:p>
+            <a:pPr algn="ctr"/>
             <a:endParaRPr lang="en-US"/>
           </a:p>
         </p:txBody>
@@ -17702,12 +14870,46 @@
           <a:chExt cx="0" cy="0"/>
         </a:xfrm>
       </p:grpSpPr>
-      <p:sp>
-        <p:nvSpPr>
-          <p:cNvPr id="2" name="Title 1">
-            <a:extLst>
-              <a:ext uri="{FF2B5EF4-FFF2-40B4-BE49-F238E27FC236}">
-                <a16:creationId xmlns:a16="http://schemas.microsoft.com/office/drawing/2014/main" id="{AA4C54F3-5D68-49F1-B252-71F0202AC6B8}"/>
+      <p:pic>
+        <p:nvPicPr>
+          <p:cNvPr id="5" name="Picture Placeholder 4" descr="Close up of an eye of a bird">
+            <a:extLst>
+              <a:ext uri="{FF2B5EF4-FFF2-40B4-BE49-F238E27FC236}">
+                <a16:creationId xmlns:a16="http://schemas.microsoft.com/office/drawing/2014/main" id="{47DBE8E2-71E9-40A8-B25F-2D4F23E76688}"/>
+              </a:ext>
+            </a:extLst>
+          </p:cNvPr>
+          <p:cNvPicPr>
+            <a:picLocks noGrp="1" noChangeAspect="1"/>
+          </p:cNvPicPr>
+          <p:nvPr>
+            <p:ph type="pic" sz="quarter" idx="14"/>
+          </p:nvPr>
+        </p:nvPicPr>
+        <p:blipFill rotWithShape="1">
+          <a:blip r:embed="rId2" cstate="screen">
+            <a:extLst>
+              <a:ext uri="{28A0092B-C50C-407E-A947-70E740481C1C}">
+                <a14:useLocalDpi xmlns:a14="http://schemas.microsoft.com/office/drawing/2010/main" val="0"/>
+              </a:ext>
+            </a:extLst>
+          </a:blip>
+          <a:srcRect/>
+          <a:stretch/>
+        </p:blipFill>
+        <p:spPr>
+          <a:xfrm>
+            <a:off x="598402" y="598401"/>
+            <a:ext cx="9645056" cy="5661198"/>
+          </a:xfrm>
+        </p:spPr>
+      </p:pic>
+      <p:sp>
+        <p:nvSpPr>
+          <p:cNvPr id="24" name="Title 23">
+            <a:extLst>
+              <a:ext uri="{FF2B5EF4-FFF2-40B4-BE49-F238E27FC236}">
+                <a16:creationId xmlns:a16="http://schemas.microsoft.com/office/drawing/2014/main" id="{3413C595-4D01-4997-9A0A-E7606687AB79}"/>
               </a:ext>
             </a:extLst>
           </p:cNvPr>
@@ -17718,206 +14920,31 @@
             <p:ph type="title"/>
           </p:nvPr>
         </p:nvSpPr>
-        <p:spPr/>
+        <p:spPr>
+          <a:xfrm>
+            <a:off x="3559946" y="3443968"/>
+            <a:ext cx="8632054" cy="1953655"/>
+          </a:xfrm>
+        </p:spPr>
         <p:txBody>
           <a:bodyPr/>
           <a:lstStyle/>
           <a:p>
-            <a:endParaRPr lang="en-US"/>
-          </a:p>
-        </p:txBody>
-      </p:sp>
-      <p:sp>
-        <p:nvSpPr>
-          <p:cNvPr id="3" name="Text Placeholder 2">
-            <a:extLst>
-              <a:ext uri="{FF2B5EF4-FFF2-40B4-BE49-F238E27FC236}">
-                <a16:creationId xmlns:a16="http://schemas.microsoft.com/office/drawing/2014/main" id="{7DE7C4F7-0DFB-4758-A074-170D580F9144}"/>
-              </a:ext>
-            </a:extLst>
-          </p:cNvPr>
-          <p:cNvSpPr>
-            <a:spLocks noGrp="1"/>
-          </p:cNvSpPr>
-          <p:nvPr>
-            <p:ph type="body" sz="quarter" idx="13"/>
-          </p:nvPr>
-        </p:nvSpPr>
-        <p:spPr/>
-        <p:txBody>
-          <a:bodyPr/>
-          <a:lstStyle/>
-          <a:p>
-            <a:endParaRPr lang="en-US"/>
-          </a:p>
-        </p:txBody>
-      </p:sp>
-      <p:sp>
-        <p:nvSpPr>
-          <p:cNvPr id="4" name="Text Placeholder 3">
-            <a:extLst>
-              <a:ext uri="{FF2B5EF4-FFF2-40B4-BE49-F238E27FC236}">
-                <a16:creationId xmlns:a16="http://schemas.microsoft.com/office/drawing/2014/main" id="{23BDA80A-E66F-4FCD-9B8F-81AF7C593DE4}"/>
-              </a:ext>
-            </a:extLst>
-          </p:cNvPr>
-          <p:cNvSpPr>
-            <a:spLocks noGrp="1"/>
-          </p:cNvSpPr>
-          <p:nvPr>
-            <p:ph type="body" sz="quarter" idx="16"/>
-          </p:nvPr>
-        </p:nvSpPr>
-        <p:spPr/>
-        <p:txBody>
-          <a:bodyPr/>
-          <a:lstStyle/>
-          <a:p>
-            <a:endParaRPr lang="en-US"/>
-          </a:p>
-        </p:txBody>
-      </p:sp>
-      <p:sp>
-        <p:nvSpPr>
-          <p:cNvPr id="5" name="Text Placeholder 4">
-            <a:extLst>
-              <a:ext uri="{FF2B5EF4-FFF2-40B4-BE49-F238E27FC236}">
-                <a16:creationId xmlns:a16="http://schemas.microsoft.com/office/drawing/2014/main" id="{7310D5EA-F858-4B25-818A-EBA21A7198EF}"/>
-              </a:ext>
-            </a:extLst>
-          </p:cNvPr>
-          <p:cNvSpPr>
-            <a:spLocks noGrp="1"/>
-          </p:cNvSpPr>
-          <p:nvPr>
-            <p:ph type="body" sz="quarter" idx="15"/>
-          </p:nvPr>
-        </p:nvSpPr>
-        <p:spPr/>
-        <p:txBody>
-          <a:bodyPr/>
-          <a:lstStyle/>
-          <a:p>
-            <a:endParaRPr lang="en-US"/>
-          </a:p>
-        </p:txBody>
-      </p:sp>
-      <p:sp>
-        <p:nvSpPr>
-          <p:cNvPr id="6" name="Text Placeholder 5">
-            <a:extLst>
-              <a:ext uri="{FF2B5EF4-FFF2-40B4-BE49-F238E27FC236}">
-                <a16:creationId xmlns:a16="http://schemas.microsoft.com/office/drawing/2014/main" id="{2CA6F5A5-53DB-4F3F-BF63-F445DE831424}"/>
-              </a:ext>
-            </a:extLst>
-          </p:cNvPr>
-          <p:cNvSpPr>
-            <a:spLocks noGrp="1"/>
-          </p:cNvSpPr>
-          <p:nvPr>
-            <p:ph type="body" sz="quarter" idx="17"/>
-          </p:nvPr>
-        </p:nvSpPr>
-        <p:spPr/>
-        <p:txBody>
-          <a:bodyPr/>
-          <a:lstStyle/>
-          <a:p>
-            <a:endParaRPr lang="en-US"/>
-          </a:p>
-        </p:txBody>
-      </p:sp>
-      <p:sp>
-        <p:nvSpPr>
-          <p:cNvPr id="7" name="Date Placeholder 6">
-            <a:extLst>
-              <a:ext uri="{FF2B5EF4-FFF2-40B4-BE49-F238E27FC236}">
-                <a16:creationId xmlns:a16="http://schemas.microsoft.com/office/drawing/2014/main" id="{E134590D-3E56-4C25-94FC-D8E357313956}"/>
-              </a:ext>
-            </a:extLst>
-          </p:cNvPr>
-          <p:cNvSpPr>
-            <a:spLocks noGrp="1"/>
-          </p:cNvSpPr>
-          <p:nvPr>
-            <p:ph type="dt" sz="half" idx="10"/>
-          </p:nvPr>
-        </p:nvSpPr>
-        <p:spPr/>
-        <p:txBody>
-          <a:bodyPr/>
-          <a:lstStyle/>
-          <a:p>
-            <a:r>
-              <a:rPr lang="en-US"/>
-              <a:t>20XX</a:t>
-            </a:r>
-            <a:endParaRPr lang="en-US" dirty="0"/>
-          </a:p>
-        </p:txBody>
-      </p:sp>
-      <p:sp>
-        <p:nvSpPr>
-          <p:cNvPr id="8" name="Footer Placeholder 7">
-            <a:extLst>
-              <a:ext uri="{FF2B5EF4-FFF2-40B4-BE49-F238E27FC236}">
-                <a16:creationId xmlns:a16="http://schemas.microsoft.com/office/drawing/2014/main" id="{CBC94AF3-9AD6-4D64-8B24-A122B3FD6A71}"/>
-              </a:ext>
-            </a:extLst>
-          </p:cNvPr>
-          <p:cNvSpPr>
-            <a:spLocks noGrp="1"/>
-          </p:cNvSpPr>
-          <p:nvPr>
-            <p:ph type="ftr" sz="quarter" idx="11"/>
-          </p:nvPr>
-        </p:nvSpPr>
-        <p:spPr/>
-        <p:txBody>
-          <a:bodyPr/>
-          <a:lstStyle/>
-          <a:p>
-            <a:r>
-              <a:rPr lang="en-US"/>
-              <a:t>PRESENTATION TITLE</a:t>
-            </a:r>
-            <a:endParaRPr lang="en-US" dirty="0"/>
-          </a:p>
-        </p:txBody>
-      </p:sp>
-      <p:sp>
-        <p:nvSpPr>
-          <p:cNvPr id="9" name="Slide Number Placeholder 8">
-            <a:extLst>
-              <a:ext uri="{FF2B5EF4-FFF2-40B4-BE49-F238E27FC236}">
-                <a16:creationId xmlns:a16="http://schemas.microsoft.com/office/drawing/2014/main" id="{E71E4137-309E-4108-91AA-B3B51244D772}"/>
-              </a:ext>
-            </a:extLst>
-          </p:cNvPr>
-          <p:cNvSpPr>
-            <a:spLocks noGrp="1"/>
-          </p:cNvSpPr>
-          <p:nvPr>
-            <p:ph type="sldNum" sz="quarter" idx="12"/>
-          </p:nvPr>
-        </p:nvSpPr>
-        <p:spPr/>
-        <p:txBody>
-          <a:bodyPr/>
-          <a:lstStyle/>
-          <a:p>
-            <a:fld id="{F91729D4-A164-47A3-830D-E792BCE699E4}" type="slidenum">
-              <a:rPr lang="en-US" smtClean="0"/>
-              <a:t>6</a:t>
-            </a:fld>
-            <a:endParaRPr lang="en-US" dirty="0"/>
+            <a:pPr algn="ctr"/>
+            <a:r>
+              <a:rPr lang="en-US" b="1" dirty="0">
+                <a:latin typeface="Calibri" panose="020F0502020204030204" pitchFamily="34" charset="0"/>
+                <a:cs typeface="Calibri" panose="020F0502020204030204" pitchFamily="34" charset="0"/>
+              </a:rPr>
+              <a:t>Visualize the project product</a:t>
+            </a:r>
           </a:p>
         </p:txBody>
       </p:sp>
     </p:spTree>
     <p:extLst>
       <p:ext uri="{BB962C8B-B14F-4D97-AF65-F5344CB8AC3E}">
-        <p14:creationId xmlns:p14="http://schemas.microsoft.com/office/powerpoint/2010/main" val="461405758"/>
+        <p14:creationId xmlns:p14="http://schemas.microsoft.com/office/powerpoint/2010/main" val="399313226"/>
       </p:ext>
     </p:extLst>
   </p:cSld>
@@ -17946,10 +14973,10 @@
       </p:grpSpPr>
       <p:pic>
         <p:nvPicPr>
-          <p:cNvPr id="5" name="Picture Placeholder 4" descr="Close up of an eye of a bird">
-            <a:extLst>
-              <a:ext uri="{FF2B5EF4-FFF2-40B4-BE49-F238E27FC236}">
-                <a16:creationId xmlns:a16="http://schemas.microsoft.com/office/drawing/2014/main" id="{47DBE8E2-71E9-40A8-B25F-2D4F23E76688}"/>
+          <p:cNvPr id="17" name="Picture Placeholder 16">
+            <a:extLst>
+              <a:ext uri="{FF2B5EF4-FFF2-40B4-BE49-F238E27FC236}">
+                <a16:creationId xmlns:a16="http://schemas.microsoft.com/office/drawing/2014/main" id="{C22AFC99-B8B0-4D49-8242-D5D9E488CA02}"/>
               </a:ext>
             </a:extLst>
           </p:cNvPr>
@@ -17957,33 +14984,27 @@
             <a:picLocks noGrp="1" noChangeAspect="1"/>
           </p:cNvPicPr>
           <p:nvPr>
-            <p:ph type="pic" sz="quarter" idx="14"/>
+            <p:ph type="pic" sz="quarter" idx="13"/>
           </p:nvPr>
         </p:nvPicPr>
-        <p:blipFill rotWithShape="1">
-          <a:blip r:embed="rId2" cstate="screen">
-            <a:extLst>
-              <a:ext uri="{28A0092B-C50C-407E-A947-70E740481C1C}">
-                <a14:useLocalDpi xmlns:a14="http://schemas.microsoft.com/office/drawing/2010/main" val="0"/>
-              </a:ext>
-            </a:extLst>
-          </a:blip>
+        <p:blipFill>
+          <a:blip r:embed="rId2"/>
           <a:srcRect/>
           <a:stretch/>
         </p:blipFill>
         <p:spPr>
           <a:xfrm>
-            <a:off x="598402" y="598401"/>
-            <a:ext cx="9645056" cy="5661198"/>
+            <a:off x="0" y="-1"/>
+            <a:ext cx="12192000" cy="6858001"/>
           </a:xfrm>
         </p:spPr>
       </p:pic>
       <p:sp>
         <p:nvSpPr>
-          <p:cNvPr id="24" name="Title 23">
-            <a:extLst>
-              <a:ext uri="{FF2B5EF4-FFF2-40B4-BE49-F238E27FC236}">
-                <a16:creationId xmlns:a16="http://schemas.microsoft.com/office/drawing/2014/main" id="{3413C595-4D01-4997-9A0A-E7606687AB79}"/>
+          <p:cNvPr id="37" name="Title 36">
+            <a:extLst>
+              <a:ext uri="{FF2B5EF4-FFF2-40B4-BE49-F238E27FC236}">
+                <a16:creationId xmlns:a16="http://schemas.microsoft.com/office/drawing/2014/main" id="{DD48C8EC-56C5-4A2A-BB21-811BC510040A}"/>
               </a:ext>
             </a:extLst>
           </p:cNvPr>
@@ -17996,27 +15017,42 @@
         </p:nvSpPr>
         <p:spPr>
           <a:xfrm>
-            <a:off x="6169978" y="3443968"/>
-            <a:ext cx="6022021" cy="882499"/>
-          </a:xfrm>
-        </p:spPr>
+            <a:off x="-1" y="3429000"/>
+            <a:ext cx="12191999" cy="3668486"/>
+          </a:xfrm>
+        </p:spPr>
+        <p:style>
+          <a:lnRef idx="2">
+            <a:schemeClr val="accent1"/>
+          </a:lnRef>
+          <a:fillRef idx="1">
+            <a:schemeClr val="lt1"/>
+          </a:fillRef>
+          <a:effectRef idx="0">
+            <a:schemeClr val="accent1"/>
+          </a:effectRef>
+          <a:fontRef idx="minor">
+            <a:schemeClr val="dk1"/>
+          </a:fontRef>
+        </p:style>
         <p:txBody>
           <a:bodyPr/>
           <a:lstStyle/>
           <a:p>
+            <a:pPr algn="ctr"/>
             <a:r>
               <a:rPr lang="en-US" dirty="0"/>
-              <a:t>Primary Goals</a:t>
-            </a:r>
-          </a:p>
-        </p:txBody>
-      </p:sp>
-      <p:sp>
-        <p:nvSpPr>
-          <p:cNvPr id="16" name="Text Placeholder 15">
-            <a:extLst>
-              <a:ext uri="{FF2B5EF4-FFF2-40B4-BE49-F238E27FC236}">
-                <a16:creationId xmlns:a16="http://schemas.microsoft.com/office/drawing/2014/main" id="{D7D3E7A5-4BD8-44AD-B116-D2CED7043DD7}"/>
+              <a:t>Summary</a:t>
+            </a:r>
+          </a:p>
+        </p:txBody>
+      </p:sp>
+      <p:sp>
+        <p:nvSpPr>
+          <p:cNvPr id="8" name="Text Placeholder 7">
+            <a:extLst>
+              <a:ext uri="{FF2B5EF4-FFF2-40B4-BE49-F238E27FC236}">
+                <a16:creationId xmlns:a16="http://schemas.microsoft.com/office/drawing/2014/main" id="{36E72FF0-3C0E-499A-8DA6-324675513B3E}"/>
               </a:ext>
             </a:extLst>
           </p:cNvPr>
@@ -18029,8 +15065,8 @@
         </p:nvSpPr>
         <p:spPr>
           <a:xfrm>
-            <a:off x="6169979" y="4326467"/>
-            <a:ext cx="6022021" cy="830414"/>
+            <a:off x="6235700" y="2854660"/>
+            <a:ext cx="4749800" cy="2129971"/>
           </a:xfrm>
         </p:spPr>
         <p:txBody>
@@ -18039,15 +15075,83 @@
           <a:p>
             <a:r>
               <a:rPr lang="en-US" dirty="0"/>
-              <a:t>Annual revenue growth</a:t>
-            </a:r>
+              <a:t>​</a:t>
+            </a:r>
+          </a:p>
+        </p:txBody>
+      </p:sp>
+      <p:sp>
+        <p:nvSpPr>
+          <p:cNvPr id="2" name="Date Placeholder 1">
+            <a:extLst>
+              <a:ext uri="{FF2B5EF4-FFF2-40B4-BE49-F238E27FC236}">
+                <a16:creationId xmlns:a16="http://schemas.microsoft.com/office/drawing/2014/main" id="{1F833371-4220-48C3-A3E1-5EA18D50C48F}"/>
+              </a:ext>
+            </a:extLst>
+          </p:cNvPr>
+          <p:cNvSpPr>
+            <a:spLocks noGrp="1"/>
+          </p:cNvSpPr>
+          <p:nvPr>
+            <p:ph type="dt" sz="half" idx="10"/>
+          </p:nvPr>
+        </p:nvSpPr>
+        <p:spPr>
+          <a:xfrm>
+            <a:off x="838200" y="6356350"/>
+            <a:ext cx="2743200" cy="365125"/>
+          </a:xfrm>
+        </p:spPr>
+        <p:txBody>
+          <a:bodyPr/>
+          <a:lstStyle/>
+          <a:p>
+            <a:r>
+              <a:rPr lang="en-US" dirty="0"/>
+              <a:t>20XX</a:t>
+            </a:r>
+          </a:p>
+        </p:txBody>
+      </p:sp>
+      <p:sp>
+        <p:nvSpPr>
+          <p:cNvPr id="4" name="Slide Number Placeholder 3">
+            <a:extLst>
+              <a:ext uri="{FF2B5EF4-FFF2-40B4-BE49-F238E27FC236}">
+                <a16:creationId xmlns:a16="http://schemas.microsoft.com/office/drawing/2014/main" id="{6F496E66-3A4B-4617-8D7C-D91AD3541F15}"/>
+              </a:ext>
+            </a:extLst>
+          </p:cNvPr>
+          <p:cNvSpPr>
+            <a:spLocks noGrp="1"/>
+          </p:cNvSpPr>
+          <p:nvPr>
+            <p:ph type="sldNum" sz="quarter" idx="12"/>
+          </p:nvPr>
+        </p:nvSpPr>
+        <p:spPr>
+          <a:xfrm>
+            <a:off x="8610600" y="6356350"/>
+            <a:ext cx="2743200" cy="365125"/>
+          </a:xfrm>
+        </p:spPr>
+        <p:txBody>
+          <a:bodyPr/>
+          <a:lstStyle/>
+          <a:p>
+            <a:fld id="{F91729D4-A164-47A3-830D-E792BCE699E4}" type="slidenum">
+              <a:rPr lang="en-US" smtClean="0"/>
+              <a:pPr/>
+              <a:t>7</a:t>
+            </a:fld>
+            <a:endParaRPr lang="en-US" dirty="0"/>
           </a:p>
         </p:txBody>
       </p:sp>
     </p:spTree>
     <p:extLst>
       <p:ext uri="{BB962C8B-B14F-4D97-AF65-F5344CB8AC3E}">
-        <p14:creationId xmlns:p14="http://schemas.microsoft.com/office/powerpoint/2010/main" val="399313226"/>
+        <p14:creationId xmlns:p14="http://schemas.microsoft.com/office/powerpoint/2010/main" val="1321790359"/>
       </p:ext>
     </p:extLst>
   </p:cSld>
@@ -18076,10 +15180,10 @@
       </p:grpSpPr>
       <p:sp>
         <p:nvSpPr>
-          <p:cNvPr id="14" name="Title 13">
-            <a:extLst>
-              <a:ext uri="{FF2B5EF4-FFF2-40B4-BE49-F238E27FC236}">
-                <a16:creationId xmlns:a16="http://schemas.microsoft.com/office/drawing/2014/main" id="{380681A4-3FB5-4C86-B096-26281897B272}"/>
+          <p:cNvPr id="8" name="Title 7">
+            <a:extLst>
+              <a:ext uri="{FF2B5EF4-FFF2-40B4-BE49-F238E27FC236}">
+                <a16:creationId xmlns:a16="http://schemas.microsoft.com/office/drawing/2014/main" id="{91F92B90-FD10-47FA-922C-60FD7F0ED4A6}"/>
               </a:ext>
             </a:extLst>
           </p:cNvPr>
@@ -18092,8 +15196,8 @@
         </p:nvSpPr>
         <p:spPr>
           <a:xfrm>
-            <a:off x="1109663" y="498928"/>
-            <a:ext cx="9972675" cy="567873"/>
+            <a:off x="4073237" y="1096375"/>
+            <a:ext cx="4045527" cy="1590790"/>
           </a:xfrm>
         </p:spPr>
         <p:txBody>
@@ -18102,17 +15206,85 @@
           <a:p>
             <a:r>
               <a:rPr lang="en-US" dirty="0"/>
-              <a:t>Quality Performance</a:t>
-            </a:r>
-          </a:p>
-        </p:txBody>
-      </p:sp>
+              <a:t>Thank you</a:t>
+            </a:r>
+          </a:p>
+        </p:txBody>
+      </p:sp>
+      <p:pic>
+        <p:nvPicPr>
+          <p:cNvPr id="13" name="Picture Placeholder 12" descr="Sand, sea, beach, grass">
+            <a:extLst>
+              <a:ext uri="{FF2B5EF4-FFF2-40B4-BE49-F238E27FC236}">
+                <a16:creationId xmlns:a16="http://schemas.microsoft.com/office/drawing/2014/main" id="{681D276C-2EB5-4A5D-AD46-BA67480003A1}"/>
+              </a:ext>
+            </a:extLst>
+          </p:cNvPr>
+          <p:cNvPicPr>
+            <a:picLocks noGrp="1" noChangeAspect="1"/>
+          </p:cNvPicPr>
+          <p:nvPr>
+            <p:ph type="pic" sz="quarter" idx="13"/>
+          </p:nvPr>
+        </p:nvPicPr>
+        <p:blipFill rotWithShape="1">
+          <a:blip r:embed="rId2" cstate="screen">
+            <a:extLst>
+              <a:ext uri="{28A0092B-C50C-407E-A947-70E740481C1C}">
+                <a14:useLocalDpi xmlns:a14="http://schemas.microsoft.com/office/drawing/2010/main" val="0"/>
+              </a:ext>
+            </a:extLst>
+          </a:blip>
+          <a:srcRect/>
+          <a:stretch/>
+        </p:blipFill>
+        <p:spPr>
+          <a:xfrm>
+            <a:off x="0" y="951274"/>
+            <a:ext cx="2743201" cy="4747564"/>
+          </a:xfrm>
+        </p:spPr>
+      </p:pic>
+      <p:pic>
+        <p:nvPicPr>
+          <p:cNvPr id="15" name="Picture Placeholder 14" descr="Close up of bird eye">
+            <a:extLst>
+              <a:ext uri="{FF2B5EF4-FFF2-40B4-BE49-F238E27FC236}">
+                <a16:creationId xmlns:a16="http://schemas.microsoft.com/office/drawing/2014/main" id="{EDC61EE9-9548-4422-9A3B-8519063F0199}"/>
+              </a:ext>
+            </a:extLst>
+          </p:cNvPr>
+          <p:cNvPicPr>
+            <a:picLocks noGrp="1" noChangeAspect="1"/>
+          </p:cNvPicPr>
+          <p:nvPr>
+            <p:ph type="pic" sz="quarter" idx="17"/>
+          </p:nvPr>
+        </p:nvPicPr>
+        <p:blipFill rotWithShape="1">
+          <a:blip r:embed="rId3" cstate="screen">
+            <a:extLst>
+              <a:ext uri="{28A0092B-C50C-407E-A947-70E740481C1C}">
+                <a14:useLocalDpi xmlns:a14="http://schemas.microsoft.com/office/drawing/2010/main" val="0"/>
+              </a:ext>
+            </a:extLst>
+          </a:blip>
+          <a:srcRect/>
+          <a:stretch/>
+        </p:blipFill>
+        <p:spPr>
+          <a:xfrm>
+            <a:off x="9448800" y="951274"/>
+            <a:ext cx="2743200" cy="4747564"/>
+          </a:xfrm>
+        </p:spPr>
+      </p:pic>
       <p:sp>
         <p:nvSpPr>
           <p:cNvPr id="2" name="Date Placeholder 1">
             <a:extLst>
               <a:ext uri="{FF2B5EF4-FFF2-40B4-BE49-F238E27FC236}">
-                <a16:creationId xmlns:a16="http://schemas.microsoft.com/office/drawing/2014/main" id="{25694033-4A29-4F32-985A-A0D4EA13BBD8}"/>
+                <a16:creationId xmlns:a16="http://schemas.microsoft.com/office/drawing/2014/main" id="{2C8D6180-8574-4A09-9CF3-5DBA4B97A637}"/>
               </a:ext>
             </a:extLst>
           </p:cNvPr>
@@ -18145,7 +15317,7 @@
           <p:cNvPr id="3" name="Footer Placeholder 2">
             <a:extLst>
               <a:ext uri="{FF2B5EF4-FFF2-40B4-BE49-F238E27FC236}">
-                <a16:creationId xmlns:a16="http://schemas.microsoft.com/office/drawing/2014/main" id="{979112AA-EDD8-48C5-9416-7C550BEBD458}"/>
+                <a16:creationId xmlns:a16="http://schemas.microsoft.com/office/drawing/2014/main" id="{8B36962E-1AC0-4AE8-9E04-6FECBB97FBF5}"/>
               </a:ext>
             </a:extLst>
           </p:cNvPr>
@@ -18178,7 +15350,7 @@
           <p:cNvPr id="4" name="Slide Number Placeholder 3">
             <a:extLst>
               <a:ext uri="{FF2B5EF4-FFF2-40B4-BE49-F238E27FC236}">
-                <a16:creationId xmlns:a16="http://schemas.microsoft.com/office/drawing/2014/main" id="{CF6FA9E2-D06E-4941-A890-559D63E75D69}"/>
+                <a16:creationId xmlns:a16="http://schemas.microsoft.com/office/drawing/2014/main" id="{0C5EF685-39C2-409F-97E3-2C4713F25B8D}"/>
               </a:ext>
             </a:extLst>
           </p:cNvPr>
@@ -18208,235 +15380,10 @@
           </a:p>
         </p:txBody>
       </p:sp>
-      <p:graphicFrame>
-        <p:nvGraphicFramePr>
-          <p:cNvPr id="7" name="Content Placeholder 5" descr="Chart Placeholder">
-            <a:extLst>
-              <a:ext uri="{FF2B5EF4-FFF2-40B4-BE49-F238E27FC236}">
-                <a16:creationId xmlns:a16="http://schemas.microsoft.com/office/drawing/2014/main" id="{5E252EBF-FBEE-408C-B1A3-5F3456FC5F1C}"/>
-              </a:ext>
-            </a:extLst>
-          </p:cNvPr>
-          <p:cNvGraphicFramePr>
-            <a:graphicFrameLocks/>
-          </p:cNvGraphicFramePr>
-          <p:nvPr>
-            <p:extLst>
-              <p:ext uri="{D42A27DB-BD31-4B8C-83A1-F6EECF244321}">
-                <p14:modId xmlns:p14="http://schemas.microsoft.com/office/powerpoint/2010/main" val="936421196"/>
-              </p:ext>
-            </p:extLst>
-          </p:nvPr>
-        </p:nvGraphicFramePr>
-        <p:xfrm>
-          <a:off x="507023" y="1203602"/>
-          <a:ext cx="11177954" cy="4827084"/>
-        </p:xfrm>
-        <a:graphic>
-          <a:graphicData uri="http://schemas.openxmlformats.org/drawingml/2006/chart">
-            <c:chart xmlns:c="http://schemas.openxmlformats.org/drawingml/2006/chart" xmlns:r="http://schemas.openxmlformats.org/officeDocument/2006/relationships" r:id="rId2"/>
-          </a:graphicData>
-        </a:graphic>
-      </p:graphicFrame>
     </p:spTree>
     <p:extLst>
       <p:ext uri="{BB962C8B-B14F-4D97-AF65-F5344CB8AC3E}">
-        <p14:creationId xmlns:p14="http://schemas.microsoft.com/office/powerpoint/2010/main" val="278866564"/>
-      </p:ext>
-    </p:extLst>
-  </p:cSld>
-  <p:clrMapOvr>
-    <a:masterClrMapping/>
-  </p:clrMapOvr>
-</p:sld>
-</file>
-
-<file path=ppt/slides/slide9.xml><?xml version="1.0" encoding="utf-8"?>
-<p:sld xmlns:a="http://schemas.openxmlformats.org/drawingml/2006/main" xmlns:r="http://schemas.openxmlformats.org/officeDocument/2006/relationships" xmlns:p="http://schemas.openxmlformats.org/presentationml/2006/main">
-  <p:cSld>
-    <p:spTree>
-      <p:nvGrpSpPr>
-        <p:cNvPr id="1" name=""/>
-        <p:cNvGrpSpPr/>
-        <p:nvPr/>
-      </p:nvGrpSpPr>
-      <p:grpSpPr>
-        <a:xfrm>
-          <a:off x="0" y="0"/>
-          <a:ext cx="0" cy="0"/>
-          <a:chOff x="0" y="0"/>
-          <a:chExt cx="0" cy="0"/>
-        </a:xfrm>
-      </p:grpSpPr>
-      <p:sp>
-        <p:nvSpPr>
-          <p:cNvPr id="18" name="Title 17">
-            <a:extLst>
-              <a:ext uri="{FF2B5EF4-FFF2-40B4-BE49-F238E27FC236}">
-                <a16:creationId xmlns:a16="http://schemas.microsoft.com/office/drawing/2014/main" id="{EC176543-7DEE-469A-86A8-549E0CFCF66A}"/>
-              </a:ext>
-            </a:extLst>
-          </p:cNvPr>
-          <p:cNvSpPr>
-            <a:spLocks noGrp="1"/>
-          </p:cNvSpPr>
-          <p:nvPr>
-            <p:ph type="title"/>
-          </p:nvPr>
-        </p:nvSpPr>
-        <p:spPr>
-          <a:xfrm>
-            <a:off x="838200" y="494166"/>
-            <a:ext cx="10515600" cy="567873"/>
-          </a:xfrm>
-        </p:spPr>
-        <p:txBody>
-          <a:bodyPr/>
-          <a:lstStyle/>
-          <a:p>
-            <a:r>
-              <a:rPr lang="en-US" dirty="0"/>
-              <a:t>Areas of growth</a:t>
-            </a:r>
-          </a:p>
-        </p:txBody>
-      </p:sp>
-      <p:sp>
-        <p:nvSpPr>
-          <p:cNvPr id="4" name="Date Placeholder 3">
-            <a:extLst>
-              <a:ext uri="{FF2B5EF4-FFF2-40B4-BE49-F238E27FC236}">
-                <a16:creationId xmlns:a16="http://schemas.microsoft.com/office/drawing/2014/main" id="{E51FFF33-E8B3-4EE3-904F-9D364CBF15E4}"/>
-              </a:ext>
-            </a:extLst>
-          </p:cNvPr>
-          <p:cNvSpPr>
-            <a:spLocks noGrp="1"/>
-          </p:cNvSpPr>
-          <p:nvPr>
-            <p:ph type="dt" sz="half" idx="10"/>
-          </p:nvPr>
-        </p:nvSpPr>
-        <p:spPr>
-          <a:xfrm>
-            <a:off x="838200" y="6356350"/>
-            <a:ext cx="2743200" cy="365125"/>
-          </a:xfrm>
-        </p:spPr>
-        <p:txBody>
-          <a:bodyPr/>
-          <a:lstStyle/>
-          <a:p>
-            <a:r>
-              <a:rPr lang="en-US" dirty="0"/>
-              <a:t>20XX</a:t>
-            </a:r>
-          </a:p>
-        </p:txBody>
-      </p:sp>
-      <p:sp>
-        <p:nvSpPr>
-          <p:cNvPr id="5" name="Footer Placeholder 4">
-            <a:extLst>
-              <a:ext uri="{FF2B5EF4-FFF2-40B4-BE49-F238E27FC236}">
-                <a16:creationId xmlns:a16="http://schemas.microsoft.com/office/drawing/2014/main" id="{306B0052-2D8D-4986-ACEC-FCF60EFB4D75}"/>
-              </a:ext>
-            </a:extLst>
-          </p:cNvPr>
-          <p:cNvSpPr>
-            <a:spLocks noGrp="1"/>
-          </p:cNvSpPr>
-          <p:nvPr>
-            <p:ph type="ftr" sz="quarter" idx="11"/>
-          </p:nvPr>
-        </p:nvSpPr>
-        <p:spPr>
-          <a:xfrm>
-            <a:off x="4038600" y="6356350"/>
-            <a:ext cx="4114800" cy="365125"/>
-          </a:xfrm>
-        </p:spPr>
-        <p:txBody>
-          <a:bodyPr/>
-          <a:lstStyle/>
-          <a:p>
-            <a:r>
-              <a:rPr lang="en-US" dirty="0"/>
-              <a:t>PRESENTATION TITLE</a:t>
-            </a:r>
-          </a:p>
-        </p:txBody>
-      </p:sp>
-      <p:sp>
-        <p:nvSpPr>
-          <p:cNvPr id="6" name="Slide Number Placeholder 5">
-            <a:extLst>
-              <a:ext uri="{FF2B5EF4-FFF2-40B4-BE49-F238E27FC236}">
-                <a16:creationId xmlns:a16="http://schemas.microsoft.com/office/drawing/2014/main" id="{F7B130F3-0984-44C2-B703-32E2E77F32DF}"/>
-              </a:ext>
-            </a:extLst>
-          </p:cNvPr>
-          <p:cNvSpPr>
-            <a:spLocks noGrp="1"/>
-          </p:cNvSpPr>
-          <p:nvPr>
-            <p:ph type="sldNum" sz="quarter" idx="12"/>
-          </p:nvPr>
-        </p:nvSpPr>
-        <p:spPr>
-          <a:xfrm>
-            <a:off x="8610600" y="6356350"/>
-            <a:ext cx="2743200" cy="365125"/>
-          </a:xfrm>
-        </p:spPr>
-        <p:txBody>
-          <a:bodyPr/>
-          <a:lstStyle/>
-          <a:p>
-            <a:fld id="{F91729D4-A164-47A3-830D-E792BCE699E4}" type="slidenum">
-              <a:rPr lang="en-US" smtClean="0"/>
-              <a:pPr/>
-              <a:t>9</a:t>
-            </a:fld>
-            <a:endParaRPr lang="en-US" dirty="0"/>
-          </a:p>
-        </p:txBody>
-      </p:sp>
-      <p:graphicFrame>
-        <p:nvGraphicFramePr>
-          <p:cNvPr id="12" name="Chart 11">
-            <a:extLst>
-              <a:ext uri="{FF2B5EF4-FFF2-40B4-BE49-F238E27FC236}">
-                <a16:creationId xmlns:a16="http://schemas.microsoft.com/office/drawing/2014/main" id="{447AAC8C-E4EB-481E-AB05-154D91634B32}"/>
-              </a:ext>
-              <a:ext uri="{C183D7F6-B498-43B3-948B-1728B52AA6E4}">
-                <adec:decorative xmlns:adec="http://schemas.microsoft.com/office/drawing/2017/decorative" val="1"/>
-              </a:ext>
-            </a:extLst>
-          </p:cNvPr>
-          <p:cNvGraphicFramePr/>
-          <p:nvPr>
-            <p:extLst>
-              <p:ext uri="{D42A27DB-BD31-4B8C-83A1-F6EECF244321}">
-                <p14:modId xmlns:p14="http://schemas.microsoft.com/office/powerpoint/2010/main" val="4001657838"/>
-              </p:ext>
-            </p:extLst>
-          </p:nvPr>
-        </p:nvGraphicFramePr>
-        <p:xfrm>
-          <a:off x="1148218" y="1507635"/>
-          <a:ext cx="9895563" cy="4285497"/>
-        </p:xfrm>
-        <a:graphic>
-          <a:graphicData uri="http://schemas.openxmlformats.org/drawingml/2006/chart">
-            <c:chart xmlns:c="http://schemas.openxmlformats.org/drawingml/2006/chart" xmlns:r="http://schemas.openxmlformats.org/officeDocument/2006/relationships" r:id="rId2"/>
-          </a:graphicData>
-        </a:graphic>
-      </p:graphicFrame>
-    </p:spTree>
-    <p:extLst>
-      <p:ext uri="{BB962C8B-B14F-4D97-AF65-F5344CB8AC3E}">
-        <p14:creationId xmlns:p14="http://schemas.microsoft.com/office/powerpoint/2010/main" val="604245434"/>
+        <p14:creationId xmlns:p14="http://schemas.microsoft.com/office/powerpoint/2010/main" val="2134003369"/>
       </p:ext>
     </p:extLst>
   </p:cSld>
@@ -19238,15 +16185,6 @@
 </file>
 
 <file path=customXml/item1.xml><?xml version="1.0" encoding="utf-8"?>
-<?mso-contentType ?>
-<FormTemplates xmlns="http://schemas.microsoft.com/sharepoint/v3/contenttype/forms">
-  <Display>DocumentLibraryForm</Display>
-  <Edit>DocumentLibraryForm</Edit>
-  <New>DocumentLibraryForm</New>
-</FormTemplates>
-</file>
-
-<file path=customXml/item2.xml><?xml version="1.0" encoding="utf-8"?>
 <p:properties xmlns:p="http://schemas.microsoft.com/office/2006/metadata/properties" xmlns:xsi="http://www.w3.org/2001/XMLSchema-instance" xmlns:pc="http://schemas.microsoft.com/office/infopath/2007/PartnerControls">
   <documentManagement>
     <_ip_UnifiedCompliancePolicyUIAction xmlns="http://schemas.microsoft.com/sharepoint/v3" xsi:nil="true"/>
@@ -19263,6 +16201,15 @@
     <MediaServiceKeyPoints xmlns="71af3243-3dd4-4a8d-8c0d-dd76da1f02a5" xsi:nil="true"/>
   </documentManagement>
 </p:properties>
+</file>
+
+<file path=customXml/item2.xml><?xml version="1.0" encoding="utf-8"?>
+<?mso-contentType ?>
+<FormTemplates xmlns="http://schemas.microsoft.com/sharepoint/v3/contenttype/forms">
+  <Display>DocumentLibraryForm</Display>
+  <Edit>DocumentLibraryForm</Edit>
+  <New>DocumentLibraryForm</New>
+</FormTemplates>
 </file>
 
 <file path=customXml/item3.xml><?xml version="1.0" encoding="utf-8"?>
@@ -19542,14 +16489,6 @@
 </file>
 
 <file path=customXml/itemProps1.xml><?xml version="1.0" encoding="utf-8"?>
-<ds:datastoreItem xmlns:ds="http://schemas.openxmlformats.org/officeDocument/2006/customXml" ds:itemID="{2119E3DC-63DC-4703-A1A6-A21819296CF6}">
-  <ds:schemaRefs>
-    <ds:schemaRef ds:uri="http://schemas.microsoft.com/sharepoint/v3/contenttype/forms"/>
-  </ds:schemaRefs>
-</ds:datastoreItem>
-</file>
-
-<file path=customXml/itemProps2.xml><?xml version="1.0" encoding="utf-8"?>
 <ds:datastoreItem xmlns:ds="http://schemas.openxmlformats.org/officeDocument/2006/customXml" ds:itemID="{2D0C81F5-4E08-4068-8DC9-6D21305E57B8}">
   <ds:schemaRefs>
     <ds:schemaRef ds:uri="http://schemas.microsoft.com/office/2006/metadata/properties"/>
@@ -19557,6 +16496,14 @@
     <ds:schemaRef ds:uri="http://schemas.microsoft.com/sharepoint/v3"/>
     <ds:schemaRef ds:uri="71af3243-3dd4-4a8d-8c0d-dd76da1f02a5"/>
     <ds:schemaRef ds:uri="230e9df3-be65-4c73-a93b-d1236ebd677e"/>
+  </ds:schemaRefs>
+</ds:datastoreItem>
+</file>
+
+<file path=customXml/itemProps2.xml><?xml version="1.0" encoding="utf-8"?>
+<ds:datastoreItem xmlns:ds="http://schemas.openxmlformats.org/officeDocument/2006/customXml" ds:itemID="{2119E3DC-63DC-4703-A1A6-A21819296CF6}">
+  <ds:schemaRefs>
+    <ds:schemaRef ds:uri="http://schemas.microsoft.com/sharepoint/v3/contenttype/forms"/>
   </ds:schemaRefs>
 </ds:datastoreItem>
 </file>

--- a/docs/WeeklyNotes/Report_Dec05.pptx
+++ b/docs/WeeklyNotes/Report_Dec05.pptx
@@ -17,7 +17,7 @@
     <p:sldId id="272" r:id="rId8"/>
     <p:sldId id="274" r:id="rId9"/>
     <p:sldId id="259" r:id="rId10"/>
-    <p:sldId id="268" r:id="rId11"/>
+    <p:sldId id="275" r:id="rId11"/>
     <p:sldId id="265" r:id="rId12"/>
   </p:sldIdLst>
   <p:sldSz cx="12192000" cy="6858000"/>
@@ -12504,64 +12504,6 @@
       </p:sp>
       <p:sp>
         <p:nvSpPr>
-          <p:cNvPr id="4" name="Date Placeholder 3">
-            <a:extLst>
-              <a:ext uri="{FF2B5EF4-FFF2-40B4-BE49-F238E27FC236}">
-                <a16:creationId xmlns:a16="http://schemas.microsoft.com/office/drawing/2014/main" id="{9CCB8A16-3B6D-4E3D-A7E2-0997A4BE299C}"/>
-              </a:ext>
-            </a:extLst>
-          </p:cNvPr>
-          <p:cNvSpPr>
-            <a:spLocks noGrp="1"/>
-          </p:cNvSpPr>
-          <p:nvPr>
-            <p:ph type="dt" sz="half" idx="10"/>
-          </p:nvPr>
-        </p:nvSpPr>
-        <p:spPr/>
-        <p:txBody>
-          <a:bodyPr/>
-          <a:lstStyle/>
-          <a:p>
-            <a:r>
-              <a:rPr lang="en-US"/>
-              <a:t>20XX</a:t>
-            </a:r>
-            <a:endParaRPr lang="en-US" dirty="0"/>
-          </a:p>
-        </p:txBody>
-      </p:sp>
-      <p:sp>
-        <p:nvSpPr>
-          <p:cNvPr id="5" name="Footer Placeholder 4">
-            <a:extLst>
-              <a:ext uri="{FF2B5EF4-FFF2-40B4-BE49-F238E27FC236}">
-                <a16:creationId xmlns:a16="http://schemas.microsoft.com/office/drawing/2014/main" id="{33051631-3185-4F9B-9958-0B2751BB15EB}"/>
-              </a:ext>
-            </a:extLst>
-          </p:cNvPr>
-          <p:cNvSpPr>
-            <a:spLocks noGrp="1"/>
-          </p:cNvSpPr>
-          <p:nvPr>
-            <p:ph type="ftr" sz="quarter" idx="11"/>
-          </p:nvPr>
-        </p:nvSpPr>
-        <p:spPr/>
-        <p:txBody>
-          <a:bodyPr/>
-          <a:lstStyle/>
-          <a:p>
-            <a:r>
-              <a:rPr lang="en-US"/>
-              <a:t>PRESENTATION TITLE</a:t>
-            </a:r>
-            <a:endParaRPr lang="en-US" dirty="0"/>
-          </a:p>
-        </p:txBody>
-      </p:sp>
-      <p:sp>
-        <p:nvSpPr>
           <p:cNvPr id="8" name="Slide Number Placeholder 7">
             <a:extLst>
               <a:ext uri="{FF2B5EF4-FFF2-40B4-BE49-F238E27FC236}">
@@ -12701,15 +12643,8 @@
                 <a:latin typeface="Calibri" panose="020F0502020204030204" pitchFamily="34" charset="0"/>
                 <a:cs typeface="Calibri" panose="020F0502020204030204" pitchFamily="34" charset="0"/>
               </a:rPr>
-              <a:t>-&gt; Why they are used in ADAS systems</a:t>
-            </a:r>
-          </a:p>
-          <a:p>
-            <a:pPr>
-              <a:spcAft>
-                <a:spcPts val="200"/>
-              </a:spcAft>
-            </a:pPr>
+              <a:t>-&gt; Reason they are used in ADAS </a:t>
+            </a:r>
             <a:r>
               <a:rPr lang="en-US" sz="1800" dirty="0">
                 <a:solidFill>
@@ -12735,7 +12670,7 @@
                 <a:latin typeface="Calibri" panose="020F0502020204030204" pitchFamily="34" charset="0"/>
                 <a:cs typeface="Calibri" panose="020F0502020204030204" pitchFamily="34" charset="0"/>
               </a:rPr>
-              <a:t>Vulnerable to whether condition</a:t>
+              <a:t>Vulnerable to whether &amp; road condition</a:t>
             </a:r>
           </a:p>
           <a:p>
@@ -12962,64 +12897,6 @@
               </a:rPr>
               <a:t>Detailed Validation of the Algorithms</a:t>
             </a:r>
-          </a:p>
-        </p:txBody>
-      </p:sp>
-      <p:sp>
-        <p:nvSpPr>
-          <p:cNvPr id="4" name="Date Placeholder 3">
-            <a:extLst>
-              <a:ext uri="{FF2B5EF4-FFF2-40B4-BE49-F238E27FC236}">
-                <a16:creationId xmlns:a16="http://schemas.microsoft.com/office/drawing/2014/main" id="{9CCB8A16-3B6D-4E3D-A7E2-0997A4BE299C}"/>
-              </a:ext>
-            </a:extLst>
-          </p:cNvPr>
-          <p:cNvSpPr>
-            <a:spLocks noGrp="1"/>
-          </p:cNvSpPr>
-          <p:nvPr>
-            <p:ph type="dt" sz="half" idx="10"/>
-          </p:nvPr>
-        </p:nvSpPr>
-        <p:spPr/>
-        <p:txBody>
-          <a:bodyPr/>
-          <a:lstStyle/>
-          <a:p>
-            <a:r>
-              <a:rPr lang="en-US"/>
-              <a:t>20XX</a:t>
-            </a:r>
-            <a:endParaRPr lang="en-US" dirty="0"/>
-          </a:p>
-        </p:txBody>
-      </p:sp>
-      <p:sp>
-        <p:nvSpPr>
-          <p:cNvPr id="5" name="Footer Placeholder 4">
-            <a:extLst>
-              <a:ext uri="{FF2B5EF4-FFF2-40B4-BE49-F238E27FC236}">
-                <a16:creationId xmlns:a16="http://schemas.microsoft.com/office/drawing/2014/main" id="{33051631-3185-4F9B-9958-0B2751BB15EB}"/>
-              </a:ext>
-            </a:extLst>
-          </p:cNvPr>
-          <p:cNvSpPr>
-            <a:spLocks noGrp="1"/>
-          </p:cNvSpPr>
-          <p:nvPr>
-            <p:ph type="ftr" sz="quarter" idx="11"/>
-          </p:nvPr>
-        </p:nvSpPr>
-        <p:spPr/>
-        <p:txBody>
-          <a:bodyPr/>
-          <a:lstStyle/>
-          <a:p>
-            <a:r>
-              <a:rPr lang="en-US"/>
-              <a:t>PRESENTATION TITLE</a:t>
-            </a:r>
-            <a:endParaRPr lang="en-US" dirty="0"/>
           </a:p>
         </p:txBody>
       </p:sp>
@@ -13442,7 +13319,21 @@
                 <a:latin typeface="Calibri" panose="020F0502020204030204" pitchFamily="34" charset="0"/>
                 <a:cs typeface="Calibri" panose="020F0502020204030204" pitchFamily="34" charset="0"/>
               </a:rPr>
-              <a:t>22.2 FPS</a:t>
+              <a:t>22.2 </a:t>
+            </a:r>
+            <a:r>
+              <a:rPr lang="en-US" sz="2000" spc="0" dirty="0" err="1">
+                <a:latin typeface="Calibri" panose="020F0502020204030204" pitchFamily="34" charset="0"/>
+                <a:cs typeface="Calibri" panose="020F0502020204030204" pitchFamily="34" charset="0"/>
+              </a:rPr>
+              <a:t>ms</a:t>
+            </a:r>
+            <a:r>
+              <a:rPr lang="en-US" sz="2000" spc="0" dirty="0">
+                <a:latin typeface="Calibri" panose="020F0502020204030204" pitchFamily="34" charset="0"/>
+                <a:cs typeface="Calibri" panose="020F0502020204030204" pitchFamily="34" charset="0"/>
+              </a:rPr>
+              <a:t>/frame</a:t>
             </a:r>
           </a:p>
           <a:p>
@@ -13733,64 +13624,6 @@
               <a:rPr lang="en-US" dirty="0"/>
               <a:t>Still, this study was not implemented on embedded environment</a:t>
             </a:r>
-          </a:p>
-        </p:txBody>
-      </p:sp>
-      <p:sp>
-        <p:nvSpPr>
-          <p:cNvPr id="7" name="Date Placeholder 6">
-            <a:extLst>
-              <a:ext uri="{FF2B5EF4-FFF2-40B4-BE49-F238E27FC236}">
-                <a16:creationId xmlns:a16="http://schemas.microsoft.com/office/drawing/2014/main" id="{66065516-F403-4EAC-AE9C-9C1D95D90B6D}"/>
-              </a:ext>
-            </a:extLst>
-          </p:cNvPr>
-          <p:cNvSpPr>
-            <a:spLocks noGrp="1"/>
-          </p:cNvSpPr>
-          <p:nvPr>
-            <p:ph type="dt" sz="half" idx="10"/>
-          </p:nvPr>
-        </p:nvSpPr>
-        <p:spPr/>
-        <p:txBody>
-          <a:bodyPr/>
-          <a:lstStyle/>
-          <a:p>
-            <a:r>
-              <a:rPr lang="en-US"/>
-              <a:t>20XX</a:t>
-            </a:r>
-            <a:endParaRPr lang="en-US" dirty="0"/>
-          </a:p>
-        </p:txBody>
-      </p:sp>
-      <p:sp>
-        <p:nvSpPr>
-          <p:cNvPr id="8" name="Footer Placeholder 7">
-            <a:extLst>
-              <a:ext uri="{FF2B5EF4-FFF2-40B4-BE49-F238E27FC236}">
-                <a16:creationId xmlns:a16="http://schemas.microsoft.com/office/drawing/2014/main" id="{433BF522-4455-414F-8953-9AFB87A176A5}"/>
-              </a:ext>
-            </a:extLst>
-          </p:cNvPr>
-          <p:cNvSpPr>
-            <a:spLocks noGrp="1"/>
-          </p:cNvSpPr>
-          <p:nvPr>
-            <p:ph type="ftr" sz="quarter" idx="11"/>
-          </p:nvPr>
-        </p:nvSpPr>
-        <p:spPr/>
-        <p:txBody>
-          <a:bodyPr/>
-          <a:lstStyle/>
-          <a:p>
-            <a:r>
-              <a:rPr lang="en-US"/>
-              <a:t>PRESENTATION TITLE</a:t>
-            </a:r>
-            <a:endParaRPr lang="en-US" dirty="0"/>
           </a:p>
         </p:txBody>
       </p:sp>
@@ -14210,64 +14043,6 @@
               <a:latin typeface="Calibri" panose="020F0502020204030204" pitchFamily="34" charset="0"/>
               <a:cs typeface="Calibri" panose="020F0502020204030204" pitchFamily="34" charset="0"/>
             </a:endParaRPr>
-          </a:p>
-        </p:txBody>
-      </p:sp>
-      <p:sp>
-        <p:nvSpPr>
-          <p:cNvPr id="7" name="Date Placeholder 6">
-            <a:extLst>
-              <a:ext uri="{FF2B5EF4-FFF2-40B4-BE49-F238E27FC236}">
-                <a16:creationId xmlns:a16="http://schemas.microsoft.com/office/drawing/2014/main" id="{66065516-F403-4EAC-AE9C-9C1D95D90B6D}"/>
-              </a:ext>
-            </a:extLst>
-          </p:cNvPr>
-          <p:cNvSpPr>
-            <a:spLocks noGrp="1"/>
-          </p:cNvSpPr>
-          <p:nvPr>
-            <p:ph type="dt" sz="half" idx="10"/>
-          </p:nvPr>
-        </p:nvSpPr>
-        <p:spPr/>
-        <p:txBody>
-          <a:bodyPr/>
-          <a:lstStyle/>
-          <a:p>
-            <a:r>
-              <a:rPr lang="en-US"/>
-              <a:t>20XX</a:t>
-            </a:r>
-            <a:endParaRPr lang="en-US" dirty="0"/>
-          </a:p>
-        </p:txBody>
-      </p:sp>
-      <p:sp>
-        <p:nvSpPr>
-          <p:cNvPr id="8" name="Footer Placeholder 7">
-            <a:extLst>
-              <a:ext uri="{FF2B5EF4-FFF2-40B4-BE49-F238E27FC236}">
-                <a16:creationId xmlns:a16="http://schemas.microsoft.com/office/drawing/2014/main" id="{433BF522-4455-414F-8953-9AFB87A176A5}"/>
-              </a:ext>
-            </a:extLst>
-          </p:cNvPr>
-          <p:cNvSpPr>
-            <a:spLocks noGrp="1"/>
-          </p:cNvSpPr>
-          <p:nvPr>
-            <p:ph type="ftr" sz="quarter" idx="11"/>
-          </p:nvPr>
-        </p:nvSpPr>
-        <p:spPr/>
-        <p:txBody>
-          <a:bodyPr/>
-          <a:lstStyle/>
-          <a:p>
-            <a:r>
-              <a:rPr lang="en-US"/>
-              <a:t>PRESENTATION TITLE</a:t>
-            </a:r>
-            <a:endParaRPr lang="en-US" dirty="0"/>
           </a:p>
         </p:txBody>
       </p:sp>
@@ -14971,187 +14746,338 @@
           <a:chExt cx="0" cy="0"/>
         </a:xfrm>
       </p:grpSpPr>
+      <p:sp>
+        <p:nvSpPr>
+          <p:cNvPr id="7" name="Text Placeholder 6">
+            <a:extLst>
+              <a:ext uri="{FF2B5EF4-FFF2-40B4-BE49-F238E27FC236}">
+                <a16:creationId xmlns:a16="http://schemas.microsoft.com/office/drawing/2014/main" id="{5AD9B236-EE08-41D6-92D3-88C086F9F3AA}"/>
+              </a:ext>
+            </a:extLst>
+          </p:cNvPr>
+          <p:cNvSpPr>
+            <a:spLocks noGrp="1"/>
+          </p:cNvSpPr>
+          <p:nvPr>
+            <p:ph type="body" sz="quarter" idx="4294967295"/>
+          </p:nvPr>
+        </p:nvSpPr>
+        <p:spPr>
+          <a:xfrm>
+            <a:off x="4864963" y="836357"/>
+            <a:ext cx="6235083" cy="5939162"/>
+          </a:xfrm>
+          <a:prstGeom prst="rect">
+            <a:avLst/>
+          </a:prstGeom>
+        </p:spPr>
+        <p:txBody>
+          <a:bodyPr/>
+          <a:lstStyle/>
+          <a:p>
+            <a:pPr marL="0" indent="0">
+              <a:buNone/>
+            </a:pPr>
+            <a:r>
+              <a:rPr lang="en-US" sz="2400" b="1" dirty="0"/>
+              <a:t>The final product consists of:</a:t>
+            </a:r>
+          </a:p>
+          <a:p>
+            <a:pPr>
+              <a:lnSpc>
+                <a:spcPct val="100000"/>
+              </a:lnSpc>
+            </a:pPr>
+            <a:r>
+              <a:rPr lang="en-US" sz="2000" b="1" dirty="0">
+                <a:latin typeface="Calibri" panose="020F0502020204030204" pitchFamily="34" charset="0"/>
+                <a:cs typeface="Calibri" panose="020F0502020204030204" pitchFamily="34" charset="0"/>
+              </a:rPr>
+              <a:t>Camera</a:t>
+            </a:r>
+          </a:p>
+          <a:p>
+            <a:pPr lvl="1">
+              <a:lnSpc>
+                <a:spcPct val="100000"/>
+              </a:lnSpc>
+            </a:pPr>
+            <a:r>
+              <a:rPr lang="en-US" sz="1600" dirty="0">
+                <a:latin typeface="Calibri" panose="020F0502020204030204" pitchFamily="34" charset="0"/>
+                <a:cs typeface="Calibri" panose="020F0502020204030204" pitchFamily="34" charset="0"/>
+              </a:rPr>
+              <a:t>Name: Webcam 1080P Rapoo C260</a:t>
+            </a:r>
+          </a:p>
+          <a:p>
+            <a:pPr lvl="1">
+              <a:lnSpc>
+                <a:spcPct val="100000"/>
+              </a:lnSpc>
+            </a:pPr>
+            <a:r>
+              <a:rPr lang="en-US" sz="1600" dirty="0">
+                <a:latin typeface="Calibri" panose="020F0502020204030204" pitchFamily="34" charset="0"/>
+                <a:cs typeface="Calibri" panose="020F0502020204030204" pitchFamily="34" charset="0"/>
+              </a:rPr>
+              <a:t>1920x1080</a:t>
+            </a:r>
+          </a:p>
+          <a:p>
+            <a:pPr lvl="1">
+              <a:lnSpc>
+                <a:spcPct val="100000"/>
+              </a:lnSpc>
+            </a:pPr>
+            <a:r>
+              <a:rPr lang="en-US" sz="1600" dirty="0">
+                <a:latin typeface="Calibri" panose="020F0502020204030204" pitchFamily="34" charset="0"/>
+                <a:cs typeface="Calibri" panose="020F0502020204030204" pitchFamily="34" charset="0"/>
+              </a:rPr>
+              <a:t>30 FPS</a:t>
+            </a:r>
+          </a:p>
+          <a:p>
+            <a:pPr>
+              <a:lnSpc>
+                <a:spcPct val="100000"/>
+              </a:lnSpc>
+            </a:pPr>
+            <a:r>
+              <a:rPr lang="en-US" sz="2000" b="1" dirty="0">
+                <a:latin typeface="Calibri" panose="020F0502020204030204" pitchFamily="34" charset="0"/>
+                <a:cs typeface="Calibri" panose="020F0502020204030204" pitchFamily="34" charset="0"/>
+              </a:rPr>
+              <a:t>Embedded Computer: Nvidia Jetson Nano</a:t>
+            </a:r>
+          </a:p>
+          <a:p>
+            <a:pPr lvl="1">
+              <a:lnSpc>
+                <a:spcPct val="100000"/>
+              </a:lnSpc>
+            </a:pPr>
+            <a:r>
+              <a:rPr lang="en-US" sz="1600" dirty="0">
+                <a:latin typeface="Calibri" panose="020F0502020204030204" pitchFamily="34" charset="0"/>
+                <a:cs typeface="Calibri" panose="020F0502020204030204" pitchFamily="34" charset="0"/>
+              </a:rPr>
+              <a:t>CPU: Quad-core ARM Cortex-A57 MPCore processor</a:t>
+            </a:r>
+          </a:p>
+          <a:p>
+            <a:pPr lvl="1">
+              <a:lnSpc>
+                <a:spcPct val="100000"/>
+              </a:lnSpc>
+            </a:pPr>
+            <a:r>
+              <a:rPr lang="en-US" sz="1600" dirty="0">
+                <a:latin typeface="Calibri" panose="020F0502020204030204" pitchFamily="34" charset="0"/>
+                <a:cs typeface="Calibri" panose="020F0502020204030204" pitchFamily="34" charset="0"/>
+              </a:rPr>
+              <a:t>Memory:  4 GB 64-bit LPDDR4, 1600MHz 25.6 GB/s</a:t>
+            </a:r>
+          </a:p>
+          <a:p>
+            <a:pPr lvl="1">
+              <a:lnSpc>
+                <a:spcPct val="100000"/>
+              </a:lnSpc>
+            </a:pPr>
+            <a:r>
+              <a:rPr lang="en-US" sz="1600" dirty="0">
+                <a:latin typeface="Calibri" panose="020F0502020204030204" pitchFamily="34" charset="0"/>
+                <a:cs typeface="Calibri" panose="020F0502020204030204" pitchFamily="34" charset="0"/>
+              </a:rPr>
+              <a:t>Video Encoder: 250MP/sec: 4x 1080p @ 30 (HEVC)</a:t>
+            </a:r>
+          </a:p>
+          <a:p>
+            <a:pPr>
+              <a:lnSpc>
+                <a:spcPct val="150000"/>
+              </a:lnSpc>
+            </a:pPr>
+            <a:r>
+              <a:rPr lang="en-US" sz="2000" b="1" dirty="0">
+                <a:latin typeface="Calibri" panose="020F0502020204030204" pitchFamily="34" charset="0"/>
+                <a:cs typeface="Calibri" panose="020F0502020204030204" pitchFamily="34" charset="0"/>
+              </a:rPr>
+              <a:t>A generic indicating screen</a:t>
+            </a:r>
+          </a:p>
+          <a:p>
+            <a:pPr>
+              <a:lnSpc>
+                <a:spcPct val="150000"/>
+              </a:lnSpc>
+            </a:pPr>
+            <a:r>
+              <a:rPr lang="en-US" sz="2000" b="1" dirty="0">
+                <a:latin typeface="Calibri" panose="020F0502020204030204" pitchFamily="34" charset="0"/>
+                <a:cs typeface="Calibri" panose="020F0502020204030204" pitchFamily="34" charset="0"/>
+              </a:rPr>
+              <a:t>Vehicle frame: Toyota Innova 2020 </a:t>
+            </a:r>
+          </a:p>
+        </p:txBody>
+      </p:sp>
       <p:pic>
         <p:nvPicPr>
-          <p:cNvPr id="17" name="Picture Placeholder 16">
-            <a:extLst>
-              <a:ext uri="{FF2B5EF4-FFF2-40B4-BE49-F238E27FC236}">
-                <a16:creationId xmlns:a16="http://schemas.microsoft.com/office/drawing/2014/main" id="{C22AFC99-B8B0-4D49-8242-D5D9E488CA02}"/>
+          <p:cNvPr id="11" name="Picture 10">
+            <a:extLst>
+              <a:ext uri="{FF2B5EF4-FFF2-40B4-BE49-F238E27FC236}">
+                <a16:creationId xmlns:a16="http://schemas.microsoft.com/office/drawing/2014/main" id="{A3EE1A24-2860-4697-AB1E-25598E7B09F3}"/>
               </a:ext>
             </a:extLst>
           </p:cNvPr>
           <p:cNvPicPr>
-            <a:picLocks noGrp="1" noChangeAspect="1"/>
+            <a:picLocks noChangeAspect="1"/>
           </p:cNvPicPr>
-          <p:nvPr>
-            <p:ph type="pic" sz="quarter" idx="13"/>
-          </p:nvPr>
+          <p:nvPr/>
         </p:nvPicPr>
         <p:blipFill>
           <a:blip r:embed="rId2"/>
+          <a:stretch>
+            <a:fillRect/>
+          </a:stretch>
+        </p:blipFill>
+        <p:spPr>
+          <a:xfrm>
+            <a:off x="470517" y="372862"/>
+            <a:ext cx="3923930" cy="3048533"/>
+          </a:xfrm>
+          <a:prstGeom prst="rect">
+            <a:avLst/>
+          </a:prstGeom>
+        </p:spPr>
+      </p:pic>
+      <p:sp>
+        <p:nvSpPr>
+          <p:cNvPr id="16" name="TextBox 15">
+            <a:extLst>
+              <a:ext uri="{FF2B5EF4-FFF2-40B4-BE49-F238E27FC236}">
+                <a16:creationId xmlns:a16="http://schemas.microsoft.com/office/drawing/2014/main" id="{2BF97EFB-5646-4DFF-B284-F7FC94FDE934}"/>
+              </a:ext>
+            </a:extLst>
+          </p:cNvPr>
+          <p:cNvSpPr txBox="1"/>
+          <p:nvPr/>
+        </p:nvSpPr>
+        <p:spPr>
+          <a:xfrm>
+            <a:off x="1091954" y="3436606"/>
+            <a:ext cx="2681056" cy="369332"/>
+          </a:xfrm>
+          <a:prstGeom prst="rect">
+            <a:avLst/>
+          </a:prstGeom>
+          <a:noFill/>
+        </p:spPr>
+        <p:txBody>
+          <a:bodyPr wrap="square" rtlCol="0">
+            <a:spAutoFit/>
+          </a:bodyPr>
+          <a:lstStyle/>
+          <a:p>
+            <a:pPr algn="ctr"/>
+            <a:r>
+              <a:rPr lang="en-US" dirty="0"/>
+              <a:t>Installation</a:t>
+            </a:r>
+          </a:p>
+        </p:txBody>
+      </p:sp>
+      <p:pic>
+        <p:nvPicPr>
+          <p:cNvPr id="1028" name="Picture 4" descr="Toyota Innova 2020: Giá xe Innova 2020 cũ tháng 04/2022 ...">
+            <a:extLst>
+              <a:ext uri="{FF2B5EF4-FFF2-40B4-BE49-F238E27FC236}">
+                <a16:creationId xmlns:a16="http://schemas.microsoft.com/office/drawing/2014/main" id="{7F65B7F3-6A19-4DA9-87B8-0193BB9E1737}"/>
+              </a:ext>
+            </a:extLst>
+          </p:cNvPr>
+          <p:cNvPicPr>
+            <a:picLocks noChangeAspect="1" noChangeArrowheads="1"/>
+          </p:cNvPicPr>
+          <p:nvPr/>
+        </p:nvPicPr>
+        <p:blipFill>
+          <a:blip r:embed="rId3">
+            <a:extLst>
+              <a:ext uri="{28A0092B-C50C-407E-A947-70E740481C1C}">
+                <a14:useLocalDpi xmlns:a14="http://schemas.microsoft.com/office/drawing/2010/main" val="0"/>
+              </a:ext>
+            </a:extLst>
+          </a:blip>
           <a:srcRect/>
-          <a:stretch/>
+          <a:stretch>
+            <a:fillRect/>
+          </a:stretch>
         </p:blipFill>
-        <p:spPr>
-          <a:xfrm>
-            <a:off x="0" y="-1"/>
-            <a:ext cx="12192000" cy="6858001"/>
-          </a:xfrm>
+        <p:spPr bwMode="auto">
+          <a:xfrm>
+            <a:off x="470515" y="4112580"/>
+            <a:ext cx="3923929" cy="2092762"/>
+          </a:xfrm>
+          <a:prstGeom prst="rect">
+            <a:avLst/>
+          </a:prstGeom>
+          <a:noFill/>
+          <a:extLst>
+            <a:ext uri="{909E8E84-426E-40DD-AFC4-6F175D3DCCD1}">
+              <a14:hiddenFill xmlns:a14="http://schemas.microsoft.com/office/drawing/2010/main">
+                <a:solidFill>
+                  <a:srgbClr val="FFFFFF"/>
+                </a:solidFill>
+              </a14:hiddenFill>
+            </a:ext>
+          </a:extLst>
         </p:spPr>
       </p:pic>
       <p:sp>
         <p:nvSpPr>
-          <p:cNvPr id="37" name="Title 36">
-            <a:extLst>
-              <a:ext uri="{FF2B5EF4-FFF2-40B4-BE49-F238E27FC236}">
-                <a16:creationId xmlns:a16="http://schemas.microsoft.com/office/drawing/2014/main" id="{DD48C8EC-56C5-4A2A-BB21-811BC510040A}"/>
-              </a:ext>
-            </a:extLst>
-          </p:cNvPr>
-          <p:cNvSpPr>
-            <a:spLocks noGrp="1"/>
-          </p:cNvSpPr>
-          <p:nvPr>
-            <p:ph type="title"/>
-          </p:nvPr>
-        </p:nvSpPr>
-        <p:spPr>
-          <a:xfrm>
-            <a:off x="-1" y="3429000"/>
-            <a:ext cx="12191999" cy="3668486"/>
-          </a:xfrm>
-        </p:spPr>
-        <p:style>
-          <a:lnRef idx="2">
-            <a:schemeClr val="accent1"/>
-          </a:lnRef>
-          <a:fillRef idx="1">
-            <a:schemeClr val="lt1"/>
-          </a:fillRef>
-          <a:effectRef idx="0">
-            <a:schemeClr val="accent1"/>
-          </a:effectRef>
-          <a:fontRef idx="minor">
-            <a:schemeClr val="dk1"/>
-          </a:fontRef>
-        </p:style>
-        <p:txBody>
-          <a:bodyPr/>
+          <p:cNvPr id="19" name="TextBox 18">
+            <a:extLst>
+              <a:ext uri="{FF2B5EF4-FFF2-40B4-BE49-F238E27FC236}">
+                <a16:creationId xmlns:a16="http://schemas.microsoft.com/office/drawing/2014/main" id="{4AE42726-3D0C-4923-A09D-77920BE99D2A}"/>
+              </a:ext>
+            </a:extLst>
+          </p:cNvPr>
+          <p:cNvSpPr txBox="1"/>
+          <p:nvPr/>
+        </p:nvSpPr>
+        <p:spPr>
+          <a:xfrm>
+            <a:off x="1091951" y="6218840"/>
+            <a:ext cx="2681056" cy="369332"/>
+          </a:xfrm>
+          <a:prstGeom prst="rect">
+            <a:avLst/>
+          </a:prstGeom>
+          <a:noFill/>
+        </p:spPr>
+        <p:txBody>
+          <a:bodyPr wrap="square" rtlCol="0">
+            <a:spAutoFit/>
+          </a:bodyPr>
           <a:lstStyle/>
           <a:p>
             <a:pPr algn="ctr"/>
             <a:r>
               <a:rPr lang="en-US" dirty="0"/>
-              <a:t>Summary</a:t>
-            </a:r>
-          </a:p>
-        </p:txBody>
-      </p:sp>
-      <p:sp>
-        <p:nvSpPr>
-          <p:cNvPr id="8" name="Text Placeholder 7">
-            <a:extLst>
-              <a:ext uri="{FF2B5EF4-FFF2-40B4-BE49-F238E27FC236}">
-                <a16:creationId xmlns:a16="http://schemas.microsoft.com/office/drawing/2014/main" id="{36E72FF0-3C0E-499A-8DA6-324675513B3E}"/>
-              </a:ext>
-            </a:extLst>
-          </p:cNvPr>
-          <p:cNvSpPr>
-            <a:spLocks noGrp="1"/>
-          </p:cNvSpPr>
-          <p:nvPr>
-            <p:ph type="body" sz="quarter" idx="16"/>
-          </p:nvPr>
-        </p:nvSpPr>
-        <p:spPr>
-          <a:xfrm>
-            <a:off x="6235700" y="2854660"/>
-            <a:ext cx="4749800" cy="2129971"/>
-          </a:xfrm>
-        </p:spPr>
-        <p:txBody>
-          <a:bodyPr/>
-          <a:lstStyle/>
-          <a:p>
-            <a:r>
-              <a:rPr lang="en-US" dirty="0"/>
-              <a:t>​</a:t>
-            </a:r>
-          </a:p>
-        </p:txBody>
-      </p:sp>
-      <p:sp>
-        <p:nvSpPr>
-          <p:cNvPr id="2" name="Date Placeholder 1">
-            <a:extLst>
-              <a:ext uri="{FF2B5EF4-FFF2-40B4-BE49-F238E27FC236}">
-                <a16:creationId xmlns:a16="http://schemas.microsoft.com/office/drawing/2014/main" id="{1F833371-4220-48C3-A3E1-5EA18D50C48F}"/>
-              </a:ext>
-            </a:extLst>
-          </p:cNvPr>
-          <p:cNvSpPr>
-            <a:spLocks noGrp="1"/>
-          </p:cNvSpPr>
-          <p:nvPr>
-            <p:ph type="dt" sz="half" idx="10"/>
-          </p:nvPr>
-        </p:nvSpPr>
-        <p:spPr>
-          <a:xfrm>
-            <a:off x="838200" y="6356350"/>
-            <a:ext cx="2743200" cy="365125"/>
-          </a:xfrm>
-        </p:spPr>
-        <p:txBody>
-          <a:bodyPr/>
-          <a:lstStyle/>
-          <a:p>
-            <a:r>
-              <a:rPr lang="en-US" dirty="0"/>
-              <a:t>20XX</a:t>
-            </a:r>
-          </a:p>
-        </p:txBody>
-      </p:sp>
-      <p:sp>
-        <p:nvSpPr>
-          <p:cNvPr id="4" name="Slide Number Placeholder 3">
-            <a:extLst>
-              <a:ext uri="{FF2B5EF4-FFF2-40B4-BE49-F238E27FC236}">
-                <a16:creationId xmlns:a16="http://schemas.microsoft.com/office/drawing/2014/main" id="{6F496E66-3A4B-4617-8D7C-D91AD3541F15}"/>
-              </a:ext>
-            </a:extLst>
-          </p:cNvPr>
-          <p:cNvSpPr>
-            <a:spLocks noGrp="1"/>
-          </p:cNvSpPr>
-          <p:nvPr>
-            <p:ph type="sldNum" sz="quarter" idx="12"/>
-          </p:nvPr>
-        </p:nvSpPr>
-        <p:spPr>
-          <a:xfrm>
-            <a:off x="8610600" y="6356350"/>
-            <a:ext cx="2743200" cy="365125"/>
-          </a:xfrm>
-        </p:spPr>
-        <p:txBody>
-          <a:bodyPr/>
-          <a:lstStyle/>
-          <a:p>
-            <a:fld id="{F91729D4-A164-47A3-830D-E792BCE699E4}" type="slidenum">
-              <a:rPr lang="en-US" smtClean="0"/>
-              <a:pPr/>
-              <a:t>7</a:t>
-            </a:fld>
-            <a:endParaRPr lang="en-US" dirty="0"/>
+              <a:t>Platform</a:t>
+            </a:r>
           </a:p>
         </p:txBody>
       </p:sp>
     </p:spTree>
     <p:extLst>
       <p:ext uri="{BB962C8B-B14F-4D97-AF65-F5344CB8AC3E}">
-        <p14:creationId xmlns:p14="http://schemas.microsoft.com/office/powerpoint/2010/main" val="1321790359"/>
+        <p14:creationId xmlns:p14="http://schemas.microsoft.com/office/powerpoint/2010/main" val="3239587470"/>
       </p:ext>
     </p:extLst>
   </p:cSld>
@@ -15196,7 +15122,7 @@
         </p:nvSpPr>
         <p:spPr>
           <a:xfrm>
-            <a:off x="4073237" y="1096375"/>
+            <a:off x="4776051" y="1332182"/>
             <a:ext cx="4045527" cy="1590790"/>
           </a:xfrm>
         </p:spPr>
@@ -15213,10 +15139,10 @@
       </p:sp>
       <p:pic>
         <p:nvPicPr>
-          <p:cNvPr id="13" name="Picture Placeholder 12" descr="Sand, sea, beach, grass">
-            <a:extLst>
-              <a:ext uri="{FF2B5EF4-FFF2-40B4-BE49-F238E27FC236}">
-                <a16:creationId xmlns:a16="http://schemas.microsoft.com/office/drawing/2014/main" id="{681D276C-2EB5-4A5D-AD46-BA67480003A1}"/>
+          <p:cNvPr id="15" name="Picture Placeholder 14" descr="Close up of bird eye">
+            <a:extLst>
+              <a:ext uri="{FF2B5EF4-FFF2-40B4-BE49-F238E27FC236}">
+                <a16:creationId xmlns:a16="http://schemas.microsoft.com/office/drawing/2014/main" id="{EDC61EE9-9548-4422-9A3B-8519063F0199}"/>
               </a:ext>
             </a:extLst>
           </p:cNvPr>
@@ -15224,7 +15150,7 @@
             <a:picLocks noGrp="1" noChangeAspect="1"/>
           </p:cNvPicPr>
           <p:nvPr>
-            <p:ph type="pic" sz="quarter" idx="13"/>
+            <p:ph type="pic" sz="quarter" idx="17"/>
           </p:nvPr>
         </p:nvPicPr>
         <p:blipFill rotWithShape="1">
@@ -15240,111 +15166,11 @@
         </p:blipFill>
         <p:spPr>
           <a:xfrm>
-            <a:off x="0" y="951274"/>
-            <a:ext cx="2743201" cy="4747564"/>
-          </a:xfrm>
-        </p:spPr>
-      </p:pic>
-      <p:pic>
-        <p:nvPicPr>
-          <p:cNvPr id="15" name="Picture Placeholder 14" descr="Close up of bird eye">
-            <a:extLst>
-              <a:ext uri="{FF2B5EF4-FFF2-40B4-BE49-F238E27FC236}">
-                <a16:creationId xmlns:a16="http://schemas.microsoft.com/office/drawing/2014/main" id="{EDC61EE9-9548-4422-9A3B-8519063F0199}"/>
-              </a:ext>
-            </a:extLst>
-          </p:cNvPr>
-          <p:cNvPicPr>
-            <a:picLocks noGrp="1" noChangeAspect="1"/>
-          </p:cNvPicPr>
-          <p:nvPr>
-            <p:ph type="pic" sz="quarter" idx="17"/>
-          </p:nvPr>
-        </p:nvPicPr>
-        <p:blipFill rotWithShape="1">
-          <a:blip r:embed="rId3" cstate="screen">
-            <a:extLst>
-              <a:ext uri="{28A0092B-C50C-407E-A947-70E740481C1C}">
-                <a14:useLocalDpi xmlns:a14="http://schemas.microsoft.com/office/drawing/2010/main" val="0"/>
-              </a:ext>
-            </a:extLst>
-          </a:blip>
-          <a:srcRect/>
-          <a:stretch/>
-        </p:blipFill>
-        <p:spPr>
-          <a:xfrm>
             <a:off x="9448800" y="951274"/>
             <a:ext cx="2743200" cy="4747564"/>
           </a:xfrm>
         </p:spPr>
       </p:pic>
-      <p:sp>
-        <p:nvSpPr>
-          <p:cNvPr id="2" name="Date Placeholder 1">
-            <a:extLst>
-              <a:ext uri="{FF2B5EF4-FFF2-40B4-BE49-F238E27FC236}">
-                <a16:creationId xmlns:a16="http://schemas.microsoft.com/office/drawing/2014/main" id="{2C8D6180-8574-4A09-9CF3-5DBA4B97A637}"/>
-              </a:ext>
-            </a:extLst>
-          </p:cNvPr>
-          <p:cNvSpPr>
-            <a:spLocks noGrp="1"/>
-          </p:cNvSpPr>
-          <p:nvPr>
-            <p:ph type="dt" sz="half" idx="10"/>
-          </p:nvPr>
-        </p:nvSpPr>
-        <p:spPr>
-          <a:xfrm>
-            <a:off x="838200" y="6356350"/>
-            <a:ext cx="2743200" cy="365125"/>
-          </a:xfrm>
-        </p:spPr>
-        <p:txBody>
-          <a:bodyPr/>
-          <a:lstStyle/>
-          <a:p>
-            <a:r>
-              <a:rPr lang="en-US" dirty="0"/>
-              <a:t>20XX</a:t>
-            </a:r>
-          </a:p>
-        </p:txBody>
-      </p:sp>
-      <p:sp>
-        <p:nvSpPr>
-          <p:cNvPr id="3" name="Footer Placeholder 2">
-            <a:extLst>
-              <a:ext uri="{FF2B5EF4-FFF2-40B4-BE49-F238E27FC236}">
-                <a16:creationId xmlns:a16="http://schemas.microsoft.com/office/drawing/2014/main" id="{8B36962E-1AC0-4AE8-9E04-6FECBB97FBF5}"/>
-              </a:ext>
-            </a:extLst>
-          </p:cNvPr>
-          <p:cNvSpPr>
-            <a:spLocks noGrp="1"/>
-          </p:cNvSpPr>
-          <p:nvPr>
-            <p:ph type="ftr" sz="quarter" idx="11"/>
-          </p:nvPr>
-        </p:nvSpPr>
-        <p:spPr>
-          <a:xfrm>
-            <a:off x="4038600" y="6356350"/>
-            <a:ext cx="4114800" cy="365125"/>
-          </a:xfrm>
-        </p:spPr>
-        <p:txBody>
-          <a:bodyPr/>
-          <a:lstStyle/>
-          <a:p>
-            <a:r>
-              <a:rPr lang="en-US" dirty="0"/>
-              <a:t>PRESENTATION TITLE</a:t>
-            </a:r>
-          </a:p>
-        </p:txBody>
-      </p:sp>
       <p:sp>
         <p:nvSpPr>
           <p:cNvPr id="4" name="Slide Number Placeholder 3">
@@ -15380,6 +15206,43 @@
           </a:p>
         </p:txBody>
       </p:sp>
+      <p:pic>
+        <p:nvPicPr>
+          <p:cNvPr id="9" name="Picture Placeholder 6">
+            <a:extLst>
+              <a:ext uri="{FF2B5EF4-FFF2-40B4-BE49-F238E27FC236}">
+                <a16:creationId xmlns:a16="http://schemas.microsoft.com/office/drawing/2014/main" id="{EA95D0F5-E3CB-4584-AC6B-E1FA676FB8BC}"/>
+              </a:ext>
+            </a:extLst>
+          </p:cNvPr>
+          <p:cNvPicPr>
+            <a:picLocks noChangeAspect="1"/>
+          </p:cNvPicPr>
+          <p:nvPr/>
+        </p:nvPicPr>
+        <p:blipFill rotWithShape="1">
+          <a:blip r:embed="rId3">
+            <a:duotone>
+              <a:schemeClr val="accent6">
+                <a:shade val="45000"/>
+                <a:satMod val="135000"/>
+              </a:schemeClr>
+              <a:prstClr val="white"/>
+            </a:duotone>
+          </a:blip>
+          <a:srcRect l="13302"/>
+          <a:stretch/>
+        </p:blipFill>
+        <p:spPr>
+          <a:xfrm>
+            <a:off x="639192" y="1236262"/>
+            <a:ext cx="3509638" cy="4048124"/>
+          </a:xfrm>
+          <a:prstGeom prst="rect">
+            <a:avLst/>
+          </a:prstGeom>
+        </p:spPr>
+      </p:pic>
     </p:spTree>
     <p:extLst>
       <p:ext uri="{BB962C8B-B14F-4D97-AF65-F5344CB8AC3E}">
@@ -16185,6 +16048,15 @@
 </file>
 
 <file path=customXml/item1.xml><?xml version="1.0" encoding="utf-8"?>
+<?mso-contentType ?>
+<FormTemplates xmlns="http://schemas.microsoft.com/sharepoint/v3/contenttype/forms">
+  <Display>DocumentLibraryForm</Display>
+  <Edit>DocumentLibraryForm</Edit>
+  <New>DocumentLibraryForm</New>
+</FormTemplates>
+</file>
+
+<file path=customXml/item2.xml><?xml version="1.0" encoding="utf-8"?>
 <p:properties xmlns:p="http://schemas.microsoft.com/office/2006/metadata/properties" xmlns:xsi="http://www.w3.org/2001/XMLSchema-instance" xmlns:pc="http://schemas.microsoft.com/office/infopath/2007/PartnerControls">
   <documentManagement>
     <_ip_UnifiedCompliancePolicyUIAction xmlns="http://schemas.microsoft.com/sharepoint/v3" xsi:nil="true"/>
@@ -16201,15 +16073,6 @@
     <MediaServiceKeyPoints xmlns="71af3243-3dd4-4a8d-8c0d-dd76da1f02a5" xsi:nil="true"/>
   </documentManagement>
 </p:properties>
-</file>
-
-<file path=customXml/item2.xml><?xml version="1.0" encoding="utf-8"?>
-<?mso-contentType ?>
-<FormTemplates xmlns="http://schemas.microsoft.com/sharepoint/v3/contenttype/forms">
-  <Display>DocumentLibraryForm</Display>
-  <Edit>DocumentLibraryForm</Edit>
-  <New>DocumentLibraryForm</New>
-</FormTemplates>
 </file>
 
 <file path=customXml/item3.xml><?xml version="1.0" encoding="utf-8"?>
@@ -16489,6 +16352,14 @@
 </file>
 
 <file path=customXml/itemProps1.xml><?xml version="1.0" encoding="utf-8"?>
+<ds:datastoreItem xmlns:ds="http://schemas.openxmlformats.org/officeDocument/2006/customXml" ds:itemID="{2119E3DC-63DC-4703-A1A6-A21819296CF6}">
+  <ds:schemaRefs>
+    <ds:schemaRef ds:uri="http://schemas.microsoft.com/sharepoint/v3/contenttype/forms"/>
+  </ds:schemaRefs>
+</ds:datastoreItem>
+</file>
+
+<file path=customXml/itemProps2.xml><?xml version="1.0" encoding="utf-8"?>
 <ds:datastoreItem xmlns:ds="http://schemas.openxmlformats.org/officeDocument/2006/customXml" ds:itemID="{2D0C81F5-4E08-4068-8DC9-6D21305E57B8}">
   <ds:schemaRefs>
     <ds:schemaRef ds:uri="http://schemas.microsoft.com/office/2006/metadata/properties"/>
@@ -16496,14 +16367,6 @@
     <ds:schemaRef ds:uri="http://schemas.microsoft.com/sharepoint/v3"/>
     <ds:schemaRef ds:uri="71af3243-3dd4-4a8d-8c0d-dd76da1f02a5"/>
     <ds:schemaRef ds:uri="230e9df3-be65-4c73-a93b-d1236ebd677e"/>
-  </ds:schemaRefs>
-</ds:datastoreItem>
-</file>
-
-<file path=customXml/itemProps2.xml><?xml version="1.0" encoding="utf-8"?>
-<ds:datastoreItem xmlns:ds="http://schemas.openxmlformats.org/officeDocument/2006/customXml" ds:itemID="{2119E3DC-63DC-4703-A1A6-A21819296CF6}">
-  <ds:schemaRefs>
-    <ds:schemaRef ds:uri="http://schemas.microsoft.com/sharepoint/v3/contenttype/forms"/>
   </ds:schemaRefs>
 </ds:datastoreItem>
 </file>
